--- a/Whiteboard design session/WDS trainer presentation - Azure Migration.pptx
+++ b/Whiteboard design session/WDS trainer presentation - Azure Migration.pptx
@@ -230,7 +230,7 @@
           <a:p>
             <a:fld id="{52A13B17-C506-4D51-BB37-16B365906619}" type="datetimeFigureOut">
               <a:rPr lang="en-US" smtClean="0"/>
-              <a:t>3/22/2019</a:t>
+              <a:t>5/3/2019</a:t>
             </a:fld>
             <a:endParaRPr lang="en-US"/>
           </a:p>
@@ -1531,7 +1531,7 @@
           <a:p>
             <a:fld id="{386CE63F-9E7F-4C04-9D0D-FCA25A8E9E86}" type="datetime8">
               <a:rPr lang="en-US" smtClean="0"/>
-              <a:t>3/22/2019 3:12 PM</a:t>
+              <a:t>5/3/2019 10:59 AM</a:t>
             </a:fld>
             <a:endParaRPr lang="en-US" dirty="0"/>
           </a:p>
@@ -1852,7 +1852,7 @@
           <a:p>
             <a:fld id="{386CE63F-9E7F-4C04-9D0D-FCA25A8E9E86}" type="datetime8">
               <a:rPr lang="en-US" smtClean="0"/>
-              <a:t>3/22/2019 3:10 PM</a:t>
+              <a:t>5/3/2019 10:59 AM</a:t>
             </a:fld>
             <a:endParaRPr lang="en-US" dirty="0"/>
           </a:p>
@@ -2029,7 +2029,7 @@
           <a:p>
             <a:fld id="{386CE63F-9E7F-4C04-9D0D-FCA25A8E9E86}" type="datetime8">
               <a:rPr lang="en-US" smtClean="0"/>
-              <a:t>3/22/2019 3:10 PM</a:t>
+              <a:t>5/3/2019 10:59 AM</a:t>
             </a:fld>
             <a:endParaRPr lang="en-US" dirty="0"/>
           </a:p>
@@ -2206,7 +2206,7 @@
           <a:p>
             <a:fld id="{386CE63F-9E7F-4C04-9D0D-FCA25A8E9E86}" type="datetime8">
               <a:rPr lang="en-US" smtClean="0"/>
-              <a:t>3/22/2019 3:44 PM</a:t>
+              <a:t>5/3/2019 10:59 AM</a:t>
             </a:fld>
             <a:endParaRPr lang="en-US" dirty="0"/>
           </a:p>
@@ -2383,7 +2383,7 @@
           <a:p>
             <a:fld id="{386CE63F-9E7F-4C04-9D0D-FCA25A8E9E86}" type="datetime8">
               <a:rPr lang="en-US" smtClean="0"/>
-              <a:t>3/22/2019 3:50 PM</a:t>
+              <a:t>5/3/2019 10:59 AM</a:t>
             </a:fld>
             <a:endParaRPr lang="en-US" dirty="0"/>
           </a:p>
@@ -2560,7 +2560,7 @@
           <a:p>
             <a:fld id="{386CE63F-9E7F-4C04-9D0D-FCA25A8E9E86}" type="datetime8">
               <a:rPr lang="en-US" smtClean="0"/>
-              <a:t>3/22/2019 3:51 PM</a:t>
+              <a:t>5/3/2019 10:59 AM</a:t>
             </a:fld>
             <a:endParaRPr lang="en-US" dirty="0"/>
           </a:p>
@@ -2737,7 +2737,7 @@
           <a:p>
             <a:fld id="{386CE63F-9E7F-4C04-9D0D-FCA25A8E9E86}" type="datetime8">
               <a:rPr lang="en-US" smtClean="0"/>
-              <a:t>3/22/2019 4:03 PM</a:t>
+              <a:t>5/3/2019 10:59 AM</a:t>
             </a:fld>
             <a:endParaRPr lang="en-US" dirty="0"/>
           </a:p>
@@ -3803,7 +3803,7 @@
                   <a:prstClr val="black"/>
                 </a:solidFill>
               </a:rPr>
-              <a:t>3/22/2019 1:08 PM</a:t>
+              <a:t>5/3/2019 10:59 AM</a:t>
             </a:fld>
             <a:endParaRPr lang="en-US" dirty="0">
               <a:solidFill>
@@ -16951,8 +16951,8 @@
         </p:nvSpPr>
         <p:spPr bwMode="auto">
           <a:xfrm>
-            <a:off x="1263367" y="3141690"/>
-            <a:ext cx="3096077" cy="579383"/>
+            <a:off x="788751" y="3021032"/>
+            <a:ext cx="3096077" cy="689363"/>
           </a:xfrm>
           <a:prstGeom prst="rect">
             <a:avLst/>
@@ -17027,7 +17027,7 @@
         </p:nvSpPr>
         <p:spPr bwMode="auto">
           <a:xfrm>
-            <a:off x="1263367" y="3952014"/>
+            <a:off x="788751" y="3941336"/>
             <a:ext cx="3096077" cy="975520"/>
           </a:xfrm>
           <a:prstGeom prst="rect">
@@ -17113,7 +17113,7 @@
                 <a:ea typeface="+mn-ea"/>
                 <a:cs typeface="+mn-cs"/>
               </a:rPr>
-              <a:t> your VMware environment for Azure suitability, sizing recommendations and cost estimates</a:t>
+              <a:t> your VMware environment for Azure suitability, sizing recommendations and cost estimates.</a:t>
             </a:r>
           </a:p>
         </p:txBody>
@@ -17132,8 +17132,8 @@
         </p:nvSpPr>
         <p:spPr bwMode="auto">
           <a:xfrm>
-            <a:off x="4514552" y="3131012"/>
-            <a:ext cx="3096077" cy="579383"/>
+            <a:off x="4309902" y="3021032"/>
+            <a:ext cx="3096077" cy="689363"/>
           </a:xfrm>
           <a:prstGeom prst="rect">
             <a:avLst/>
@@ -17208,7 +17208,7 @@
         </p:nvSpPr>
         <p:spPr bwMode="auto">
           <a:xfrm>
-            <a:off x="4514552" y="3941337"/>
+            <a:off x="4309902" y="3941336"/>
             <a:ext cx="3096077" cy="987462"/>
           </a:xfrm>
           <a:prstGeom prst="rect">
@@ -17252,7 +17252,7 @@
                 </a:solidFill>
                 <a:latin typeface="Calibri"/>
               </a:rPr>
-              <a:t>Use Azure Site Recovery for disaster recovery or to migrate on-premises application to Azure</a:t>
+              <a:t>Use Azure Site Recovery for disaster recovery or to migrate on-premises application to Azure.</a:t>
             </a:r>
           </a:p>
         </p:txBody>
@@ -17271,8 +17271,8 @@
         </p:nvSpPr>
         <p:spPr bwMode="auto">
           <a:xfrm>
-            <a:off x="7765737" y="3131012"/>
-            <a:ext cx="3096077" cy="579383"/>
+            <a:off x="7831053" y="3021032"/>
+            <a:ext cx="3760057" cy="689363"/>
           </a:xfrm>
           <a:prstGeom prst="rect">
             <a:avLst/>
@@ -17314,7 +17314,7 @@
               <a:defRPr/>
             </a:pPr>
             <a:r>
-              <a:rPr kumimoji="0" lang="en-US" sz="2000" b="0" i="0" u="none" strike="noStrike" kern="0" cap="none" spc="0" normalizeH="0" baseline="0" noProof="0" dirty="0">
+              <a:rPr kumimoji="0" lang="en-US" b="0" i="0" u="none" strike="noStrike" kern="0" cap="none" spc="0" normalizeH="0" baseline="0" noProof="0" dirty="0">
                 <a:ln>
                   <a:noFill/>
                 </a:ln>
@@ -17328,8 +17328,47 @@
                 <a:ea typeface="+mn-ea"/>
                 <a:cs typeface="+mn-cs"/>
               </a:rPr>
-              <a:t>Data Migration Service</a:t>
-            </a:r>
+              <a:t>Azure Database Migration Service</a:t>
+            </a:r>
+            <a:br>
+              <a:rPr kumimoji="0" lang="en-US" b="0" i="0" u="none" strike="noStrike" kern="0" cap="none" spc="0" normalizeH="0" baseline="0" noProof="0" dirty="0">
+                <a:ln>
+                  <a:noFill/>
+                </a:ln>
+                <a:solidFill>
+                  <a:srgbClr val="000000"/>
+                </a:solidFill>
+                <a:effectLst/>
+                <a:uLnTx/>
+                <a:uFillTx/>
+                <a:latin typeface="Calibri"/>
+                <a:ea typeface="+mn-ea"/>
+                <a:cs typeface="+mn-cs"/>
+              </a:rPr>
+            </a:br>
+            <a:r>
+              <a:rPr lang="en-US" kern="0" dirty="0">
+                <a:solidFill>
+                  <a:srgbClr val="000000"/>
+                </a:solidFill>
+                <a:latin typeface="Calibri"/>
+              </a:rPr>
+              <a:t>Microsoft Data Migration Assistant</a:t>
+            </a:r>
+            <a:endParaRPr kumimoji="0" lang="en-US" b="0" i="0" u="none" strike="noStrike" kern="0" cap="none" spc="0" normalizeH="0" baseline="0" noProof="0" dirty="0">
+              <a:ln>
+                <a:noFill/>
+              </a:ln>
+              <a:solidFill>
+                <a:srgbClr val="000000"/>
+              </a:solidFill>
+              <a:effectLst/>
+              <a:uLnTx/>
+              <a:uFillTx/>
+              <a:latin typeface="Calibri"/>
+              <a:ea typeface="+mn-ea"/>
+              <a:cs typeface="+mn-cs"/>
+            </a:endParaRPr>
           </a:p>
         </p:txBody>
       </p:sp>
@@ -17347,8 +17386,8 @@
         </p:nvSpPr>
         <p:spPr>
           <a:xfrm>
-            <a:off x="7765737" y="3941336"/>
-            <a:ext cx="3096077" cy="975520"/>
+            <a:off x="7831053" y="3941336"/>
+            <a:ext cx="3760057" cy="1819384"/>
           </a:xfrm>
           <a:prstGeom prst="rect">
             <a:avLst/>
@@ -17370,7 +17409,7 @@
                 <a:spcPct val="100000"/>
               </a:lnSpc>
               <a:spcBef>
-                <a:spcPts val="2000"/>
+                <a:spcPts val="600"/>
               </a:spcBef>
               <a:spcAft>
                 <a:spcPts val="196"/>
@@ -17389,20 +17428,42 @@
                 </a:solidFill>
                 <a:latin typeface="Calibri"/>
               </a:rPr>
-              <a:t>Azure Data Migration Service migrates  on-premises database to Azure with minimal downtime</a:t>
-            </a:r>
-            <a:endParaRPr kumimoji="0" lang="en-US" sz="1400" b="0" i="0" u="none" strike="noStrike" kern="0" cap="none" spc="0" normalizeH="0" baseline="0" noProof="0" dirty="0">
-              <a:ln>
-                <a:noFill/>
-              </a:ln>
-              <a:solidFill>
-                <a:schemeClr val="bg1"/>
-              </a:solidFill>
-              <a:effectLst/>
-              <a:uLnTx/>
-              <a:uFillTx/>
-              <a:latin typeface="Calibri"/>
-            </a:endParaRPr>
+              <a:t>Azure Database Migration Service migrates  on-premises database to Azure with minimal downtime.</a:t>
+            </a:r>
+          </a:p>
+          <a:p>
+            <a:pPr marL="0" marR="0" lvl="0" indent="0" defTabSz="896386" eaLnBrk="1" fontAlgn="auto" latinLnBrk="0" hangingPunct="1">
+              <a:lnSpc>
+                <a:spcPct val="100000"/>
+              </a:lnSpc>
+              <a:spcBef>
+                <a:spcPts val="600"/>
+              </a:spcBef>
+              <a:spcAft>
+                <a:spcPts val="196"/>
+              </a:spcAft>
+              <a:buClrTx/>
+              <a:buSzTx/>
+              <a:buFontTx/>
+              <a:buNone/>
+              <a:tabLst/>
+              <a:defRPr/>
+            </a:pPr>
+            <a:r>
+              <a:rPr kumimoji="0" lang="en-US" sz="1400" b="0" i="0" u="none" strike="noStrike" kern="0" cap="none" spc="0" normalizeH="0" baseline="0" noProof="0" dirty="0">
+                <a:ln>
+                  <a:noFill/>
+                </a:ln>
+                <a:solidFill>
+                  <a:schemeClr val="bg1"/>
+                </a:solidFill>
+                <a:effectLst/>
+                <a:uLnTx/>
+                <a:uFillTx/>
+                <a:latin typeface="Calibri"/>
+              </a:rPr>
+              <a:t>The Microsoft Data Migration Assistant supports the Database Migration Service by performing database compatibility assessments and schema migration.</a:t>
+            </a:r>
           </a:p>
         </p:txBody>
       </p:sp>
@@ -17423,7 +17484,7 @@
         </p:nvGrpSpPr>
         <p:grpSpPr>
           <a:xfrm>
-            <a:off x="5670021" y="1854694"/>
+            <a:off x="5465371" y="1854694"/>
             <a:ext cx="851958" cy="851958"/>
             <a:chOff x="5129742" y="2197594"/>
             <a:chExt cx="476250" cy="476250"/>
@@ -17867,7 +17928,7 @@
         </p:nvSpPr>
         <p:spPr bwMode="auto">
           <a:xfrm>
-            <a:off x="2215263" y="1943230"/>
+            <a:off x="1740647" y="1943230"/>
             <a:ext cx="1192284" cy="685894"/>
           </a:xfrm>
           <a:custGeom>
@@ -18301,7 +18362,7 @@
         </p:nvGrpSpPr>
         <p:grpSpPr>
           <a:xfrm>
-            <a:off x="8850905" y="1892777"/>
+            <a:off x="9291981" y="1943230"/>
             <a:ext cx="838200" cy="785969"/>
             <a:chOff x="8403167" y="1712360"/>
             <a:chExt cx="838200" cy="785969"/>
@@ -32567,24 +32628,6 @@
 </file>
 
 <file path=customXml/item1.xml><?xml version="1.0" encoding="utf-8"?>
-<p:properties xmlns:p="http://schemas.microsoft.com/office/2006/metadata/properties" xmlns:xsi="http://www.w3.org/2001/XMLSchema-instance" xmlns:pc="http://schemas.microsoft.com/office/infopath/2007/PartnerControls">
-  <documentManagement>
-    <_ip_UnifiedCompliancePolicyUIAction xmlns="http://schemas.microsoft.com/sharepoint/v3" xsi:nil="true"/>
-    <_ip_UnifiedCompliancePolicyProperties xmlns="http://schemas.microsoft.com/sharepoint/v3" xsi:nil="true"/>
-  </documentManagement>
-</p:properties>
-</file>
-
-<file path=customXml/item2.xml><?xml version="1.0" encoding="utf-8"?>
-<?mso-contentType ?>
-<FormTemplates xmlns="http://schemas.microsoft.com/sharepoint/v3/contenttype/forms">
-  <Display>DocumentLibraryForm</Display>
-  <Edit>DocumentLibraryForm</Edit>
-  <New>DocumentLibraryForm</New>
-</FormTemplates>
-</file>
-
-<file path=customXml/item3.xml><?xml version="1.0" encoding="utf-8"?>
 <ct:contentTypeSchema xmlns:ct="http://schemas.microsoft.com/office/2006/metadata/contentType" xmlns:ma="http://schemas.microsoft.com/office/2006/metadata/properties/metaAttributes" ct:_="" ma:_="" ma:contentTypeName="Document" ma:contentTypeID="0x010100D15DFA3690A15B4081582BBCC6BEAC3E" ma:contentTypeVersion="9" ma:contentTypeDescription="Create a new document." ma:contentTypeScope="" ma:versionID="642da1784587cbe85a7fdbbe4dc36103">
   <xsd:schema xmlns:xsd="http://www.w3.org/2001/XMLSchema" xmlns:xs="http://www.w3.org/2001/XMLSchema" xmlns:p="http://schemas.microsoft.com/office/2006/metadata/properties" xmlns:ns1="http://schemas.microsoft.com/sharepoint/v3" xmlns:ns2="2023ac63-7b75-4916-a9ee-591457758eee" xmlns:ns3="d9c797ad-d7c3-4982-82b7-81352a75e4a5" targetNamespace="http://schemas.microsoft.com/office/2006/metadata/properties" ma:root="true" ma:fieldsID="91198b0246576053cc55dd2c67035a89" ns1:_="" ns2:_="" ns3:_="">
     <xsd:import namespace="http://schemas.microsoft.com/sharepoint/v3"/>
@@ -32786,33 +32829,25 @@
 </ct:contentTypeSchema>
 </file>
 
-<file path=customXml/itemProps1.xml><?xml version="1.0" encoding="utf-8"?>
-<ds:datastoreItem xmlns:ds="http://schemas.openxmlformats.org/officeDocument/2006/customXml" ds:itemID="{BAF7D529-36AB-45DA-B239-2F912F2D1610}">
-  <ds:schemaRefs>
-    <ds:schemaRef ds:uri="http://purl.org/dc/elements/1.1/"/>
-    <ds:schemaRef ds:uri="http://schemas.microsoft.com/office/2006/metadata/properties"/>
-    <ds:schemaRef ds:uri="http://purl.org/dc/dcmitype/"/>
-    <ds:schemaRef ds:uri="http://schemas.microsoft.com/sharepoint/v3"/>
-    <ds:schemaRef ds:uri="http://purl.org/dc/terms/"/>
-    <ds:schemaRef ds:uri="2023ac63-7b75-4916-a9ee-591457758eee"/>
-    <ds:schemaRef ds:uri="http://schemas.microsoft.com/office/2006/documentManagement/types"/>
-    <ds:schemaRef ds:uri="http://schemas.microsoft.com/office/infopath/2007/PartnerControls"/>
-    <ds:schemaRef ds:uri="http://schemas.openxmlformats.org/package/2006/metadata/core-properties"/>
-    <ds:schemaRef ds:uri="d9c797ad-d7c3-4982-82b7-81352a75e4a5"/>
-    <ds:schemaRef ds:uri="http://www.w3.org/XML/1998/namespace"/>
-  </ds:schemaRefs>
-</ds:datastoreItem>
+<file path=customXml/item2.xml><?xml version="1.0" encoding="utf-8"?>
+<?mso-contentType ?>
+<FormTemplates xmlns="http://schemas.microsoft.com/sharepoint/v3/contenttype/forms">
+  <Display>DocumentLibraryForm</Display>
+  <Edit>DocumentLibraryForm</Edit>
+  <New>DocumentLibraryForm</New>
+</FormTemplates>
 </file>
 
-<file path=customXml/itemProps2.xml><?xml version="1.0" encoding="utf-8"?>
-<ds:datastoreItem xmlns:ds="http://schemas.openxmlformats.org/officeDocument/2006/customXml" ds:itemID="{F18501AF-04CF-4482-BAE1-607B49DDC378}">
-  <ds:schemaRefs>
-    <ds:schemaRef ds:uri="http://schemas.microsoft.com/sharepoint/v3/contenttype/forms"/>
-  </ds:schemaRefs>
-</ds:datastoreItem>
+<file path=customXml/item3.xml><?xml version="1.0" encoding="utf-8"?>
+<p:properties xmlns:p="http://schemas.microsoft.com/office/2006/metadata/properties" xmlns:xsi="http://www.w3.org/2001/XMLSchema-instance" xmlns:pc="http://schemas.microsoft.com/office/infopath/2007/PartnerControls">
+  <documentManagement>
+    <_ip_UnifiedCompliancePolicyUIAction xmlns="http://schemas.microsoft.com/sharepoint/v3" xsi:nil="true"/>
+    <_ip_UnifiedCompliancePolicyProperties xmlns="http://schemas.microsoft.com/sharepoint/v3" xsi:nil="true"/>
+  </documentManagement>
+</p:properties>
 </file>
 
-<file path=customXml/itemProps3.xml><?xml version="1.0" encoding="utf-8"?>
+<file path=customXml/itemProps1.xml><?xml version="1.0" encoding="utf-8"?>
 <ds:datastoreItem xmlns:ds="http://schemas.openxmlformats.org/officeDocument/2006/customXml" ds:itemID="{255F5BEB-6AD6-480A-8556-C80C5EBC10F2}">
   <ds:schemaRefs>
     <ds:schemaRef ds:uri="http://schemas.microsoft.com/office/2006/metadata/contentType"/>
@@ -32830,4 +32865,30 @@
     <ds:schemaRef ds:uri="http://schemas.microsoft.com/internal/obd"/>
   </ds:schemaRefs>
 </ds:datastoreItem>
+</file>
+
+<file path=customXml/itemProps2.xml><?xml version="1.0" encoding="utf-8"?>
+<ds:datastoreItem xmlns:ds="http://schemas.openxmlformats.org/officeDocument/2006/customXml" ds:itemID="{F18501AF-04CF-4482-BAE1-607B49DDC378}">
+  <ds:schemaRefs>
+    <ds:schemaRef ds:uri="http://schemas.microsoft.com/sharepoint/v3/contenttype/forms"/>
+  </ds:schemaRefs>
+</ds:datastoreItem>
+</file>
+
+<file path=customXml/itemProps3.xml><?xml version="1.0" encoding="utf-8"?>
+<ds:datastoreItem xmlns:ds="http://schemas.openxmlformats.org/officeDocument/2006/customXml" ds:itemID="{BAF7D529-36AB-45DA-B239-2F912F2D1610}">
+  <ds:schemaRefs>
+    <ds:schemaRef ds:uri="http://purl.org/dc/elements/1.1/"/>
+    <ds:schemaRef ds:uri="http://schemas.microsoft.com/office/2006/metadata/properties"/>
+    <ds:schemaRef ds:uri="http://purl.org/dc/dcmitype/"/>
+    <ds:schemaRef ds:uri="http://schemas.microsoft.com/sharepoint/v3"/>
+    <ds:schemaRef ds:uri="http://purl.org/dc/terms/"/>
+    <ds:schemaRef ds:uri="2023ac63-7b75-4916-a9ee-591457758eee"/>
+    <ds:schemaRef ds:uri="http://schemas.microsoft.com/office/2006/documentManagement/types"/>
+    <ds:schemaRef ds:uri="http://schemas.microsoft.com/office/infopath/2007/PartnerControls"/>
+    <ds:schemaRef ds:uri="http://schemas.openxmlformats.org/package/2006/metadata/core-properties"/>
+    <ds:schemaRef ds:uri="d9c797ad-d7c3-4982-82b7-81352a75e4a5"/>
+    <ds:schemaRef ds:uri="http://www.w3.org/XML/1998/namespace"/>
+  </ds:schemaRefs>
+</ds:datastoreItem>
 </file>
--- a/Whiteboard design session/WDS trainer presentation - Azure Migration.pptx
+++ b/Whiteboard design session/WDS trainer presentation - Azure Migration.pptx
@@ -1531,7 +1531,7 @@
           <a:p>
             <a:fld id="{386CE63F-9E7F-4C04-9D0D-FCA25A8E9E86}" type="datetime8">
               <a:rPr lang="en-US" smtClean="0"/>
-              <a:t>5/3/2019 10:59 AM</a:t>
+              <a:t>5/3/2019 12:30 PM</a:t>
             </a:fld>
             <a:endParaRPr lang="en-US" dirty="0"/>
           </a:p>
@@ -1852,7 +1852,7 @@
           <a:p>
             <a:fld id="{386CE63F-9E7F-4C04-9D0D-FCA25A8E9E86}" type="datetime8">
               <a:rPr lang="en-US" smtClean="0"/>
-              <a:t>5/3/2019 10:59 AM</a:t>
+              <a:t>5/3/2019 12:30 PM</a:t>
             </a:fld>
             <a:endParaRPr lang="en-US" dirty="0"/>
           </a:p>
@@ -2029,7 +2029,7 @@
           <a:p>
             <a:fld id="{386CE63F-9E7F-4C04-9D0D-FCA25A8E9E86}" type="datetime8">
               <a:rPr lang="en-US" smtClean="0"/>
-              <a:t>5/3/2019 10:59 AM</a:t>
+              <a:t>5/3/2019 12:30 PM</a:t>
             </a:fld>
             <a:endParaRPr lang="en-US" dirty="0"/>
           </a:p>
@@ -2206,7 +2206,7 @@
           <a:p>
             <a:fld id="{386CE63F-9E7F-4C04-9D0D-FCA25A8E9E86}" type="datetime8">
               <a:rPr lang="en-US" smtClean="0"/>
-              <a:t>5/3/2019 10:59 AM</a:t>
+              <a:t>5/3/2019 12:30 PM</a:t>
             </a:fld>
             <a:endParaRPr lang="en-US" dirty="0"/>
           </a:p>
@@ -2383,7 +2383,7 @@
           <a:p>
             <a:fld id="{386CE63F-9E7F-4C04-9D0D-FCA25A8E9E86}" type="datetime8">
               <a:rPr lang="en-US" smtClean="0"/>
-              <a:t>5/3/2019 10:59 AM</a:t>
+              <a:t>5/3/2019 12:30 PM</a:t>
             </a:fld>
             <a:endParaRPr lang="en-US" dirty="0"/>
           </a:p>
@@ -2560,7 +2560,7 @@
           <a:p>
             <a:fld id="{386CE63F-9E7F-4C04-9D0D-FCA25A8E9E86}" type="datetime8">
               <a:rPr lang="en-US" smtClean="0"/>
-              <a:t>5/3/2019 10:59 AM</a:t>
+              <a:t>5/3/2019 12:30 PM</a:t>
             </a:fld>
             <a:endParaRPr lang="en-US" dirty="0"/>
           </a:p>
@@ -2737,7 +2737,7 @@
           <a:p>
             <a:fld id="{386CE63F-9E7F-4C04-9D0D-FCA25A8E9E86}" type="datetime8">
               <a:rPr lang="en-US" smtClean="0"/>
-              <a:t>5/3/2019 10:59 AM</a:t>
+              <a:t>5/3/2019 12:30 PM</a:t>
             </a:fld>
             <a:endParaRPr lang="en-US" dirty="0"/>
           </a:p>
@@ -3803,7 +3803,7 @@
                   <a:prstClr val="black"/>
                 </a:solidFill>
               </a:rPr>
-              <a:t>5/3/2019 10:59 AM</a:t>
+              <a:t>5/3/2019 12:30 PM</a:t>
             </a:fld>
             <a:endParaRPr lang="en-US" dirty="0">
               <a:solidFill>
@@ -16695,7 +16695,7 @@
           <a:p>
             <a:r>
               <a:rPr lang="en-US" dirty="0"/>
-              <a:t>Azure Migration</a:t>
+              <a:t>Line of Business Application Migration</a:t>
             </a:r>
           </a:p>
         </p:txBody>
@@ -16726,6 +16726,10 @@
           <a:bodyPr/>
           <a:lstStyle/>
           <a:p>
+            <a:r>
+              <a:rPr lang="en-US"/>
+              <a:t>May 2019</a:t>
+            </a:r>
             <a:endParaRPr lang="en-US" dirty="0"/>
           </a:p>
         </p:txBody>
@@ -32628,6 +32632,15 @@
 </file>
 
 <file path=customXml/item1.xml><?xml version="1.0" encoding="utf-8"?>
+<?mso-contentType ?>
+<FormTemplates xmlns="http://schemas.microsoft.com/sharepoint/v3/contenttype/forms">
+  <Display>DocumentLibraryForm</Display>
+  <Edit>DocumentLibraryForm</Edit>
+  <New>DocumentLibraryForm</New>
+</FormTemplates>
+</file>
+
+<file path=customXml/item2.xml><?xml version="1.0" encoding="utf-8"?>
 <ct:contentTypeSchema xmlns:ct="http://schemas.microsoft.com/office/2006/metadata/contentType" xmlns:ma="http://schemas.microsoft.com/office/2006/metadata/properties/metaAttributes" ct:_="" ma:_="" ma:contentTypeName="Document" ma:contentTypeID="0x010100D15DFA3690A15B4081582BBCC6BEAC3E" ma:contentTypeVersion="9" ma:contentTypeDescription="Create a new document." ma:contentTypeScope="" ma:versionID="642da1784587cbe85a7fdbbe4dc36103">
   <xsd:schema xmlns:xsd="http://www.w3.org/2001/XMLSchema" xmlns:xs="http://www.w3.org/2001/XMLSchema" xmlns:p="http://schemas.microsoft.com/office/2006/metadata/properties" xmlns:ns1="http://schemas.microsoft.com/sharepoint/v3" xmlns:ns2="2023ac63-7b75-4916-a9ee-591457758eee" xmlns:ns3="d9c797ad-d7c3-4982-82b7-81352a75e4a5" targetNamespace="http://schemas.microsoft.com/office/2006/metadata/properties" ma:root="true" ma:fieldsID="91198b0246576053cc55dd2c67035a89" ns1:_="" ns2:_="" ns3:_="">
     <xsd:import namespace="http://schemas.microsoft.com/sharepoint/v3"/>
@@ -32829,15 +32842,6 @@
 </ct:contentTypeSchema>
 </file>
 
-<file path=customXml/item2.xml><?xml version="1.0" encoding="utf-8"?>
-<?mso-contentType ?>
-<FormTemplates xmlns="http://schemas.microsoft.com/sharepoint/v3/contenttype/forms">
-  <Display>DocumentLibraryForm</Display>
-  <Edit>DocumentLibraryForm</Edit>
-  <New>DocumentLibraryForm</New>
-</FormTemplates>
-</file>
-
 <file path=customXml/item3.xml><?xml version="1.0" encoding="utf-8"?>
 <p:properties xmlns:p="http://schemas.microsoft.com/office/2006/metadata/properties" xmlns:xsi="http://www.w3.org/2001/XMLSchema-instance" xmlns:pc="http://schemas.microsoft.com/office/infopath/2007/PartnerControls">
   <documentManagement>
@@ -32848,6 +32852,14 @@
 </file>
 
 <file path=customXml/itemProps1.xml><?xml version="1.0" encoding="utf-8"?>
+<ds:datastoreItem xmlns:ds="http://schemas.openxmlformats.org/officeDocument/2006/customXml" ds:itemID="{F18501AF-04CF-4482-BAE1-607B49DDC378}">
+  <ds:schemaRefs>
+    <ds:schemaRef ds:uri="http://schemas.microsoft.com/sharepoint/v3/contenttype/forms"/>
+  </ds:schemaRefs>
+</ds:datastoreItem>
+</file>
+
+<file path=customXml/itemProps2.xml><?xml version="1.0" encoding="utf-8"?>
 <ds:datastoreItem xmlns:ds="http://schemas.openxmlformats.org/officeDocument/2006/customXml" ds:itemID="{255F5BEB-6AD6-480A-8556-C80C5EBC10F2}">
   <ds:schemaRefs>
     <ds:schemaRef ds:uri="http://schemas.microsoft.com/office/2006/metadata/contentType"/>
@@ -32863,14 +32875,6 @@
     <ds:schemaRef ds:uri="http://purl.org/dc/elements/1.1/"/>
     <ds:schemaRef ds:uri="http://purl.org/dc/terms/"/>
     <ds:schemaRef ds:uri="http://schemas.microsoft.com/internal/obd"/>
-  </ds:schemaRefs>
-</ds:datastoreItem>
-</file>
-
-<file path=customXml/itemProps2.xml><?xml version="1.0" encoding="utf-8"?>
-<ds:datastoreItem xmlns:ds="http://schemas.openxmlformats.org/officeDocument/2006/customXml" ds:itemID="{F18501AF-04CF-4482-BAE1-607B49DDC378}">
-  <ds:schemaRefs>
-    <ds:schemaRef ds:uri="http://schemas.microsoft.com/sharepoint/v3/contenttype/forms"/>
   </ds:schemaRefs>
 </ds:datastoreItem>
 </file>

--- a/Whiteboard design session/WDS trainer presentation - Azure Migration.pptx
+++ b/Whiteboard design session/WDS trainer presentation - Azure Migration.pptx
@@ -6,7 +6,7 @@
     <p:sldMasterId id="2147483665" r:id="rId5"/>
   </p:sldMasterIdLst>
   <p:notesMasterIdLst>
-    <p:notesMasterId r:id="rId39"/>
+    <p:notesMasterId r:id="rId41"/>
   </p:notesMasterIdLst>
   <p:sldIdLst>
     <p:sldId id="300" r:id="rId6"/>
@@ -19,29 +19,31 @@
     <p:sldId id="324" r:id="rId13"/>
     <p:sldId id="326" r:id="rId14"/>
     <p:sldId id="304" r:id="rId15"/>
-    <p:sldId id="357" r:id="rId16"/>
-    <p:sldId id="1935" r:id="rId17"/>
-    <p:sldId id="320" r:id="rId18"/>
-    <p:sldId id="322" r:id="rId19"/>
-    <p:sldId id="321" r:id="rId20"/>
-    <p:sldId id="317" r:id="rId21"/>
-    <p:sldId id="316" r:id="rId22"/>
-    <p:sldId id="333" r:id="rId23"/>
-    <p:sldId id="1936" r:id="rId24"/>
-    <p:sldId id="1937" r:id="rId25"/>
-    <p:sldId id="1932" r:id="rId26"/>
-    <p:sldId id="1933" r:id="rId27"/>
-    <p:sldId id="1934" r:id="rId28"/>
-    <p:sldId id="1938" r:id="rId29"/>
-    <p:sldId id="1939" r:id="rId30"/>
-    <p:sldId id="1940" r:id="rId31"/>
-    <p:sldId id="1941" r:id="rId32"/>
-    <p:sldId id="329" r:id="rId33"/>
-    <p:sldId id="332" r:id="rId34"/>
-    <p:sldId id="331" r:id="rId35"/>
-    <p:sldId id="330" r:id="rId36"/>
-    <p:sldId id="318" r:id="rId37"/>
-    <p:sldId id="315" r:id="rId38"/>
+    <p:sldId id="1942" r:id="rId16"/>
+    <p:sldId id="357" r:id="rId17"/>
+    <p:sldId id="1935" r:id="rId18"/>
+    <p:sldId id="320" r:id="rId19"/>
+    <p:sldId id="322" r:id="rId20"/>
+    <p:sldId id="321" r:id="rId21"/>
+    <p:sldId id="317" r:id="rId22"/>
+    <p:sldId id="316" r:id="rId23"/>
+    <p:sldId id="333" r:id="rId24"/>
+    <p:sldId id="1936" r:id="rId25"/>
+    <p:sldId id="1937" r:id="rId26"/>
+    <p:sldId id="1932" r:id="rId27"/>
+    <p:sldId id="1933" r:id="rId28"/>
+    <p:sldId id="1934" r:id="rId29"/>
+    <p:sldId id="1938" r:id="rId30"/>
+    <p:sldId id="1939" r:id="rId31"/>
+    <p:sldId id="1940" r:id="rId32"/>
+    <p:sldId id="1941" r:id="rId33"/>
+    <p:sldId id="329" r:id="rId34"/>
+    <p:sldId id="332" r:id="rId35"/>
+    <p:sldId id="331" r:id="rId36"/>
+    <p:sldId id="330" r:id="rId37"/>
+    <p:sldId id="1943" r:id="rId38"/>
+    <p:sldId id="318" r:id="rId39"/>
+    <p:sldId id="315" r:id="rId40"/>
   </p:sldIdLst>
   <p:sldSz cx="12192000" cy="6858000"/>
   <p:notesSz cx="6858000" cy="9144000"/>
@@ -769,7 +771,7 @@
           <a:bodyPr/>
           <a:lstStyle/>
           <a:p>
-            <a:endParaRPr lang="en-US" dirty="0"/>
+            <a:endParaRPr lang="en-US"/>
           </a:p>
         </p:txBody>
       </p:sp>
@@ -792,14 +794,14 @@
               <a:rPr lang="en-US" smtClean="0"/>
               <a:t>11</a:t>
             </a:fld>
-            <a:endParaRPr lang="en-US" dirty="0"/>
+            <a:endParaRPr lang="en-US"/>
           </a:p>
         </p:txBody>
       </p:sp>
     </p:spTree>
     <p:extLst>
       <p:ext uri="{BB962C8B-B14F-4D97-AF65-F5344CB8AC3E}">
-        <p14:creationId xmlns:p14="http://schemas.microsoft.com/office/powerpoint/2010/main" val="331545315"/>
+        <p14:creationId xmlns:p14="http://schemas.microsoft.com/office/powerpoint/2010/main" val="704553712"/>
       </p:ext>
     </p:extLst>
   </p:cSld>
@@ -874,16 +876,16 @@
           <a:p>
             <a:fld id="{0998D5BB-B127-481F-BC0A-2F77C576BB34}" type="slidenum">
               <a:rPr lang="en-US" smtClean="0"/>
-              <a:t>13</a:t>
+              <a:t>12</a:t>
             </a:fld>
-            <a:endParaRPr lang="en-US"/>
+            <a:endParaRPr lang="en-US" dirty="0"/>
           </a:p>
         </p:txBody>
       </p:sp>
     </p:spTree>
     <p:extLst>
       <p:ext uri="{BB962C8B-B14F-4D97-AF65-F5344CB8AC3E}">
-        <p14:creationId xmlns:p14="http://schemas.microsoft.com/office/powerpoint/2010/main" val="3229744285"/>
+        <p14:creationId xmlns:p14="http://schemas.microsoft.com/office/powerpoint/2010/main" val="331545315"/>
       </p:ext>
     </p:extLst>
   </p:cSld>
@@ -967,7 +969,7 @@
     </p:spTree>
     <p:extLst>
       <p:ext uri="{BB962C8B-B14F-4D97-AF65-F5344CB8AC3E}">
-        <p14:creationId xmlns:p14="http://schemas.microsoft.com/office/powerpoint/2010/main" val="251902611"/>
+        <p14:creationId xmlns:p14="http://schemas.microsoft.com/office/powerpoint/2010/main" val="3229744285"/>
       </p:ext>
     </p:extLst>
   </p:cSld>
@@ -1051,7 +1053,7 @@
     </p:spTree>
     <p:extLst>
       <p:ext uri="{BB962C8B-B14F-4D97-AF65-F5344CB8AC3E}">
-        <p14:creationId xmlns:p14="http://schemas.microsoft.com/office/powerpoint/2010/main" val="1579283386"/>
+        <p14:creationId xmlns:p14="http://schemas.microsoft.com/office/powerpoint/2010/main" val="251902611"/>
       </p:ext>
     </p:extLst>
   </p:cSld>
@@ -1105,7 +1107,7 @@
           <a:bodyPr/>
           <a:lstStyle/>
           <a:p>
-            <a:endParaRPr lang="en-US"/>
+            <a:endParaRPr lang="en-US" dirty="0"/>
           </a:p>
         </p:txBody>
       </p:sp>
@@ -1135,7 +1137,7 @@
     </p:spTree>
     <p:extLst>
       <p:ext uri="{BB962C8B-B14F-4D97-AF65-F5344CB8AC3E}">
-        <p14:creationId xmlns:p14="http://schemas.microsoft.com/office/powerpoint/2010/main" val="647674203"/>
+        <p14:creationId xmlns:p14="http://schemas.microsoft.com/office/powerpoint/2010/main" val="1579283386"/>
       </p:ext>
     </p:extLst>
   </p:cSld>
@@ -1219,7 +1221,7 @@
     </p:spTree>
     <p:extLst>
       <p:ext uri="{BB962C8B-B14F-4D97-AF65-F5344CB8AC3E}">
-        <p14:creationId xmlns:p14="http://schemas.microsoft.com/office/powerpoint/2010/main" val="4179281765"/>
+        <p14:creationId xmlns:p14="http://schemas.microsoft.com/office/powerpoint/2010/main" val="647674203"/>
       </p:ext>
     </p:extLst>
   </p:cSld>
@@ -1303,7 +1305,7 @@
     </p:spTree>
     <p:extLst>
       <p:ext uri="{BB962C8B-B14F-4D97-AF65-F5344CB8AC3E}">
-        <p14:creationId xmlns:p14="http://schemas.microsoft.com/office/powerpoint/2010/main" val="2058578318"/>
+        <p14:creationId xmlns:p14="http://schemas.microsoft.com/office/powerpoint/2010/main" val="4179281765"/>
       </p:ext>
     </p:extLst>
   </p:cSld>
@@ -1387,7 +1389,7 @@
     </p:spTree>
     <p:extLst>
       <p:ext uri="{BB962C8B-B14F-4D97-AF65-F5344CB8AC3E}">
-        <p14:creationId xmlns:p14="http://schemas.microsoft.com/office/powerpoint/2010/main" val="1095388600"/>
+        <p14:creationId xmlns:p14="http://schemas.microsoft.com/office/powerpoint/2010/main" val="2058578318"/>
       </p:ext>
     </p:extLst>
   </p:cSld>
@@ -1441,30 +1443,18 @@
           <a:bodyPr/>
           <a:lstStyle/>
           <a:p>
-            <a:endParaRPr lang="en-IE" dirty="0"/>
-          </a:p>
-          <a:p>
-            <a:endParaRPr lang="en-IE" dirty="0"/>
-          </a:p>
-          <a:p>
-            <a:endParaRPr lang="en-IE" dirty="0"/>
-          </a:p>
-          <a:p>
-            <a:r>
-              <a:rPr lang="en-IE" dirty="0"/>
-              <a:t>Free for 180 days. Must use a dedicated Log Analytics workspace. No solution other than Service Map may be used with this workspace.</a:t>
-            </a:r>
+            <a:endParaRPr lang="en-US"/>
           </a:p>
         </p:txBody>
       </p:sp>
       <p:sp>
         <p:nvSpPr>
-          <p:cNvPr id="4" name="Header Placeholder 3"/>
+          <p:cNvPr id="4" name="Slide Number Placeholder 3"/>
           <p:cNvSpPr>
             <a:spLocks noGrp="1"/>
           </p:cNvSpPr>
           <p:nvPr>
-            <p:ph type="hdr" sz="quarter"/>
+            <p:ph type="sldNum" sz="quarter" idx="10"/>
           </p:nvPr>
         </p:nvSpPr>
         <p:spPr/>
@@ -1472,99 +1462,18 @@
           <a:bodyPr/>
           <a:lstStyle/>
           <a:p>
-            <a:endParaRPr lang="en-US" dirty="0"/>
-          </a:p>
-        </p:txBody>
-      </p:sp>
-      <p:sp>
-        <p:nvSpPr>
-          <p:cNvPr id="5" name="Footer Placeholder 4"/>
-          <p:cNvSpPr>
-            <a:spLocks noGrp="1"/>
-          </p:cNvSpPr>
-          <p:nvPr>
-            <p:ph type="ftr" sz="quarter" idx="4"/>
-          </p:nvPr>
-        </p:nvSpPr>
-        <p:spPr/>
-        <p:txBody>
-          <a:bodyPr/>
-          <a:lstStyle/>
-          <a:p>
-            <a:pPr defTabSz="914099" eaLnBrk="0" hangingPunct="0"/>
-            <a:r>
-              <a:rPr lang="en-US" sz="400" dirty="0">
-                <a:gradFill>
-                  <a:gsLst>
-                    <a:gs pos="0">
-                      <a:prstClr val="black"/>
-                    </a:gs>
-                    <a:gs pos="100000">
-                      <a:prstClr val="black"/>
-                    </a:gs>
-                  </a:gsLst>
-                  <a:lin ang="5400000" scaled="0"/>
-                </a:gradFill>
-                <a:latin typeface="Segoe UI" pitchFamily="34" charset="0"/>
-                <a:ea typeface="Segoe UI" pitchFamily="34" charset="0"/>
-                <a:cs typeface="Segoe UI" pitchFamily="34" charset="0"/>
-              </a:rPr>
-              <a:t>© Microsoft Corporation. All rights reserved. MICROSOFT MAKES NO WARRANTIES, EXPRESS, IMPLIED OR STATUTORY, AS TO THE INFORMATION IN THIS PRESENTATION.</a:t>
-            </a:r>
-          </a:p>
-        </p:txBody>
-      </p:sp>
-      <p:sp>
-        <p:nvSpPr>
-          <p:cNvPr id="6" name="Date Placeholder 5"/>
-          <p:cNvSpPr>
-            <a:spLocks noGrp="1"/>
-          </p:cNvSpPr>
-          <p:nvPr>
-            <p:ph type="dt" idx="1"/>
-          </p:nvPr>
-        </p:nvSpPr>
-        <p:spPr/>
-        <p:txBody>
-          <a:bodyPr/>
-          <a:lstStyle/>
-          <a:p>
-            <a:fld id="{386CE63F-9E7F-4C04-9D0D-FCA25A8E9E86}" type="datetime8">
+            <a:fld id="{0998D5BB-B127-481F-BC0A-2F77C576BB34}" type="slidenum">
               <a:rPr lang="en-US" smtClean="0"/>
-              <a:t>5/3/2019 12:30 PM</a:t>
+              <a:t>20</a:t>
             </a:fld>
-            <a:endParaRPr lang="en-US" dirty="0"/>
-          </a:p>
-        </p:txBody>
-      </p:sp>
-      <p:sp>
-        <p:nvSpPr>
-          <p:cNvPr id="7" name="Slide Number Placeholder 6"/>
-          <p:cNvSpPr>
-            <a:spLocks noGrp="1"/>
-          </p:cNvSpPr>
-          <p:nvPr>
-            <p:ph type="sldNum" sz="quarter" idx="5"/>
-          </p:nvPr>
-        </p:nvSpPr>
-        <p:spPr/>
-        <p:txBody>
-          <a:bodyPr/>
-          <a:lstStyle/>
-          <a:p>
-            <a:fld id="{B4008EB6-D09E-4580-8CD6-DDB14511944F}" type="slidenum">
-              <a:rPr lang="en-US" smtClean="0"/>
-              <a:pPr/>
-              <a:t>21</a:t>
-            </a:fld>
-            <a:endParaRPr lang="en-US" dirty="0"/>
+            <a:endParaRPr lang="en-US"/>
           </a:p>
         </p:txBody>
       </p:sp>
     </p:spTree>
     <p:extLst>
       <p:ext uri="{BB962C8B-B14F-4D97-AF65-F5344CB8AC3E}">
-        <p14:creationId xmlns:p14="http://schemas.microsoft.com/office/powerpoint/2010/main" val="3721556546"/>
+        <p14:creationId xmlns:p14="http://schemas.microsoft.com/office/powerpoint/2010/main" val="1095388600"/>
       </p:ext>
     </p:extLst>
   </p:cSld>
@@ -1852,7 +1761,7 @@
           <a:p>
             <a:fld id="{386CE63F-9E7F-4C04-9D0D-FCA25A8E9E86}" type="datetime8">
               <a:rPr lang="en-US" smtClean="0"/>
-              <a:t>5/3/2019 12:30 PM</a:t>
+              <a:t>5/3/2019 1:20 PM</a:t>
             </a:fld>
             <a:endParaRPr lang="en-US" dirty="0"/>
           </a:p>
@@ -1885,7 +1794,7 @@
     </p:spTree>
     <p:extLst>
       <p:ext uri="{BB962C8B-B14F-4D97-AF65-F5344CB8AC3E}">
-        <p14:creationId xmlns:p14="http://schemas.microsoft.com/office/powerpoint/2010/main" val="3838570697"/>
+        <p14:creationId xmlns:p14="http://schemas.microsoft.com/office/powerpoint/2010/main" val="3721556546"/>
       </p:ext>
     </p:extLst>
   </p:cSld>
@@ -2029,7 +1938,7 @@
           <a:p>
             <a:fld id="{386CE63F-9E7F-4C04-9D0D-FCA25A8E9E86}" type="datetime8">
               <a:rPr lang="en-US" smtClean="0"/>
-              <a:t>5/3/2019 12:30 PM</a:t>
+              <a:t>5/3/2019 1:20 PM</a:t>
             </a:fld>
             <a:endParaRPr lang="en-US" dirty="0"/>
           </a:p>
@@ -2062,7 +1971,7 @@
     </p:spTree>
     <p:extLst>
       <p:ext uri="{BB962C8B-B14F-4D97-AF65-F5344CB8AC3E}">
-        <p14:creationId xmlns:p14="http://schemas.microsoft.com/office/powerpoint/2010/main" val="3093921661"/>
+        <p14:creationId xmlns:p14="http://schemas.microsoft.com/office/powerpoint/2010/main" val="3838570697"/>
       </p:ext>
     </p:extLst>
   </p:cSld>
@@ -2206,7 +2115,7 @@
           <a:p>
             <a:fld id="{386CE63F-9E7F-4C04-9D0D-FCA25A8E9E86}" type="datetime8">
               <a:rPr lang="en-US" smtClean="0"/>
-              <a:t>5/3/2019 12:30 PM</a:t>
+              <a:t>5/3/2019 1:20 PM</a:t>
             </a:fld>
             <a:endParaRPr lang="en-US" dirty="0"/>
           </a:p>
@@ -2239,7 +2148,7 @@
     </p:spTree>
     <p:extLst>
       <p:ext uri="{BB962C8B-B14F-4D97-AF65-F5344CB8AC3E}">
-        <p14:creationId xmlns:p14="http://schemas.microsoft.com/office/powerpoint/2010/main" val="108880782"/>
+        <p14:creationId xmlns:p14="http://schemas.microsoft.com/office/powerpoint/2010/main" val="3093921661"/>
       </p:ext>
     </p:extLst>
   </p:cSld>
@@ -2383,7 +2292,7 @@
           <a:p>
             <a:fld id="{386CE63F-9E7F-4C04-9D0D-FCA25A8E9E86}" type="datetime8">
               <a:rPr lang="en-US" smtClean="0"/>
-              <a:t>5/3/2019 12:30 PM</a:t>
+              <a:t>5/3/2019 1:20 PM</a:t>
             </a:fld>
             <a:endParaRPr lang="en-US" dirty="0"/>
           </a:p>
@@ -2416,7 +2325,7 @@
     </p:spTree>
     <p:extLst>
       <p:ext uri="{BB962C8B-B14F-4D97-AF65-F5344CB8AC3E}">
-        <p14:creationId xmlns:p14="http://schemas.microsoft.com/office/powerpoint/2010/main" val="217885602"/>
+        <p14:creationId xmlns:p14="http://schemas.microsoft.com/office/powerpoint/2010/main" val="108880782"/>
       </p:ext>
     </p:extLst>
   </p:cSld>
@@ -2560,7 +2469,7 @@
           <a:p>
             <a:fld id="{386CE63F-9E7F-4C04-9D0D-FCA25A8E9E86}" type="datetime8">
               <a:rPr lang="en-US" smtClean="0"/>
-              <a:t>5/3/2019 12:30 PM</a:t>
+              <a:t>5/3/2019 1:20 PM</a:t>
             </a:fld>
             <a:endParaRPr lang="en-US" dirty="0"/>
           </a:p>
@@ -2593,7 +2502,7 @@
     </p:spTree>
     <p:extLst>
       <p:ext uri="{BB962C8B-B14F-4D97-AF65-F5344CB8AC3E}">
-        <p14:creationId xmlns:p14="http://schemas.microsoft.com/office/powerpoint/2010/main" val="4178015033"/>
+        <p14:creationId xmlns:p14="http://schemas.microsoft.com/office/powerpoint/2010/main" val="217885602"/>
       </p:ext>
     </p:extLst>
   </p:cSld>
@@ -2737,7 +2646,7 @@
           <a:p>
             <a:fld id="{386CE63F-9E7F-4C04-9D0D-FCA25A8E9E86}" type="datetime8">
               <a:rPr lang="en-US" smtClean="0"/>
-              <a:t>5/3/2019 12:30 PM</a:t>
+              <a:t>5/3/2019 1:20 PM</a:t>
             </a:fld>
             <a:endParaRPr lang="en-US" dirty="0"/>
           </a:p>
@@ -2770,7 +2679,7 @@
     </p:spTree>
     <p:extLst>
       <p:ext uri="{BB962C8B-B14F-4D97-AF65-F5344CB8AC3E}">
-        <p14:creationId xmlns:p14="http://schemas.microsoft.com/office/powerpoint/2010/main" val="3801014734"/>
+        <p14:creationId xmlns:p14="http://schemas.microsoft.com/office/powerpoint/2010/main" val="4178015033"/>
       </p:ext>
     </p:extLst>
   </p:cSld>
@@ -2824,128 +2733,30 @@
           <a:bodyPr/>
           <a:lstStyle/>
           <a:p>
-            <a:r>
-              <a:rPr lang="en-US" sz="1200" b="1" kern="1200" dirty="0">
-                <a:solidFill>
-                  <a:schemeClr val="tx1"/>
-                </a:solidFill>
-                <a:effectLst/>
-                <a:latin typeface="+mn-lt"/>
-                <a:ea typeface="+mn-ea"/>
-                <a:cs typeface="+mn-cs"/>
-              </a:rPr>
-              <a:t>**Objection:**</a:t>
-            </a:r>
-            <a:r>
-              <a:rPr lang="en-US" sz="1200" b="0" kern="1200" dirty="0">
-                <a:solidFill>
-                  <a:schemeClr val="tx1"/>
-                </a:solidFill>
-                <a:effectLst/>
-                <a:latin typeface="+mn-lt"/>
-                <a:ea typeface="+mn-ea"/>
-                <a:cs typeface="+mn-cs"/>
-              </a:rPr>
-              <a:t> Owners of each business application need to approve any substantial application change, including migration. Business owners have indicated that they will require evidence that migration will be successful before granting approval.</a:t>
-            </a:r>
-          </a:p>
-          <a:p>
-            <a:br>
-              <a:rPr lang="en-US" sz="1200" b="0" kern="1200" dirty="0">
-                <a:solidFill>
-                  <a:schemeClr val="tx1"/>
-                </a:solidFill>
-                <a:effectLst/>
-                <a:latin typeface="+mn-lt"/>
-                <a:ea typeface="+mn-ea"/>
-                <a:cs typeface="+mn-cs"/>
-              </a:rPr>
-            </a:br>
-            <a:r>
-              <a:rPr lang="en-US" sz="1200" b="1" kern="1200" dirty="0">
-                <a:solidFill>
-                  <a:schemeClr val="tx1"/>
-                </a:solidFill>
-                <a:effectLst/>
-                <a:latin typeface="+mn-lt"/>
-                <a:ea typeface="+mn-ea"/>
-                <a:cs typeface="+mn-cs"/>
-              </a:rPr>
-              <a:t>**Answer:**</a:t>
-            </a:r>
-            <a:r>
-              <a:rPr lang="en-US" sz="1200" b="0" kern="1200" dirty="0">
-                <a:solidFill>
-                  <a:schemeClr val="tx1"/>
-                </a:solidFill>
-                <a:effectLst/>
-                <a:latin typeface="+mn-lt"/>
-                <a:ea typeface="+mn-ea"/>
-                <a:cs typeface="+mn-cs"/>
-              </a:rPr>
-              <a:t> Migration projects should include creation of a proof of concept deployment, to validate the overall architecture and any assumptions, for example regarding the impact of changes to network latency between application components. This helps build confidence in Azure as a platform for hosting the application.</a:t>
-            </a:r>
-          </a:p>
-          <a:p>
-            <a:br>
-              <a:rPr lang="en-US" sz="1200" b="0" kern="1200" dirty="0">
-                <a:solidFill>
-                  <a:schemeClr val="tx1"/>
-                </a:solidFill>
-                <a:effectLst/>
-                <a:latin typeface="+mn-lt"/>
-                <a:ea typeface="+mn-ea"/>
-                <a:cs typeface="+mn-cs"/>
-              </a:rPr>
-            </a:br>
-            <a:r>
-              <a:rPr lang="en-US" sz="1200" b="0" kern="1200" dirty="0">
-                <a:solidFill>
-                  <a:schemeClr val="tx1"/>
-                </a:solidFill>
-                <a:effectLst/>
-                <a:latin typeface="+mn-lt"/>
-                <a:ea typeface="+mn-ea"/>
-                <a:cs typeface="+mn-cs"/>
-              </a:rPr>
-              <a:t>For the migration process itself, Azure Site Recovery supports a 'test failover'. This creates the Azure deployment in parallel with the existing deployment, allowing the migration process to be verified without risk of production impact. Likewise, database migration using DMS does not impact the existing production database.</a:t>
-            </a:r>
-          </a:p>
-          <a:p>
-            <a:br>
-              <a:rPr lang="en-US" sz="1200" b="0" kern="1200" dirty="0">
-                <a:solidFill>
-                  <a:schemeClr val="tx1"/>
-                </a:solidFill>
-                <a:effectLst/>
-                <a:latin typeface="+mn-lt"/>
-                <a:ea typeface="+mn-ea"/>
-                <a:cs typeface="+mn-cs"/>
-              </a:rPr>
-            </a:br>
-            <a:r>
-              <a:rPr lang="en-US" sz="1200" b="0" kern="1200" dirty="0">
-                <a:solidFill>
-                  <a:schemeClr val="tx1"/>
-                </a:solidFill>
-                <a:effectLst/>
-                <a:latin typeface="+mn-lt"/>
-                <a:ea typeface="+mn-ea"/>
-                <a:cs typeface="+mn-cs"/>
-              </a:rPr>
-              <a:t>Third-party migration tools used for migration of physical servers similarly support a validation step prior to committing the migration.</a:t>
+            <a:endParaRPr lang="en-IE" dirty="0"/>
+          </a:p>
+          <a:p>
+            <a:endParaRPr lang="en-IE" dirty="0"/>
+          </a:p>
+          <a:p>
+            <a:endParaRPr lang="en-IE" dirty="0"/>
+          </a:p>
+          <a:p>
+            <a:r>
+              <a:rPr lang="en-IE" dirty="0"/>
+              <a:t>Free for 180 days. Must use a dedicated Log Analytics workspace. No solution other than Service Map may be used with this workspace.</a:t>
             </a:r>
           </a:p>
         </p:txBody>
       </p:sp>
       <p:sp>
         <p:nvSpPr>
-          <p:cNvPr id="4" name="Slide Number Placeholder 3"/>
+          <p:cNvPr id="4" name="Header Placeholder 3"/>
           <p:cNvSpPr>
             <a:spLocks noGrp="1"/>
           </p:cNvSpPr>
           <p:nvPr>
-            <p:ph type="sldNum" sz="quarter" idx="10"/>
+            <p:ph type="hdr" sz="quarter"/>
           </p:nvPr>
         </p:nvSpPr>
         <p:spPr/>
@@ -2953,18 +2764,99 @@
           <a:bodyPr/>
           <a:lstStyle/>
           <a:p>
-            <a:fld id="{0998D5BB-B127-481F-BC0A-2F77C576BB34}" type="slidenum">
+            <a:endParaRPr lang="en-US" dirty="0"/>
+          </a:p>
+        </p:txBody>
+      </p:sp>
+      <p:sp>
+        <p:nvSpPr>
+          <p:cNvPr id="5" name="Footer Placeholder 4"/>
+          <p:cNvSpPr>
+            <a:spLocks noGrp="1"/>
+          </p:cNvSpPr>
+          <p:nvPr>
+            <p:ph type="ftr" sz="quarter" idx="4"/>
+          </p:nvPr>
+        </p:nvSpPr>
+        <p:spPr/>
+        <p:txBody>
+          <a:bodyPr/>
+          <a:lstStyle/>
+          <a:p>
+            <a:pPr defTabSz="914099" eaLnBrk="0" hangingPunct="0"/>
+            <a:r>
+              <a:rPr lang="en-US" sz="400" dirty="0">
+                <a:gradFill>
+                  <a:gsLst>
+                    <a:gs pos="0">
+                      <a:prstClr val="black"/>
+                    </a:gs>
+                    <a:gs pos="100000">
+                      <a:prstClr val="black"/>
+                    </a:gs>
+                  </a:gsLst>
+                  <a:lin ang="5400000" scaled="0"/>
+                </a:gradFill>
+                <a:latin typeface="Segoe UI" pitchFamily="34" charset="0"/>
+                <a:ea typeface="Segoe UI" pitchFamily="34" charset="0"/>
+                <a:cs typeface="Segoe UI" pitchFamily="34" charset="0"/>
+              </a:rPr>
+              <a:t>© Microsoft Corporation. All rights reserved. MICROSOFT MAKES NO WARRANTIES, EXPRESS, IMPLIED OR STATUTORY, AS TO THE INFORMATION IN THIS PRESENTATION.</a:t>
+            </a:r>
+          </a:p>
+        </p:txBody>
+      </p:sp>
+      <p:sp>
+        <p:nvSpPr>
+          <p:cNvPr id="6" name="Date Placeholder 5"/>
+          <p:cNvSpPr>
+            <a:spLocks noGrp="1"/>
+          </p:cNvSpPr>
+          <p:nvPr>
+            <p:ph type="dt" idx="1"/>
+          </p:nvPr>
+        </p:nvSpPr>
+        <p:spPr/>
+        <p:txBody>
+          <a:bodyPr/>
+          <a:lstStyle/>
+          <a:p>
+            <a:fld id="{386CE63F-9E7F-4C04-9D0D-FCA25A8E9E86}" type="datetime8">
               <a:rPr lang="en-US" smtClean="0"/>
+              <a:t>5/3/2019 1:20 PM</a:t>
+            </a:fld>
+            <a:endParaRPr lang="en-US" dirty="0"/>
+          </a:p>
+        </p:txBody>
+      </p:sp>
+      <p:sp>
+        <p:nvSpPr>
+          <p:cNvPr id="7" name="Slide Number Placeholder 6"/>
+          <p:cNvSpPr>
+            <a:spLocks noGrp="1"/>
+          </p:cNvSpPr>
+          <p:nvPr>
+            <p:ph type="sldNum" sz="quarter" idx="5"/>
+          </p:nvPr>
+        </p:nvSpPr>
+        <p:spPr/>
+        <p:txBody>
+          <a:bodyPr/>
+          <a:lstStyle/>
+          <a:p>
+            <a:fld id="{B4008EB6-D09E-4580-8CD6-DDB14511944F}" type="slidenum">
+              <a:rPr lang="en-US" smtClean="0"/>
+              <a:pPr/>
               <a:t>28</a:t>
             </a:fld>
-            <a:endParaRPr lang="en-US"/>
+            <a:endParaRPr lang="en-US" dirty="0"/>
           </a:p>
         </p:txBody>
       </p:sp>
     </p:spTree>
     <p:extLst>
       <p:ext uri="{BB962C8B-B14F-4D97-AF65-F5344CB8AC3E}">
-        <p14:creationId xmlns:p14="http://schemas.microsoft.com/office/powerpoint/2010/main" val="1440095304"/>
+        <p14:creationId xmlns:p14="http://schemas.microsoft.com/office/powerpoint/2010/main" val="3801014734"/>
       </p:ext>
     </p:extLst>
   </p:cSld>
@@ -3040,31 +2932,7 @@
                 <a:ea typeface="+mn-ea"/>
                 <a:cs typeface="+mn-cs"/>
               </a:rPr>
-              <a:t> </a:t>
-            </a:r>
-            <a:r>
-              <a:rPr lang="en-US" sz="1200" b="0" kern="1200" dirty="0" err="1">
-                <a:solidFill>
-                  <a:schemeClr val="tx1"/>
-                </a:solidFill>
-                <a:effectLst/>
-                <a:latin typeface="+mn-lt"/>
-                <a:ea typeface="+mn-ea"/>
-                <a:cs typeface="+mn-cs"/>
-              </a:rPr>
-              <a:t>Fabrikam</a:t>
-            </a:r>
-            <a:r>
-              <a:rPr lang="en-US" sz="1200" b="0" kern="1200" dirty="0">
-                <a:solidFill>
-                  <a:schemeClr val="tx1"/>
-                </a:solidFill>
-                <a:effectLst/>
-                <a:latin typeface="+mn-lt"/>
-                <a:ea typeface="+mn-ea"/>
-                <a:cs typeface="+mn-cs"/>
-              </a:rPr>
-              <a:t> have negotiated an Enterprise Agreement (EA) with Microsoft for their Azure consumption. Any cost estimates need to reflect their EA discount.</a:t>
+              <a:t> Owners of each business application need to approve any substantial application change, including migration. Business owners have indicated that they will require evidence that migration will be successful before granting approval.</a:t>
             </a:r>
           </a:p>
           <a:p>
@@ -3101,7 +2969,57 @@
                 <a:ea typeface="+mn-ea"/>
                 <a:cs typeface="+mn-cs"/>
               </a:rPr>
-              <a:t> Not a problem! Cost estimates from both Azure Migrate and the Azure Pricing Calculator can be tailored to reflect your EA discount.</a:t>
+              <a:t> Migration projects should include creation of a proof of concept deployment, to validate the overall architecture and any assumptions, for example regarding the impact of changes to network latency between application components. This helps build confidence in Azure as a platform for hosting the application.</a:t>
+            </a:r>
+          </a:p>
+          <a:p>
+            <a:br>
+              <a:rPr lang="en-US" sz="1200" b="0" kern="1200" dirty="0">
+                <a:solidFill>
+                  <a:schemeClr val="tx1"/>
+                </a:solidFill>
+                <a:effectLst/>
+                <a:latin typeface="+mn-lt"/>
+                <a:ea typeface="+mn-ea"/>
+                <a:cs typeface="+mn-cs"/>
+              </a:rPr>
+            </a:br>
+            <a:r>
+              <a:rPr lang="en-US" sz="1200" b="0" kern="1200" dirty="0">
+                <a:solidFill>
+                  <a:schemeClr val="tx1"/>
+                </a:solidFill>
+                <a:effectLst/>
+                <a:latin typeface="+mn-lt"/>
+                <a:ea typeface="+mn-ea"/>
+                <a:cs typeface="+mn-cs"/>
+              </a:rPr>
+              <a:t>For the migration process itself, Azure Site Recovery supports a 'test failover'. This creates the Azure deployment in parallel with the existing deployment, allowing the migration process to be verified without risk of production impact. Likewise, database migration using DMS does not impact the existing production database.</a:t>
+            </a:r>
+          </a:p>
+          <a:p>
+            <a:br>
+              <a:rPr lang="en-US" sz="1200" b="0" kern="1200" dirty="0">
+                <a:solidFill>
+                  <a:schemeClr val="tx1"/>
+                </a:solidFill>
+                <a:effectLst/>
+                <a:latin typeface="+mn-lt"/>
+                <a:ea typeface="+mn-ea"/>
+                <a:cs typeface="+mn-cs"/>
+              </a:rPr>
+            </a:br>
+            <a:r>
+              <a:rPr lang="en-US" sz="1200" b="0" kern="1200" dirty="0">
+                <a:solidFill>
+                  <a:schemeClr val="tx1"/>
+                </a:solidFill>
+                <a:effectLst/>
+                <a:latin typeface="+mn-lt"/>
+                <a:ea typeface="+mn-ea"/>
+                <a:cs typeface="+mn-cs"/>
+              </a:rPr>
+              <a:t>Third-party migration tools used for migration of physical servers similarly support a validation step prior to committing the migration.</a:t>
             </a:r>
           </a:p>
         </p:txBody>
@@ -3132,7 +3050,7 @@
     </p:spTree>
     <p:extLst>
       <p:ext uri="{BB962C8B-B14F-4D97-AF65-F5344CB8AC3E}">
-        <p14:creationId xmlns:p14="http://schemas.microsoft.com/office/powerpoint/2010/main" val="1807515612"/>
+        <p14:creationId xmlns:p14="http://schemas.microsoft.com/office/powerpoint/2010/main" val="1440095304"/>
       </p:ext>
     </p:extLst>
   </p:cSld>
@@ -3208,12 +3126,10 @@
                 <a:ea typeface="+mn-ea"/>
                 <a:cs typeface="+mn-cs"/>
               </a:rPr>
-              <a:t> Many applications comprise multiple components or tiers. How can you ensure that these migrations are appropriately orchestrated?</a:t>
-            </a:r>
-          </a:p>
-          <a:p>
-            <a:r>
-              <a:rPr lang="en-US" sz="1200" b="1" kern="1200" dirty="0">
+              <a:t> </a:t>
+            </a:r>
+            <a:r>
+              <a:rPr lang="en-US" sz="1200" b="0" kern="1200" dirty="0" err="1">
                 <a:solidFill>
                   <a:schemeClr val="tx1"/>
                 </a:solidFill>
@@ -3222,7 +3138,7 @@
                 <a:ea typeface="+mn-ea"/>
                 <a:cs typeface="+mn-cs"/>
               </a:rPr>
-              <a:t>**Answer:**</a:t>
+              <a:t>Fabrikam</a:t>
             </a:r>
             <a:r>
               <a:rPr lang="en-US" sz="1200" b="0" kern="1200" dirty="0">
@@ -3234,7 +3150,7 @@
                 <a:ea typeface="+mn-ea"/>
                 <a:cs typeface="+mn-cs"/>
               </a:rPr>
-              <a:t> Using Azure Site Recovery, VMs can be grouped to reflect the application architecture. The dependency visualization feature of Azure Migrate helps identify and configure these groupings.</a:t>
+              <a:t> have negotiated an Enterprise Agreement (EA) with Microsoft for their Azure consumption. Any cost estimates need to reflect their EA discount.</a:t>
             </a:r>
           </a:p>
           <a:p>
@@ -3250,6 +3166,18 @@
               </a:rPr>
             </a:br>
             <a:r>
+              <a:rPr lang="en-US" sz="1200" b="1" kern="1200" dirty="0">
+                <a:solidFill>
+                  <a:schemeClr val="tx1"/>
+                </a:solidFill>
+                <a:effectLst/>
+                <a:latin typeface="+mn-lt"/>
+                <a:ea typeface="+mn-ea"/>
+                <a:cs typeface="+mn-cs"/>
+              </a:rPr>
+              <a:t>**Answer:**</a:t>
+            </a:r>
+            <a:r>
               <a:rPr lang="en-US" sz="1200" b="0" kern="1200" dirty="0">
                 <a:solidFill>
                   <a:schemeClr val="tx1"/>
@@ -3259,36 +3187,8 @@
                 <a:ea typeface="+mn-ea"/>
                 <a:cs typeface="+mn-cs"/>
               </a:rPr>
-              <a:t>The migration process can then be staged to migrate different groups of VMs separately. Custom scripts can be used to perform custom pre- and post-migration operations.</a:t>
-            </a:r>
-          </a:p>
-          <a:p>
-            <a:br>
-              <a:rPr lang="en-US" sz="1200" b="0" kern="1200" dirty="0">
-                <a:solidFill>
-                  <a:schemeClr val="tx1"/>
-                </a:solidFill>
-                <a:effectLst/>
-                <a:latin typeface="+mn-lt"/>
-                <a:ea typeface="+mn-ea"/>
-                <a:cs typeface="+mn-cs"/>
-              </a:rPr>
-            </a:br>
-            <a:r>
-              <a:rPr lang="en-US" sz="1200" b="0" kern="1200" dirty="0">
-                <a:solidFill>
-                  <a:schemeClr val="tx1"/>
-                </a:solidFill>
-                <a:effectLst/>
-                <a:latin typeface="+mn-lt"/>
-                <a:ea typeface="+mn-ea"/>
-                <a:cs typeface="+mn-cs"/>
-              </a:rPr>
-              <a:t>Similar orchestration is also supported by third-party migration tools, used for physical servers.</a:t>
-            </a:r>
-          </a:p>
-          <a:p>
-            <a:endParaRPr lang="en-US" dirty="0"/>
+              <a:t> Not a problem! Cost estimates from both Azure Migrate and the Azure Pricing Calculator can be tailored to reflect your EA discount.</a:t>
+            </a:r>
           </a:p>
         </p:txBody>
       </p:sp>
@@ -3318,7 +3218,7 @@
     </p:spTree>
     <p:extLst>
       <p:ext uri="{BB962C8B-B14F-4D97-AF65-F5344CB8AC3E}">
-        <p14:creationId xmlns:p14="http://schemas.microsoft.com/office/powerpoint/2010/main" val="1536402107"/>
+        <p14:creationId xmlns:p14="http://schemas.microsoft.com/office/powerpoint/2010/main" val="1807515612"/>
       </p:ext>
     </p:extLst>
   </p:cSld>
@@ -3394,7 +3294,7 @@
                 <a:ea typeface="+mn-ea"/>
                 <a:cs typeface="+mn-cs"/>
               </a:rPr>
-              <a:t> To reduce business impact, each migration should be designed to minimize application downtime. In addition, to reduce risk, there must be an option to fail-back should the migration experience an unexpected problem.</a:t>
+              <a:t> Many applications comprise multiple components or tiers. How can you ensure that these migrations are appropriately orchestrated?</a:t>
             </a:r>
           </a:p>
           <a:p>
@@ -3420,7 +3320,7 @@
                 <a:ea typeface="+mn-ea"/>
                 <a:cs typeface="+mn-cs"/>
               </a:rPr>
-              <a:t> Migration will always be designed to create the new application deployment in parallel with the existing deployment. This applies to all application tiers, including the database.</a:t>
+              <a:t> Using Azure Site Recovery, VMs can be grouped to reflect the application architecture. The dependency visualization feature of Azure Migrate helps identify and configure these groupings.</a:t>
             </a:r>
           </a:p>
           <a:p>
@@ -3445,21 +3345,7 @@
                 <a:ea typeface="+mn-ea"/>
                 <a:cs typeface="+mn-cs"/>
               </a:rPr>
-              <a:t>To ensure data consistency during migration, a short application downtime may be required. For application servers migrated using ASR, incremental replication keeps the duration of this downtime to a minimum, since the initial data transfer can happen while the application is on-line so only deltas need be synchronized during the migration window.</a:t>
-            </a:r>
-          </a:p>
-          <a:p>
-            <a:r>
-              <a:rPr lang="en-US" sz="1200" b="0" kern="1200" dirty="0">
-                <a:solidFill>
-                  <a:schemeClr val="tx1"/>
-                </a:solidFill>
-                <a:effectLst/>
-                <a:latin typeface="+mn-lt"/>
-                <a:ea typeface="+mn-ea"/>
-                <a:cs typeface="+mn-cs"/>
-              </a:rPr>
-              <a:t>Similarly, data migration using DMS supports online migration, allowing you to keep your application online while data is synchronized, and to track the status of any pending changes. Only a short downtime window is required to cut over to the new database.</a:t>
+              <a:t>The migration process can then be staged to migrate different groups of VMs separately. Custom scripts can be used to perform custom pre- and post-migration operations.</a:t>
             </a:r>
           </a:p>
           <a:p>
@@ -3484,7 +3370,7 @@
                 <a:ea typeface="+mn-ea"/>
                 <a:cs typeface="+mn-cs"/>
               </a:rPr>
-              <a:t>In the event of an unexpected issue arising, the existing deployment remains available as a fail-back. If the issue is detected prior to cutting over production traffic to the new service, the on-premises server can immediately pick up where it left off. If the need to fail-back is identified only after the migrated service has received production traffic, then database changes may have occurred, which will need to be reverse-migrated to the on-premises system. This scenario is best avoided by ensuring the migration is properly tested. For critical applications the reverse-migration should be tested (in a test environment) in case it is required.</a:t>
+              <a:t>Similar orchestration is also supported by third-party migration tools, used for physical servers.</a:t>
             </a:r>
           </a:p>
           <a:p>
@@ -3518,7 +3404,7 @@
     </p:spTree>
     <p:extLst>
       <p:ext uri="{BB962C8B-B14F-4D97-AF65-F5344CB8AC3E}">
-        <p14:creationId xmlns:p14="http://schemas.microsoft.com/office/powerpoint/2010/main" val="1042991434"/>
+        <p14:creationId xmlns:p14="http://schemas.microsoft.com/office/powerpoint/2010/main" val="1536402107"/>
       </p:ext>
     </p:extLst>
   </p:cSld>
@@ -3656,7 +3542,123 @@
           <a:bodyPr/>
           <a:lstStyle/>
           <a:p>
-            <a:endParaRPr lang="en-US"/>
+            <a:r>
+              <a:rPr lang="en-US" sz="1200" b="1" kern="1200" dirty="0">
+                <a:solidFill>
+                  <a:schemeClr val="tx1"/>
+                </a:solidFill>
+                <a:effectLst/>
+                <a:latin typeface="+mn-lt"/>
+                <a:ea typeface="+mn-ea"/>
+                <a:cs typeface="+mn-cs"/>
+              </a:rPr>
+              <a:t>**Objection:**</a:t>
+            </a:r>
+            <a:r>
+              <a:rPr lang="en-US" sz="1200" b="0" kern="1200" dirty="0">
+                <a:solidFill>
+                  <a:schemeClr val="tx1"/>
+                </a:solidFill>
+                <a:effectLst/>
+                <a:latin typeface="+mn-lt"/>
+                <a:ea typeface="+mn-ea"/>
+                <a:cs typeface="+mn-cs"/>
+              </a:rPr>
+              <a:t> To reduce business impact, each migration should be designed to minimize application downtime. In addition, to reduce risk, there must be an option to fail-back should the migration experience an unexpected problem.</a:t>
+            </a:r>
+          </a:p>
+          <a:p>
+            <a:r>
+              <a:rPr lang="en-US" sz="1200" b="1" kern="1200" dirty="0">
+                <a:solidFill>
+                  <a:schemeClr val="tx1"/>
+                </a:solidFill>
+                <a:effectLst/>
+                <a:latin typeface="+mn-lt"/>
+                <a:ea typeface="+mn-ea"/>
+                <a:cs typeface="+mn-cs"/>
+              </a:rPr>
+              <a:t>**Answer:**</a:t>
+            </a:r>
+            <a:r>
+              <a:rPr lang="en-US" sz="1200" b="0" kern="1200" dirty="0">
+                <a:solidFill>
+                  <a:schemeClr val="tx1"/>
+                </a:solidFill>
+                <a:effectLst/>
+                <a:latin typeface="+mn-lt"/>
+                <a:ea typeface="+mn-ea"/>
+                <a:cs typeface="+mn-cs"/>
+              </a:rPr>
+              <a:t> Migration will always be designed to create the new application deployment in parallel with the existing deployment. This applies to all application tiers, including the database.</a:t>
+            </a:r>
+          </a:p>
+          <a:p>
+            <a:br>
+              <a:rPr lang="en-US" sz="1200" b="0" kern="1200" dirty="0">
+                <a:solidFill>
+                  <a:schemeClr val="tx1"/>
+                </a:solidFill>
+                <a:effectLst/>
+                <a:latin typeface="+mn-lt"/>
+                <a:ea typeface="+mn-ea"/>
+                <a:cs typeface="+mn-cs"/>
+              </a:rPr>
+            </a:br>
+            <a:r>
+              <a:rPr lang="en-US" sz="1200" b="0" kern="1200" dirty="0">
+                <a:solidFill>
+                  <a:schemeClr val="tx1"/>
+                </a:solidFill>
+                <a:effectLst/>
+                <a:latin typeface="+mn-lt"/>
+                <a:ea typeface="+mn-ea"/>
+                <a:cs typeface="+mn-cs"/>
+              </a:rPr>
+              <a:t>To ensure data consistency during migration, a short application downtime may be required. For application servers migrated using ASR, incremental replication keeps the duration of this downtime to a minimum, since the initial data transfer can happen while the application is on-line so only deltas need be synchronized during the migration window.</a:t>
+            </a:r>
+          </a:p>
+          <a:p>
+            <a:r>
+              <a:rPr lang="en-US" sz="1200" b="0" kern="1200" dirty="0">
+                <a:solidFill>
+                  <a:schemeClr val="tx1"/>
+                </a:solidFill>
+                <a:effectLst/>
+                <a:latin typeface="+mn-lt"/>
+                <a:ea typeface="+mn-ea"/>
+                <a:cs typeface="+mn-cs"/>
+              </a:rPr>
+              <a:t>Similarly, data migration using DMS supports online migration, allowing you to keep your application online while data is synchronized, and to track the status of any pending changes. Only a short downtime window is required to cut over to the new database.</a:t>
+            </a:r>
+          </a:p>
+          <a:p>
+            <a:br>
+              <a:rPr lang="en-US" sz="1200" b="0" kern="1200" dirty="0">
+                <a:solidFill>
+                  <a:schemeClr val="tx1"/>
+                </a:solidFill>
+                <a:effectLst/>
+                <a:latin typeface="+mn-lt"/>
+                <a:ea typeface="+mn-ea"/>
+                <a:cs typeface="+mn-cs"/>
+              </a:rPr>
+            </a:br>
+            <a:r>
+              <a:rPr lang="en-US" sz="1200" b="0" kern="1200" dirty="0">
+                <a:solidFill>
+                  <a:schemeClr val="tx1"/>
+                </a:solidFill>
+                <a:effectLst/>
+                <a:latin typeface="+mn-lt"/>
+                <a:ea typeface="+mn-ea"/>
+                <a:cs typeface="+mn-cs"/>
+              </a:rPr>
+              <a:t>In the event of an unexpected issue arising, the existing deployment remains available as a fail-back. If the issue is detected prior to cutting over production traffic to the new service, the on-premises server can immediately pick up where it left off. If the need to fail-back is identified only after the migrated service has received production traffic, then database changes may have occurred, which will need to be reverse-migrated to the on-premises system. This scenario is best avoided by ensuring the migration is properly tested. For critical applications the reverse-migration should be tested (in a test environment) in case it is required.</a:t>
+            </a:r>
+          </a:p>
+          <a:p>
+            <a:endParaRPr lang="en-US" dirty="0"/>
           </a:p>
         </p:txBody>
       </p:sp>
@@ -3686,6 +3688,283 @@
     </p:spTree>
     <p:extLst>
       <p:ext uri="{BB962C8B-B14F-4D97-AF65-F5344CB8AC3E}">
+        <p14:creationId xmlns:p14="http://schemas.microsoft.com/office/powerpoint/2010/main" val="1042991434"/>
+      </p:ext>
+    </p:extLst>
+  </p:cSld>
+  <p:clrMapOvr>
+    <a:masterClrMapping/>
+  </p:clrMapOvr>
+</p:notes>
+</file>
+
+<file path=ppt/notesSlides/notesSlide31.xml><?xml version="1.0" encoding="utf-8"?>
+<p:notes xmlns:a="http://schemas.openxmlformats.org/drawingml/2006/main" xmlns:r="http://schemas.openxmlformats.org/officeDocument/2006/relationships" xmlns:p="http://schemas.openxmlformats.org/presentationml/2006/main">
+  <p:cSld>
+    <p:spTree>
+      <p:nvGrpSpPr>
+        <p:cNvPr id="1" name=""/>
+        <p:cNvGrpSpPr/>
+        <p:nvPr/>
+      </p:nvGrpSpPr>
+      <p:grpSpPr>
+        <a:xfrm>
+          <a:off x="0" y="0"/>
+          <a:ext cx="0" cy="0"/>
+          <a:chOff x="0" y="0"/>
+          <a:chExt cx="0" cy="0"/>
+        </a:xfrm>
+      </p:grpSpPr>
+      <p:sp>
+        <p:nvSpPr>
+          <p:cNvPr id="2" name="Slide Image Placeholder 1"/>
+          <p:cNvSpPr>
+            <a:spLocks noGrp="1" noRot="1" noChangeAspect="1"/>
+          </p:cNvSpPr>
+          <p:nvPr>
+            <p:ph type="sldImg"/>
+          </p:nvPr>
+        </p:nvSpPr>
+        <p:spPr/>
+      </p:sp>
+      <p:sp>
+        <p:nvSpPr>
+          <p:cNvPr id="3" name="Notes Placeholder 2"/>
+          <p:cNvSpPr>
+            <a:spLocks noGrp="1"/>
+          </p:cNvSpPr>
+          <p:nvPr>
+            <p:ph type="body" idx="1"/>
+          </p:nvPr>
+        </p:nvSpPr>
+        <p:spPr/>
+        <p:txBody>
+          <a:bodyPr/>
+          <a:lstStyle/>
+          <a:p>
+            <a:r>
+              <a:rPr lang="en-US" sz="1200" b="1" kern="1200" dirty="0">
+                <a:solidFill>
+                  <a:schemeClr val="tx1"/>
+                </a:solidFill>
+                <a:effectLst/>
+                <a:latin typeface="+mn-lt"/>
+                <a:ea typeface="+mn-ea"/>
+                <a:cs typeface="+mn-cs"/>
+              </a:rPr>
+              <a:t>**Objection:**</a:t>
+            </a:r>
+            <a:r>
+              <a:rPr lang="en-US" sz="1200" b="0" kern="1200" dirty="0">
+                <a:solidFill>
+                  <a:schemeClr val="tx1"/>
+                </a:solidFill>
+                <a:effectLst/>
+                <a:latin typeface="+mn-lt"/>
+                <a:ea typeface="+mn-ea"/>
+                <a:cs typeface="+mn-cs"/>
+              </a:rPr>
+              <a:t> We are expecting to move all our existing infrastructure to Azure. Reducing our on-premises server costs should provide substantial cost savings. Can you confirm what savings we can expect?</a:t>
+            </a:r>
+          </a:p>
+          <a:p>
+            <a:br>
+              <a:rPr lang="en-US" sz="1200" b="0" kern="1200" dirty="0">
+                <a:solidFill>
+                  <a:schemeClr val="tx1"/>
+                </a:solidFill>
+                <a:effectLst/>
+                <a:latin typeface="+mn-lt"/>
+                <a:ea typeface="+mn-ea"/>
+                <a:cs typeface="+mn-cs"/>
+              </a:rPr>
+            </a:br>
+            <a:r>
+              <a:rPr lang="en-US" sz="1200" b="1" kern="1200" dirty="0">
+                <a:solidFill>
+                  <a:schemeClr val="tx1"/>
+                </a:solidFill>
+                <a:effectLst/>
+                <a:latin typeface="+mn-lt"/>
+                <a:ea typeface="+mn-ea"/>
+                <a:cs typeface="+mn-cs"/>
+              </a:rPr>
+              <a:t>**Answer:**</a:t>
+            </a:r>
+            <a:r>
+              <a:rPr lang="en-US" sz="1200" b="0" kern="1200" dirty="0">
+                <a:solidFill>
+                  <a:schemeClr val="tx1"/>
+                </a:solidFill>
+                <a:effectLst/>
+                <a:latin typeface="+mn-lt"/>
+                <a:ea typeface="+mn-ea"/>
+                <a:cs typeface="+mn-cs"/>
+              </a:rPr>
+              <a:t> It is a common myth that all workloads should move to the cloud, and that the cloud will automatically be cheaper. Careful planning will be required to optimize your Azure deployment, and a cost analysis performed to make sure the business case for migration is sound and fully understood.</a:t>
+            </a:r>
+          </a:p>
+          <a:p>
+            <a:br>
+              <a:rPr lang="en-US" sz="1200" b="0" kern="1200" dirty="0">
+                <a:solidFill>
+                  <a:schemeClr val="tx1"/>
+                </a:solidFill>
+                <a:effectLst/>
+                <a:latin typeface="+mn-lt"/>
+                <a:ea typeface="+mn-ea"/>
+                <a:cs typeface="+mn-cs"/>
+              </a:rPr>
+            </a:br>
+            <a:r>
+              <a:rPr lang="en-US" sz="1200" b="0" kern="1200" dirty="0">
+                <a:solidFill>
+                  <a:schemeClr val="tx1"/>
+                </a:solidFill>
+                <a:effectLst/>
+                <a:latin typeface="+mn-lt"/>
+                <a:ea typeface="+mn-ea"/>
+                <a:cs typeface="+mn-cs"/>
+              </a:rPr>
+              <a:t>The [Build a business justification for cloud migration](</a:t>
+            </a:r>
+            <a:r>
+              <a:rPr lang="en-US" sz="1200" b="0" u="sng" kern="1200" dirty="0">
+                <a:solidFill>
+                  <a:schemeClr val="tx1"/>
+                </a:solidFill>
+                <a:effectLst/>
+                <a:latin typeface="+mn-lt"/>
+                <a:ea typeface="+mn-ea"/>
+                <a:cs typeface="+mn-cs"/>
+              </a:rPr>
+              <a:t>https://docs.microsoft.com/azure/architecture/cloud-adoption/business-strategy/cloud-migration-business-case</a:t>
+            </a:r>
+            <a:r>
+              <a:rPr lang="en-US" sz="1200" b="0" kern="1200" dirty="0">
+                <a:solidFill>
+                  <a:schemeClr val="tx1"/>
+                </a:solidFill>
+                <a:effectLst/>
+                <a:latin typeface="+mn-lt"/>
+                <a:ea typeface="+mn-ea"/>
+                <a:cs typeface="+mn-cs"/>
+              </a:rPr>
+              <a:t>) guide is a useful resource for dispelling cloud adoption myths and building a realistic business case.</a:t>
+            </a:r>
+          </a:p>
+        </p:txBody>
+      </p:sp>
+      <p:sp>
+        <p:nvSpPr>
+          <p:cNvPr id="4" name="Slide Number Placeholder 3"/>
+          <p:cNvSpPr>
+            <a:spLocks noGrp="1"/>
+          </p:cNvSpPr>
+          <p:nvPr>
+            <p:ph type="sldNum" sz="quarter" idx="10"/>
+          </p:nvPr>
+        </p:nvSpPr>
+        <p:spPr/>
+        <p:txBody>
+          <a:bodyPr/>
+          <a:lstStyle/>
+          <a:p>
+            <a:fld id="{0998D5BB-B127-481F-BC0A-2F77C576BB34}" type="slidenum">
+              <a:rPr lang="en-US" smtClean="0"/>
+              <a:t>33</a:t>
+            </a:fld>
+            <a:endParaRPr lang="en-US"/>
+          </a:p>
+        </p:txBody>
+      </p:sp>
+    </p:spTree>
+    <p:extLst>
+      <p:ext uri="{BB962C8B-B14F-4D97-AF65-F5344CB8AC3E}">
+        <p14:creationId xmlns:p14="http://schemas.microsoft.com/office/powerpoint/2010/main" val="2696973453"/>
+      </p:ext>
+    </p:extLst>
+  </p:cSld>
+  <p:clrMapOvr>
+    <a:masterClrMapping/>
+  </p:clrMapOvr>
+</p:notes>
+</file>
+
+<file path=ppt/notesSlides/notesSlide32.xml><?xml version="1.0" encoding="utf-8"?>
+<p:notes xmlns:a="http://schemas.openxmlformats.org/drawingml/2006/main" xmlns:r="http://schemas.openxmlformats.org/officeDocument/2006/relationships" xmlns:p="http://schemas.openxmlformats.org/presentationml/2006/main">
+  <p:cSld>
+    <p:spTree>
+      <p:nvGrpSpPr>
+        <p:cNvPr id="1" name=""/>
+        <p:cNvGrpSpPr/>
+        <p:nvPr/>
+      </p:nvGrpSpPr>
+      <p:grpSpPr>
+        <a:xfrm>
+          <a:off x="0" y="0"/>
+          <a:ext cx="0" cy="0"/>
+          <a:chOff x="0" y="0"/>
+          <a:chExt cx="0" cy="0"/>
+        </a:xfrm>
+      </p:grpSpPr>
+      <p:sp>
+        <p:nvSpPr>
+          <p:cNvPr id="2" name="Slide Image Placeholder 1"/>
+          <p:cNvSpPr>
+            <a:spLocks noGrp="1" noRot="1" noChangeAspect="1"/>
+          </p:cNvSpPr>
+          <p:nvPr>
+            <p:ph type="sldImg"/>
+          </p:nvPr>
+        </p:nvSpPr>
+        <p:spPr/>
+      </p:sp>
+      <p:sp>
+        <p:nvSpPr>
+          <p:cNvPr id="3" name="Notes Placeholder 2"/>
+          <p:cNvSpPr>
+            <a:spLocks noGrp="1"/>
+          </p:cNvSpPr>
+          <p:nvPr>
+            <p:ph type="body" idx="1"/>
+          </p:nvPr>
+        </p:nvSpPr>
+        <p:spPr/>
+        <p:txBody>
+          <a:bodyPr/>
+          <a:lstStyle/>
+          <a:p>
+            <a:endParaRPr lang="en-US"/>
+          </a:p>
+        </p:txBody>
+      </p:sp>
+      <p:sp>
+        <p:nvSpPr>
+          <p:cNvPr id="4" name="Slide Number Placeholder 3"/>
+          <p:cNvSpPr>
+            <a:spLocks noGrp="1"/>
+          </p:cNvSpPr>
+          <p:nvPr>
+            <p:ph type="sldNum" sz="quarter" idx="10"/>
+          </p:nvPr>
+        </p:nvSpPr>
+        <p:spPr/>
+        <p:txBody>
+          <a:bodyPr/>
+          <a:lstStyle/>
+          <a:p>
+            <a:fld id="{0998D5BB-B127-481F-BC0A-2F77C576BB34}" type="slidenum">
+              <a:rPr lang="en-US" smtClean="0"/>
+              <a:t>34</a:t>
+            </a:fld>
+            <a:endParaRPr lang="en-US"/>
+          </a:p>
+        </p:txBody>
+      </p:sp>
+    </p:spTree>
+    <p:extLst>
+      <p:ext uri="{BB962C8B-B14F-4D97-AF65-F5344CB8AC3E}">
         <p14:creationId xmlns:p14="http://schemas.microsoft.com/office/powerpoint/2010/main" val="671285550"/>
       </p:ext>
     </p:extLst>
@@ -3696,7 +3975,7 @@
 </p:notes>
 </file>
 
-<file path=ppt/notesSlides/notesSlide31.xml><?xml version="1.0" encoding="utf-8"?>
+<file path=ppt/notesSlides/notesSlide33.xml><?xml version="1.0" encoding="utf-8"?>
 <p:notes xmlns:a="http://schemas.openxmlformats.org/drawingml/2006/main" xmlns:r="http://schemas.openxmlformats.org/officeDocument/2006/relationships" xmlns:p="http://schemas.openxmlformats.org/presentationml/2006/main">
   <p:cSld>
     <p:spTree>
@@ -3803,7 +4082,7 @@
                   <a:prstClr val="black"/>
                 </a:solidFill>
               </a:rPr>
-              <a:t>5/3/2019 12:30 PM</a:t>
+              <a:t>5/3/2019 1:20 PM</a:t>
             </a:fld>
             <a:endParaRPr lang="en-US" dirty="0">
               <a:solidFill>
@@ -3835,7 +4114,7 @@
                 </a:solidFill>
               </a:rPr>
               <a:pPr/>
-              <a:t>33</a:t>
+              <a:t>35</a:t>
             </a:fld>
             <a:endParaRPr lang="en-US" dirty="0">
               <a:solidFill>
@@ -4040,7 +4319,50 @@
           <a:bodyPr/>
           <a:lstStyle/>
           <a:p>
-            <a:endParaRPr lang="en-US"/>
+            <a:pPr marL="0" marR="0" lvl="0" indent="0" algn="l" defTabSz="914400" rtl="0" eaLnBrk="1" fontAlgn="auto" latinLnBrk="0" hangingPunct="1">
+              <a:lnSpc>
+                <a:spcPct val="100000"/>
+              </a:lnSpc>
+              <a:spcBef>
+                <a:spcPts val="0"/>
+              </a:spcBef>
+              <a:spcAft>
+                <a:spcPts val="0"/>
+              </a:spcAft>
+              <a:buClrTx/>
+              <a:buSzTx/>
+              <a:buFontTx/>
+              <a:buNone/>
+              <a:tabLst/>
+              <a:defRPr/>
+            </a:pPr>
+            <a:r>
+              <a:rPr lang="en-US" sz="1200" b="0" kern="1200" dirty="0" err="1">
+                <a:solidFill>
+                  <a:schemeClr val="tx1"/>
+                </a:solidFill>
+                <a:effectLst/>
+                <a:latin typeface="+mn-lt"/>
+                <a:ea typeface="+mn-ea"/>
+                <a:cs typeface="+mn-cs"/>
+              </a:rPr>
+              <a:t>Fabrikam</a:t>
+            </a:r>
+            <a:r>
+              <a:rPr lang="en-US" sz="1200" b="0" kern="1200" dirty="0">
+                <a:solidFill>
+                  <a:schemeClr val="tx1"/>
+                </a:solidFill>
+                <a:effectLst/>
+                <a:latin typeface="+mn-lt"/>
+                <a:ea typeface="+mn-ea"/>
+                <a:cs typeface="+mn-cs"/>
+              </a:rPr>
+              <a:t> Fabrics is a major manufacturer and distributor of clothing and soft furnishing materials. Founded in 1972 and based in Columbus, Ohio, their business comprises three major product families (clothing, upholstery, and technical fabrics). Customers comprise familiar brand-name clothing manufacturers and furniture manufacturers, and also includes large-scale uniform suppliers to the US military. Turnover in 2018 exceeded 350 million USD.</a:t>
+            </a:r>
+          </a:p>
+          <a:p>
+            <a:endParaRPr lang="en-US" dirty="0"/>
           </a:p>
         </p:txBody>
       </p:sp>
@@ -4124,7 +4446,102 @@
           <a:bodyPr/>
           <a:lstStyle/>
           <a:p>
-            <a:endParaRPr lang="en-US"/>
+            <a:r>
+              <a:rPr lang="en-US" sz="1200" b="0" kern="1200" dirty="0">
+                <a:solidFill>
+                  <a:schemeClr val="tx1"/>
+                </a:solidFill>
+                <a:effectLst/>
+                <a:latin typeface="+mn-lt"/>
+                <a:ea typeface="+mn-ea"/>
+                <a:cs typeface="+mn-cs"/>
+              </a:rPr>
+              <a:t>The CTO, James Lynch, was hired 6 months ago from outside the company, with a mandate to address ever-increasing IT costs. He has identified a sprawling IT estate, including a substantial legacy server footprint. New servers and services have been accumulated over time, without consolidating existing infrastructure. This includes:</a:t>
+            </a:r>
+          </a:p>
+          <a:p>
+            <a:r>
+              <a:rPr lang="en-US" sz="1200" b="0" kern="1200" dirty="0">
+                <a:solidFill>
+                  <a:schemeClr val="tx1"/>
+                </a:solidFill>
+                <a:effectLst/>
+                <a:latin typeface="+mn-lt"/>
+                <a:ea typeface="+mn-ea"/>
+                <a:cs typeface="+mn-cs"/>
+              </a:rPr>
+              <a:t>- Windows servers including both x32 and x64 hardware running Windows Server 2003 through to 2016</a:t>
+            </a:r>
+          </a:p>
+          <a:p>
+            <a:r>
+              <a:rPr lang="en-US" sz="1200" b="0" kern="1200" dirty="0">
+                <a:solidFill>
+                  <a:schemeClr val="tx1"/>
+                </a:solidFill>
+                <a:effectLst/>
+                <a:latin typeface="+mn-lt"/>
+                <a:ea typeface="+mn-ea"/>
+                <a:cs typeface="+mn-cs"/>
+              </a:rPr>
+              <a:t>- Linux servers running a mix of RHEL 6.10 and 7 series (7.2 through 7.6) and Ubuntu 16.04</a:t>
+            </a:r>
+          </a:p>
+          <a:p>
+            <a:r>
+              <a:rPr lang="en-US" sz="1200" b="0" kern="1200" dirty="0">
+                <a:solidFill>
+                  <a:schemeClr val="tx1"/>
+                </a:solidFill>
+                <a:effectLst/>
+                <a:latin typeface="+mn-lt"/>
+                <a:ea typeface="+mn-ea"/>
+                <a:cs typeface="+mn-cs"/>
+              </a:rPr>
+              <a:t>- The above servers comprise both physical machines as well as VMs hosted on VMware infrastructure managed by vCenter 6.5</a:t>
+            </a:r>
+          </a:p>
+          <a:p>
+            <a:r>
+              <a:rPr lang="en-US" sz="1200" b="0" kern="1200" dirty="0">
+                <a:solidFill>
+                  <a:schemeClr val="tx1"/>
+                </a:solidFill>
+                <a:effectLst/>
+                <a:latin typeface="+mn-lt"/>
+                <a:ea typeface="+mn-ea"/>
+                <a:cs typeface="+mn-cs"/>
+              </a:rPr>
+              <a:t>- Multiple database engines, including Microsoft SQL Server, PostgreSQL, and Cassandra</a:t>
+            </a:r>
+          </a:p>
+          <a:p>
+            <a:br>
+              <a:rPr lang="en-US" sz="1200" b="0" kern="1200" dirty="0">
+                <a:solidFill>
+                  <a:schemeClr val="tx1"/>
+                </a:solidFill>
+                <a:effectLst/>
+                <a:latin typeface="+mn-lt"/>
+                <a:ea typeface="+mn-ea"/>
+                <a:cs typeface="+mn-cs"/>
+              </a:rPr>
+            </a:br>
+            <a:r>
+              <a:rPr lang="en-US" sz="1200" b="0" kern="1200" dirty="0">
+                <a:solidFill>
+                  <a:schemeClr val="tx1"/>
+                </a:solidFill>
+                <a:effectLst/>
+                <a:latin typeface="+mn-lt"/>
+                <a:ea typeface="+mn-ea"/>
+                <a:cs typeface="+mn-cs"/>
+              </a:rPr>
+              <a:t>In total, 448 servers and VMs have been identified to date, distributed across 5 main locations, all in the US. There is a complex web of dependencies between servers and no-one has a clear view of the entire estate. Fear of breaking an existing system has been one of the drivers of server count and sprawl.</a:t>
+            </a:r>
+          </a:p>
+          <a:p>
+            <a:endParaRPr lang="en-US" dirty="0"/>
           </a:p>
         </p:txBody>
       </p:sp>
@@ -4208,7 +4625,62 @@
           <a:bodyPr/>
           <a:lstStyle/>
           <a:p>
-            <a:endParaRPr lang="en-US"/>
+            <a:pPr marL="0" marR="0" lvl="0" indent="0" algn="l" defTabSz="914400" rtl="0" eaLnBrk="1" fontAlgn="auto" latinLnBrk="0" hangingPunct="1">
+              <a:lnSpc>
+                <a:spcPct val="100000"/>
+              </a:lnSpc>
+              <a:spcBef>
+                <a:spcPts val="0"/>
+              </a:spcBef>
+              <a:spcAft>
+                <a:spcPts val="0"/>
+              </a:spcAft>
+              <a:buClrTx/>
+              <a:buSzTx/>
+              <a:buFontTx/>
+              <a:buNone/>
+              <a:tabLst/>
+              <a:defRPr/>
+            </a:pPr>
+            <a:r>
+              <a:rPr lang="en-US" sz="1200" b="0" kern="1200" dirty="0">
+                <a:solidFill>
+                  <a:schemeClr val="tx1"/>
+                </a:solidFill>
+                <a:effectLst/>
+                <a:latin typeface="+mn-lt"/>
+                <a:ea typeface="+mn-ea"/>
+                <a:cs typeface="+mn-cs"/>
+              </a:rPr>
+              <a:t>To address this, James has proposed to the board that </a:t>
+            </a:r>
+            <a:r>
+              <a:rPr lang="en-US" sz="1200" b="0" kern="1200" dirty="0" err="1">
+                <a:solidFill>
+                  <a:schemeClr val="tx1"/>
+                </a:solidFill>
+                <a:effectLst/>
+                <a:latin typeface="+mn-lt"/>
+                <a:ea typeface="+mn-ea"/>
+                <a:cs typeface="+mn-cs"/>
+              </a:rPr>
+              <a:t>Fabrikam</a:t>
+            </a:r>
+            <a:r>
+              <a:rPr lang="en-US" sz="1200" b="0" kern="1200" dirty="0">
+                <a:solidFill>
+                  <a:schemeClr val="tx1"/>
+                </a:solidFill>
+                <a:effectLst/>
+                <a:latin typeface="+mn-lt"/>
+                <a:ea typeface="+mn-ea"/>
+                <a:cs typeface="+mn-cs"/>
+              </a:rPr>
+              <a:t> should migrate as much of the existing IT infrastructure as possible to the cloud. As well as eliminating IT infrastructure overheads, this will be an opportunity to 'clean house' and create a modern, fit-for-purpose IT environment, as well as realizing substantial cost savings relative to their current infrastructure. The board have agreed, and Microsoft Azure has been selected as the cloud provider.</a:t>
+            </a:r>
+          </a:p>
+          <a:p>
+            <a:endParaRPr lang="en-US" dirty="0"/>
           </a:p>
         </p:txBody>
       </p:sp>
@@ -16789,7 +17261,7 @@
         <p:spPr>
           <a:xfrm>
             <a:off x="269239" y="1189177"/>
-            <a:ext cx="11653523" cy="5022914"/>
+            <a:ext cx="11653523" cy="4425827"/>
           </a:xfrm>
         </p:spPr>
         <p:txBody>
@@ -16797,42 +17269,36 @@
           <a:lstStyle/>
           <a:p>
             <a:r>
-              <a:rPr lang="en-US" sz="2400" dirty="0"/>
+              <a:rPr lang="en-US" sz="2800" dirty="0"/>
               <a:t>Owners of each business application will require evidence that migration will be successful before granting approval</a:t>
             </a:r>
           </a:p>
           <a:p>
-            <a:endParaRPr lang="en-US" sz="2400" dirty="0"/>
-          </a:p>
-          <a:p>
-            <a:r>
-              <a:rPr lang="en-US" sz="2400" dirty="0" err="1"/>
+            <a:endParaRPr lang="en-US" sz="2800" dirty="0"/>
+          </a:p>
+          <a:p>
+            <a:r>
+              <a:rPr lang="en-US" sz="2800" dirty="0" err="1"/>
               <a:t>Fabrikam</a:t>
             </a:r>
             <a:r>
-              <a:rPr lang="en-US" sz="2400" dirty="0"/>
+              <a:rPr lang="en-US" sz="2800" dirty="0"/>
               <a:t> have negotiated an Enterprise Agreement (EA) with Microsoft for their Azure consumption. Any cost estimates need to reflect their EA discount</a:t>
             </a:r>
           </a:p>
           <a:p>
-            <a:endParaRPr lang="en-US" sz="2400" dirty="0"/>
-          </a:p>
-          <a:p>
-            <a:r>
-              <a:rPr lang="en-US" sz="2400" dirty="0"/>
+            <a:endParaRPr lang="en-US" sz="2800" dirty="0"/>
+          </a:p>
+          <a:p>
+            <a:r>
+              <a:rPr lang="en-US" sz="2800" dirty="0"/>
               <a:t>Many applications comprise multiple components or tiers. How can you ensure that these migrations are appropriately orchestrated?</a:t>
             </a:r>
           </a:p>
           <a:p>
-            <a:endParaRPr lang="en-US" sz="2400" dirty="0"/>
-          </a:p>
-          <a:p>
-            <a:r>
-              <a:rPr lang="en-US" sz="2400" dirty="0"/>
-              <a:t>To reduce business impact, each migration should be designed to minimize application downtime. In addition, to risk, there must be an option to fail-back should the migration experience an unexpected problem</a:t>
-            </a:r>
-          </a:p>
-          <a:p>
+            <a:pPr marL="0" indent="0">
+              <a:buNone/>
+            </a:pPr>
             <a:endParaRPr lang="en-US" sz="2400" dirty="0"/>
           </a:p>
         </p:txBody>
@@ -16882,6 +17348,103 @@
 </file>
 
 <file path=ppt/slides/slide11.xml><?xml version="1.0" encoding="utf-8"?>
+<p:sld xmlns:a="http://schemas.openxmlformats.org/drawingml/2006/main" xmlns:r="http://schemas.openxmlformats.org/officeDocument/2006/relationships" xmlns:p="http://schemas.openxmlformats.org/presentationml/2006/main">
+  <p:cSld>
+    <p:spTree>
+      <p:nvGrpSpPr>
+        <p:cNvPr id="1" name=""/>
+        <p:cNvGrpSpPr/>
+        <p:nvPr/>
+      </p:nvGrpSpPr>
+      <p:grpSpPr>
+        <a:xfrm>
+          <a:off x="0" y="0"/>
+          <a:ext cx="0" cy="0"/>
+          <a:chOff x="0" y="0"/>
+          <a:chExt cx="0" cy="0"/>
+        </a:xfrm>
+      </p:grpSpPr>
+      <p:sp>
+        <p:nvSpPr>
+          <p:cNvPr id="3" name="Content Placeholder 2"/>
+          <p:cNvSpPr>
+            <a:spLocks noGrp="1"/>
+          </p:cNvSpPr>
+          <p:nvPr>
+            <p:ph type="body" sz="quarter" idx="10"/>
+          </p:nvPr>
+        </p:nvSpPr>
+        <p:spPr>
+          <a:xfrm>
+            <a:off x="269239" y="1189177"/>
+            <a:ext cx="11653523" cy="3459409"/>
+          </a:xfrm>
+        </p:spPr>
+        <p:txBody>
+          <a:bodyPr/>
+          <a:lstStyle/>
+          <a:p>
+            <a:r>
+              <a:rPr lang="en-US" sz="2800" dirty="0"/>
+              <a:t>To reduce business impact, each migration should be designed to minimize application downtime. In addition, to risk, there must be an option to fail-back should the migration experience an unexpected problem</a:t>
+            </a:r>
+          </a:p>
+          <a:p>
+            <a:endParaRPr lang="en-US" sz="2800" dirty="0"/>
+          </a:p>
+          <a:p>
+            <a:r>
+              <a:rPr lang="en-US" sz="2800" dirty="0"/>
+              <a:t>We are expecting to move all our existing infrastructure to Azure. Reducing our on-premises server costs should provide substantial cost savings. Can you confirm what savings we can expect?</a:t>
+            </a:r>
+          </a:p>
+        </p:txBody>
+      </p:sp>
+      <p:sp>
+        <p:nvSpPr>
+          <p:cNvPr id="2" name="Title 1"/>
+          <p:cNvSpPr>
+            <a:spLocks noGrp="1"/>
+          </p:cNvSpPr>
+          <p:nvPr>
+            <p:ph type="title"/>
+          </p:nvPr>
+        </p:nvSpPr>
+        <p:spPr/>
+        <p:txBody>
+          <a:bodyPr/>
+          <a:lstStyle/>
+          <a:p>
+            <a:r>
+              <a:rPr lang="en-US"/>
+              <a:t>Customer objections</a:t>
+            </a:r>
+            <a:endParaRPr lang="en-US" dirty="0"/>
+          </a:p>
+        </p:txBody>
+      </p:sp>
+    </p:spTree>
+    <p:extLst>
+      <p:ext uri="{BB962C8B-B14F-4D97-AF65-F5344CB8AC3E}">
+        <p14:creationId xmlns:p14="http://schemas.microsoft.com/office/powerpoint/2010/main" val="2311262665"/>
+      </p:ext>
+    </p:extLst>
+  </p:cSld>
+  <p:clrMapOvr>
+    <a:masterClrMapping/>
+  </p:clrMapOvr>
+  <mc:AlternateContent xmlns:mc="http://schemas.openxmlformats.org/markup-compatibility/2006" xmlns:p14="http://schemas.microsoft.com/office/powerpoint/2010/main">
+    <mc:Choice Requires="p14">
+      <p:transition p14:dur="0"/>
+    </mc:Choice>
+    <mc:Fallback xmlns="">
+      <p:transition/>
+    </mc:Fallback>
+  </mc:AlternateContent>
+</p:sld>
+</file>
+
+<file path=ppt/slides/slide12.xml><?xml version="1.0" encoding="utf-8"?>
 <p:sld xmlns:a="http://schemas.openxmlformats.org/drawingml/2006/main" xmlns:r="http://schemas.openxmlformats.org/officeDocument/2006/relationships" xmlns:p="http://schemas.openxmlformats.org/presentationml/2006/main">
   <p:cSld>
     <p:spTree>
@@ -18815,7 +19378,7 @@
 </p:sld>
 </file>
 
-<file path=ppt/slides/slide12.xml><?xml version="1.0" encoding="utf-8"?>
+<file path=ppt/slides/slide13.xml><?xml version="1.0" encoding="utf-8"?>
 <p:sld xmlns:a="http://schemas.openxmlformats.org/drawingml/2006/main" xmlns:r="http://schemas.openxmlformats.org/officeDocument/2006/relationships" xmlns:p="http://schemas.openxmlformats.org/presentationml/2006/main">
   <p:cSld>
     <p:spTree>
@@ -19233,7 +19796,7 @@
 </p:sld>
 </file>
 
-<file path=ppt/slides/slide13.xml><?xml version="1.0" encoding="utf-8"?>
+<file path=ppt/slides/slide14.xml><?xml version="1.0" encoding="utf-8"?>
 <p:sld xmlns:a="http://schemas.openxmlformats.org/drawingml/2006/main" xmlns:r="http://schemas.openxmlformats.org/officeDocument/2006/relationships" xmlns:p="http://schemas.openxmlformats.org/presentationml/2006/main">
   <p:cSld>
     <p:spTree>
@@ -19783,310 +20346,6 @@
 </p:sld>
 </file>
 
-<file path=ppt/slides/slide14.xml><?xml version="1.0" encoding="utf-8"?>
-<p:sld xmlns:a="http://schemas.openxmlformats.org/drawingml/2006/main" xmlns:r="http://schemas.openxmlformats.org/officeDocument/2006/relationships" xmlns:p="http://schemas.openxmlformats.org/presentationml/2006/main">
-  <p:cSld>
-    <p:spTree>
-      <p:nvGrpSpPr>
-        <p:cNvPr id="1" name=""/>
-        <p:cNvGrpSpPr/>
-        <p:nvPr/>
-      </p:nvGrpSpPr>
-      <p:grpSpPr>
-        <a:xfrm>
-          <a:off x="0" y="0"/>
-          <a:ext cx="0" cy="0"/>
-          <a:chOff x="0" y="0"/>
-          <a:chExt cx="0" cy="0"/>
-        </a:xfrm>
-      </p:grpSpPr>
-      <p:sp>
-        <p:nvSpPr>
-          <p:cNvPr id="2" name="Title 1"/>
-          <p:cNvSpPr>
-            <a:spLocks noGrp="1"/>
-          </p:cNvSpPr>
-          <p:nvPr>
-            <p:ph type="title"/>
-          </p:nvPr>
-        </p:nvSpPr>
-        <p:spPr/>
-        <p:txBody>
-          <a:bodyPr>
-            <a:normAutofit/>
-          </a:bodyPr>
-          <a:lstStyle/>
-          <a:p>
-            <a:r>
-              <a:rPr lang="en-US" sz="4400" dirty="0">
-                <a:solidFill>
-                  <a:schemeClr val="tx1"/>
-                </a:solidFill>
-                <a:latin typeface="Segoe UI Light" panose="020B0502040204020203" pitchFamily="34" charset="0"/>
-                <a:cs typeface="Segoe UI Light" panose="020B0502040204020203" pitchFamily="34" charset="0"/>
-              </a:rPr>
-              <a:t>Step 3: Present the solution</a:t>
-            </a:r>
-          </a:p>
-        </p:txBody>
-      </p:sp>
-      <p:sp>
-        <p:nvSpPr>
-          <p:cNvPr id="9" name="TextBox 8">
-            <a:extLst>
-              <a:ext uri="{FF2B5EF4-FFF2-40B4-BE49-F238E27FC236}">
-                <a16:creationId xmlns:a16="http://schemas.microsoft.com/office/drawing/2014/main" id="{0F86F9F9-39B5-4CE6-AF48-9ADAE40EA728}"/>
-              </a:ext>
-            </a:extLst>
-          </p:cNvPr>
-          <p:cNvSpPr txBox="1"/>
-          <p:nvPr/>
-        </p:nvSpPr>
-        <p:spPr>
-          <a:xfrm>
-            <a:off x="340285" y="1062166"/>
-            <a:ext cx="10229103" cy="5838521"/>
-          </a:xfrm>
-          <a:prstGeom prst="rect">
-            <a:avLst/>
-          </a:prstGeom>
-          <a:noFill/>
-        </p:spPr>
-        <p:txBody>
-          <a:bodyPr wrap="square" lIns="182880" tIns="146304" rIns="182880" bIns="146304" rtlCol="0">
-            <a:spAutoFit/>
-          </a:bodyPr>
-          <a:lstStyle/>
-          <a:p>
-            <a:pPr>
-              <a:lnSpc>
-                <a:spcPct val="90000"/>
-              </a:lnSpc>
-              <a:spcAft>
-                <a:spcPts val="600"/>
-              </a:spcAft>
-            </a:pPr>
-            <a:r>
-              <a:rPr lang="en-US" sz="3600" dirty="0">
-                <a:latin typeface="+mj-lt"/>
-              </a:rPr>
-              <a:t>Outcome</a:t>
-            </a:r>
-          </a:p>
-          <a:p>
-            <a:pPr>
-              <a:lnSpc>
-                <a:spcPct val="90000"/>
-              </a:lnSpc>
-              <a:spcAft>
-                <a:spcPts val="600"/>
-              </a:spcAft>
-            </a:pPr>
-            <a:r>
-              <a:rPr lang="en-US" sz="2400" dirty="0">
-                <a:latin typeface="Segoe UI Semilight" panose="020B0402040204020203" pitchFamily="34" charset="0"/>
-                <a:cs typeface="Segoe UI Semilight" panose="020B0402040204020203" pitchFamily="34" charset="0"/>
-              </a:rPr>
-              <a:t>Present a solution to the target customer in a 15-minute chalk-talk format </a:t>
-            </a:r>
-            <a:endParaRPr lang="en-US" sz="3600" dirty="0">
-              <a:latin typeface="+mj-lt"/>
-            </a:endParaRPr>
-          </a:p>
-          <a:p>
-            <a:pPr>
-              <a:lnSpc>
-                <a:spcPct val="90000"/>
-              </a:lnSpc>
-              <a:spcAft>
-                <a:spcPts val="600"/>
-              </a:spcAft>
-            </a:pPr>
-            <a:endParaRPr lang="en-US" sz="2400" dirty="0">
-              <a:latin typeface="+mj-lt"/>
-            </a:endParaRPr>
-          </a:p>
-          <a:p>
-            <a:pPr>
-              <a:lnSpc>
-                <a:spcPct val="90000"/>
-              </a:lnSpc>
-              <a:spcAft>
-                <a:spcPts val="600"/>
-              </a:spcAft>
-            </a:pPr>
-            <a:r>
-              <a:rPr lang="en-US" sz="3600" dirty="0">
-                <a:latin typeface="+mj-lt"/>
-              </a:rPr>
-              <a:t>Timeframe</a:t>
-            </a:r>
-          </a:p>
-          <a:p>
-            <a:pPr>
-              <a:lnSpc>
-                <a:spcPct val="90000"/>
-              </a:lnSpc>
-              <a:spcAft>
-                <a:spcPts val="600"/>
-              </a:spcAft>
-            </a:pPr>
-            <a:r>
-              <a:rPr lang="en-US" sz="2400" dirty="0">
-                <a:latin typeface="Segoe UI Semilight" panose="020B0402040204020203" pitchFamily="34" charset="0"/>
-                <a:cs typeface="Segoe UI Semilight" panose="020B0402040204020203" pitchFamily="34" charset="0"/>
-              </a:rPr>
-              <a:t>30 minutes (15 minutes for each team to present and receive feedback) </a:t>
-            </a:r>
-          </a:p>
-          <a:p>
-            <a:pPr>
-              <a:lnSpc>
-                <a:spcPct val="90000"/>
-              </a:lnSpc>
-              <a:spcAft>
-                <a:spcPts val="600"/>
-              </a:spcAft>
-            </a:pPr>
-            <a:endParaRPr lang="en-US" sz="2400" dirty="0">
-              <a:latin typeface="+mj-lt"/>
-            </a:endParaRPr>
-          </a:p>
-          <a:p>
-            <a:pPr>
-              <a:lnSpc>
-                <a:spcPct val="90000"/>
-              </a:lnSpc>
-              <a:spcAft>
-                <a:spcPts val="600"/>
-              </a:spcAft>
-            </a:pPr>
-            <a:r>
-              <a:rPr lang="en-US" sz="3600" dirty="0">
-                <a:latin typeface="+mj-lt"/>
-              </a:rPr>
-              <a:t>Directions</a:t>
-            </a:r>
-          </a:p>
-          <a:p>
-            <a:pPr marL="342900" lvl="0" indent="-342900">
-              <a:buFont typeface="Arial" panose="020B0604020202020204" pitchFamily="34" charset="0"/>
-              <a:buChar char="•"/>
-            </a:pPr>
-            <a:r>
-              <a:rPr lang="en-US" sz="2000" dirty="0">
-                <a:latin typeface="Segoe UI Semilight" panose="020B0402040204020203" pitchFamily="34" charset="0"/>
-                <a:cs typeface="Segoe UI Semilight" panose="020B0402040204020203" pitchFamily="34" charset="0"/>
-              </a:rPr>
-              <a:t>Pair with another table</a:t>
-            </a:r>
-          </a:p>
-          <a:p>
-            <a:pPr marL="342900" lvl="0" indent="-342900">
-              <a:buFont typeface="Arial" panose="020B0604020202020204" pitchFamily="34" charset="0"/>
-              <a:buChar char="•"/>
-            </a:pPr>
-            <a:r>
-              <a:rPr lang="en-US" sz="2000" dirty="0">
-                <a:latin typeface="Segoe UI Semilight" panose="020B0402040204020203" pitchFamily="34" charset="0"/>
-                <a:cs typeface="Segoe UI Semilight" panose="020B0402040204020203" pitchFamily="34" charset="0"/>
-              </a:rPr>
-              <a:t>One table is the Microsoft team and the other table is the customer</a:t>
-            </a:r>
-          </a:p>
-          <a:p>
-            <a:pPr marL="342900" lvl="0" indent="-342900">
-              <a:buFont typeface="Arial" panose="020B0604020202020204" pitchFamily="34" charset="0"/>
-              <a:buChar char="•"/>
-            </a:pPr>
-            <a:r>
-              <a:rPr lang="en-US" sz="2000" dirty="0">
-                <a:latin typeface="Segoe UI Semilight" panose="020B0402040204020203" pitchFamily="34" charset="0"/>
-                <a:cs typeface="Segoe UI Semilight" panose="020B0402040204020203" pitchFamily="34" charset="0"/>
-              </a:rPr>
-              <a:t>The Microsoft team presents their proposed solution to the customer</a:t>
-            </a:r>
-          </a:p>
-          <a:p>
-            <a:pPr marL="342900" lvl="0" indent="-342900">
-              <a:buFont typeface="Arial" panose="020B0604020202020204" pitchFamily="34" charset="0"/>
-              <a:buChar char="•"/>
-            </a:pPr>
-            <a:r>
-              <a:rPr lang="en-US" sz="2000" dirty="0">
-                <a:latin typeface="Segoe UI Semilight" panose="020B0402040204020203" pitchFamily="34" charset="0"/>
-                <a:cs typeface="Segoe UI Semilight" panose="020B0402040204020203" pitchFamily="34" charset="0"/>
-              </a:rPr>
-              <a:t>The customer asks one of the objections from the list of objections in the case study</a:t>
-            </a:r>
-          </a:p>
-          <a:p>
-            <a:pPr marL="342900" lvl="0" indent="-342900">
-              <a:buFont typeface="Arial" panose="020B0604020202020204" pitchFamily="34" charset="0"/>
-              <a:buChar char="•"/>
-            </a:pPr>
-            <a:r>
-              <a:rPr lang="en-US" sz="2000" dirty="0">
-                <a:latin typeface="Segoe UI Semilight" panose="020B0402040204020203" pitchFamily="34" charset="0"/>
-                <a:cs typeface="Segoe UI Semilight" panose="020B0402040204020203" pitchFamily="34" charset="0"/>
-              </a:rPr>
-              <a:t>The Microsoft team responds to the objection</a:t>
-            </a:r>
-          </a:p>
-          <a:p>
-            <a:pPr marL="342900" lvl="0" indent="-342900">
-              <a:buFont typeface="Arial" panose="020B0604020202020204" pitchFamily="34" charset="0"/>
-              <a:buChar char="•"/>
-            </a:pPr>
-            <a:r>
-              <a:rPr lang="en-US" sz="2000" dirty="0">
-                <a:latin typeface="Segoe UI Semilight" panose="020B0402040204020203" pitchFamily="34" charset="0"/>
-                <a:cs typeface="Segoe UI Semilight" panose="020B0402040204020203" pitchFamily="34" charset="0"/>
-              </a:rPr>
-              <a:t>The customer team gives feedback to the Microsoft team</a:t>
-            </a:r>
-            <a:endParaRPr lang="en-US" sz="2000" strike="sngStrike" dirty="0">
-              <a:latin typeface="Segoe UI Semilight" panose="020B0402040204020203" pitchFamily="34" charset="0"/>
-              <a:cs typeface="Segoe UI Semilight" panose="020B0402040204020203" pitchFamily="34" charset="0"/>
-            </a:endParaRPr>
-          </a:p>
-          <a:p>
-            <a:pPr>
-              <a:lnSpc>
-                <a:spcPct val="90000"/>
-              </a:lnSpc>
-              <a:spcAft>
-                <a:spcPts val="600"/>
-              </a:spcAft>
-            </a:pPr>
-            <a:endParaRPr lang="en-US" sz="2400" dirty="0">
-              <a:latin typeface="Segoe UI Semilight" panose="020B0402040204020203" pitchFamily="34" charset="0"/>
-              <a:cs typeface="Segoe UI Semilight" panose="020B0402040204020203" pitchFamily="34" charset="0"/>
-            </a:endParaRPr>
-          </a:p>
-        </p:txBody>
-      </p:sp>
-    </p:spTree>
-    <p:extLst>
-      <p:ext uri="{BB962C8B-B14F-4D97-AF65-F5344CB8AC3E}">
-        <p14:creationId xmlns:p14="http://schemas.microsoft.com/office/powerpoint/2010/main" val="3717261927"/>
-      </p:ext>
-    </p:extLst>
-  </p:cSld>
-  <p:clrMapOvr>
-    <a:masterClrMapping/>
-  </p:clrMapOvr>
-  <mc:AlternateContent xmlns:mc="http://schemas.openxmlformats.org/markup-compatibility/2006" xmlns:p14="http://schemas.microsoft.com/office/powerpoint/2010/main">
-    <mc:Choice Requires="p14">
-      <p:transition p14:dur="0"/>
-    </mc:Choice>
-    <mc:Fallback xmlns="">
-      <p:transition/>
-    </mc:Fallback>
-  </mc:AlternateContent>
-</p:sld>
-</file>
-
 <file path=ppt/slides/slide15.xml><?xml version="1.0" encoding="utf-8"?>
 <p:sld xmlns:a="http://schemas.openxmlformats.org/drawingml/2006/main" xmlns:r="http://schemas.openxmlformats.org/officeDocument/2006/relationships" xmlns:p="http://schemas.openxmlformats.org/presentationml/2006/main">
   <p:cSld>
@@ -20129,6 +20388,310 @@
                 <a:latin typeface="Segoe UI Light" panose="020B0502040204020203" pitchFamily="34" charset="0"/>
                 <a:cs typeface="Segoe UI Light" panose="020B0502040204020203" pitchFamily="34" charset="0"/>
               </a:rPr>
+              <a:t>Step 3: Present the solution</a:t>
+            </a:r>
+          </a:p>
+        </p:txBody>
+      </p:sp>
+      <p:sp>
+        <p:nvSpPr>
+          <p:cNvPr id="9" name="TextBox 8">
+            <a:extLst>
+              <a:ext uri="{FF2B5EF4-FFF2-40B4-BE49-F238E27FC236}">
+                <a16:creationId xmlns:a16="http://schemas.microsoft.com/office/drawing/2014/main" id="{0F86F9F9-39B5-4CE6-AF48-9ADAE40EA728}"/>
+              </a:ext>
+            </a:extLst>
+          </p:cNvPr>
+          <p:cNvSpPr txBox="1"/>
+          <p:nvPr/>
+        </p:nvSpPr>
+        <p:spPr>
+          <a:xfrm>
+            <a:off x="340285" y="1062166"/>
+            <a:ext cx="10229103" cy="5838521"/>
+          </a:xfrm>
+          <a:prstGeom prst="rect">
+            <a:avLst/>
+          </a:prstGeom>
+          <a:noFill/>
+        </p:spPr>
+        <p:txBody>
+          <a:bodyPr wrap="square" lIns="182880" tIns="146304" rIns="182880" bIns="146304" rtlCol="0">
+            <a:spAutoFit/>
+          </a:bodyPr>
+          <a:lstStyle/>
+          <a:p>
+            <a:pPr>
+              <a:lnSpc>
+                <a:spcPct val="90000"/>
+              </a:lnSpc>
+              <a:spcAft>
+                <a:spcPts val="600"/>
+              </a:spcAft>
+            </a:pPr>
+            <a:r>
+              <a:rPr lang="en-US" sz="3600" dirty="0">
+                <a:latin typeface="+mj-lt"/>
+              </a:rPr>
+              <a:t>Outcome</a:t>
+            </a:r>
+          </a:p>
+          <a:p>
+            <a:pPr>
+              <a:lnSpc>
+                <a:spcPct val="90000"/>
+              </a:lnSpc>
+              <a:spcAft>
+                <a:spcPts val="600"/>
+              </a:spcAft>
+            </a:pPr>
+            <a:r>
+              <a:rPr lang="en-US" sz="2400" dirty="0">
+                <a:latin typeface="Segoe UI Semilight" panose="020B0402040204020203" pitchFamily="34" charset="0"/>
+                <a:cs typeface="Segoe UI Semilight" panose="020B0402040204020203" pitchFamily="34" charset="0"/>
+              </a:rPr>
+              <a:t>Present a solution to the target customer in a 15-minute chalk-talk format </a:t>
+            </a:r>
+            <a:endParaRPr lang="en-US" sz="3600" dirty="0">
+              <a:latin typeface="+mj-lt"/>
+            </a:endParaRPr>
+          </a:p>
+          <a:p>
+            <a:pPr>
+              <a:lnSpc>
+                <a:spcPct val="90000"/>
+              </a:lnSpc>
+              <a:spcAft>
+                <a:spcPts val="600"/>
+              </a:spcAft>
+            </a:pPr>
+            <a:endParaRPr lang="en-US" sz="2400" dirty="0">
+              <a:latin typeface="+mj-lt"/>
+            </a:endParaRPr>
+          </a:p>
+          <a:p>
+            <a:pPr>
+              <a:lnSpc>
+                <a:spcPct val="90000"/>
+              </a:lnSpc>
+              <a:spcAft>
+                <a:spcPts val="600"/>
+              </a:spcAft>
+            </a:pPr>
+            <a:r>
+              <a:rPr lang="en-US" sz="3600" dirty="0">
+                <a:latin typeface="+mj-lt"/>
+              </a:rPr>
+              <a:t>Timeframe</a:t>
+            </a:r>
+          </a:p>
+          <a:p>
+            <a:pPr>
+              <a:lnSpc>
+                <a:spcPct val="90000"/>
+              </a:lnSpc>
+              <a:spcAft>
+                <a:spcPts val="600"/>
+              </a:spcAft>
+            </a:pPr>
+            <a:r>
+              <a:rPr lang="en-US" sz="2400" dirty="0">
+                <a:latin typeface="Segoe UI Semilight" panose="020B0402040204020203" pitchFamily="34" charset="0"/>
+                <a:cs typeface="Segoe UI Semilight" panose="020B0402040204020203" pitchFamily="34" charset="0"/>
+              </a:rPr>
+              <a:t>30 minutes (15 minutes for each team to present and receive feedback) </a:t>
+            </a:r>
+          </a:p>
+          <a:p>
+            <a:pPr>
+              <a:lnSpc>
+                <a:spcPct val="90000"/>
+              </a:lnSpc>
+              <a:spcAft>
+                <a:spcPts val="600"/>
+              </a:spcAft>
+            </a:pPr>
+            <a:endParaRPr lang="en-US" sz="2400" dirty="0">
+              <a:latin typeface="+mj-lt"/>
+            </a:endParaRPr>
+          </a:p>
+          <a:p>
+            <a:pPr>
+              <a:lnSpc>
+                <a:spcPct val="90000"/>
+              </a:lnSpc>
+              <a:spcAft>
+                <a:spcPts val="600"/>
+              </a:spcAft>
+            </a:pPr>
+            <a:r>
+              <a:rPr lang="en-US" sz="3600" dirty="0">
+                <a:latin typeface="+mj-lt"/>
+              </a:rPr>
+              <a:t>Directions</a:t>
+            </a:r>
+          </a:p>
+          <a:p>
+            <a:pPr marL="342900" lvl="0" indent="-342900">
+              <a:buFont typeface="Arial" panose="020B0604020202020204" pitchFamily="34" charset="0"/>
+              <a:buChar char="•"/>
+            </a:pPr>
+            <a:r>
+              <a:rPr lang="en-US" sz="2000" dirty="0">
+                <a:latin typeface="Segoe UI Semilight" panose="020B0402040204020203" pitchFamily="34" charset="0"/>
+                <a:cs typeface="Segoe UI Semilight" panose="020B0402040204020203" pitchFamily="34" charset="0"/>
+              </a:rPr>
+              <a:t>Pair with another table</a:t>
+            </a:r>
+          </a:p>
+          <a:p>
+            <a:pPr marL="342900" lvl="0" indent="-342900">
+              <a:buFont typeface="Arial" panose="020B0604020202020204" pitchFamily="34" charset="0"/>
+              <a:buChar char="•"/>
+            </a:pPr>
+            <a:r>
+              <a:rPr lang="en-US" sz="2000" dirty="0">
+                <a:latin typeface="Segoe UI Semilight" panose="020B0402040204020203" pitchFamily="34" charset="0"/>
+                <a:cs typeface="Segoe UI Semilight" panose="020B0402040204020203" pitchFamily="34" charset="0"/>
+              </a:rPr>
+              <a:t>One table is the Microsoft team and the other table is the customer</a:t>
+            </a:r>
+          </a:p>
+          <a:p>
+            <a:pPr marL="342900" lvl="0" indent="-342900">
+              <a:buFont typeface="Arial" panose="020B0604020202020204" pitchFamily="34" charset="0"/>
+              <a:buChar char="•"/>
+            </a:pPr>
+            <a:r>
+              <a:rPr lang="en-US" sz="2000" dirty="0">
+                <a:latin typeface="Segoe UI Semilight" panose="020B0402040204020203" pitchFamily="34" charset="0"/>
+                <a:cs typeface="Segoe UI Semilight" panose="020B0402040204020203" pitchFamily="34" charset="0"/>
+              </a:rPr>
+              <a:t>The Microsoft team presents their proposed solution to the customer</a:t>
+            </a:r>
+          </a:p>
+          <a:p>
+            <a:pPr marL="342900" lvl="0" indent="-342900">
+              <a:buFont typeface="Arial" panose="020B0604020202020204" pitchFamily="34" charset="0"/>
+              <a:buChar char="•"/>
+            </a:pPr>
+            <a:r>
+              <a:rPr lang="en-US" sz="2000" dirty="0">
+                <a:latin typeface="Segoe UI Semilight" panose="020B0402040204020203" pitchFamily="34" charset="0"/>
+                <a:cs typeface="Segoe UI Semilight" panose="020B0402040204020203" pitchFamily="34" charset="0"/>
+              </a:rPr>
+              <a:t>The customer asks one of the objections from the list of objections in the case study</a:t>
+            </a:r>
+          </a:p>
+          <a:p>
+            <a:pPr marL="342900" lvl="0" indent="-342900">
+              <a:buFont typeface="Arial" panose="020B0604020202020204" pitchFamily="34" charset="0"/>
+              <a:buChar char="•"/>
+            </a:pPr>
+            <a:r>
+              <a:rPr lang="en-US" sz="2000" dirty="0">
+                <a:latin typeface="Segoe UI Semilight" panose="020B0402040204020203" pitchFamily="34" charset="0"/>
+                <a:cs typeface="Segoe UI Semilight" panose="020B0402040204020203" pitchFamily="34" charset="0"/>
+              </a:rPr>
+              <a:t>The Microsoft team responds to the objection</a:t>
+            </a:r>
+          </a:p>
+          <a:p>
+            <a:pPr marL="342900" lvl="0" indent="-342900">
+              <a:buFont typeface="Arial" panose="020B0604020202020204" pitchFamily="34" charset="0"/>
+              <a:buChar char="•"/>
+            </a:pPr>
+            <a:r>
+              <a:rPr lang="en-US" sz="2000" dirty="0">
+                <a:latin typeface="Segoe UI Semilight" panose="020B0402040204020203" pitchFamily="34" charset="0"/>
+                <a:cs typeface="Segoe UI Semilight" panose="020B0402040204020203" pitchFamily="34" charset="0"/>
+              </a:rPr>
+              <a:t>The customer team gives feedback to the Microsoft team</a:t>
+            </a:r>
+            <a:endParaRPr lang="en-US" sz="2000" strike="sngStrike" dirty="0">
+              <a:latin typeface="Segoe UI Semilight" panose="020B0402040204020203" pitchFamily="34" charset="0"/>
+              <a:cs typeface="Segoe UI Semilight" panose="020B0402040204020203" pitchFamily="34" charset="0"/>
+            </a:endParaRPr>
+          </a:p>
+          <a:p>
+            <a:pPr>
+              <a:lnSpc>
+                <a:spcPct val="90000"/>
+              </a:lnSpc>
+              <a:spcAft>
+                <a:spcPts val="600"/>
+              </a:spcAft>
+            </a:pPr>
+            <a:endParaRPr lang="en-US" sz="2400" dirty="0">
+              <a:latin typeface="Segoe UI Semilight" panose="020B0402040204020203" pitchFamily="34" charset="0"/>
+              <a:cs typeface="Segoe UI Semilight" panose="020B0402040204020203" pitchFamily="34" charset="0"/>
+            </a:endParaRPr>
+          </a:p>
+        </p:txBody>
+      </p:sp>
+    </p:spTree>
+    <p:extLst>
+      <p:ext uri="{BB962C8B-B14F-4D97-AF65-F5344CB8AC3E}">
+        <p14:creationId xmlns:p14="http://schemas.microsoft.com/office/powerpoint/2010/main" val="3717261927"/>
+      </p:ext>
+    </p:extLst>
+  </p:cSld>
+  <p:clrMapOvr>
+    <a:masterClrMapping/>
+  </p:clrMapOvr>
+  <mc:AlternateContent xmlns:mc="http://schemas.openxmlformats.org/markup-compatibility/2006" xmlns:p14="http://schemas.microsoft.com/office/powerpoint/2010/main">
+    <mc:Choice Requires="p14">
+      <p:transition p14:dur="0"/>
+    </mc:Choice>
+    <mc:Fallback xmlns="">
+      <p:transition/>
+    </mc:Fallback>
+  </mc:AlternateContent>
+</p:sld>
+</file>
+
+<file path=ppt/slides/slide16.xml><?xml version="1.0" encoding="utf-8"?>
+<p:sld xmlns:a="http://schemas.openxmlformats.org/drawingml/2006/main" xmlns:r="http://schemas.openxmlformats.org/officeDocument/2006/relationships" xmlns:p="http://schemas.openxmlformats.org/presentationml/2006/main">
+  <p:cSld>
+    <p:spTree>
+      <p:nvGrpSpPr>
+        <p:cNvPr id="1" name=""/>
+        <p:cNvGrpSpPr/>
+        <p:nvPr/>
+      </p:nvGrpSpPr>
+      <p:grpSpPr>
+        <a:xfrm>
+          <a:off x="0" y="0"/>
+          <a:ext cx="0" cy="0"/>
+          <a:chOff x="0" y="0"/>
+          <a:chExt cx="0" cy="0"/>
+        </a:xfrm>
+      </p:grpSpPr>
+      <p:sp>
+        <p:nvSpPr>
+          <p:cNvPr id="2" name="Title 1"/>
+          <p:cNvSpPr>
+            <a:spLocks noGrp="1"/>
+          </p:cNvSpPr>
+          <p:nvPr>
+            <p:ph type="title"/>
+          </p:nvPr>
+        </p:nvSpPr>
+        <p:spPr/>
+        <p:txBody>
+          <a:bodyPr>
+            <a:normAutofit/>
+          </a:bodyPr>
+          <a:lstStyle/>
+          <a:p>
+            <a:r>
+              <a:rPr lang="en-US" sz="4400" dirty="0">
+                <a:solidFill>
+                  <a:schemeClr val="tx1"/>
+                </a:solidFill>
+                <a:latin typeface="Segoe UI Light" panose="020B0502040204020203" pitchFamily="34" charset="0"/>
+                <a:cs typeface="Segoe UI Light" panose="020B0502040204020203" pitchFamily="34" charset="0"/>
+              </a:rPr>
               <a:t>Wrap-up</a:t>
             </a:r>
           </a:p>
@@ -20278,7 +20841,7 @@
 </p:sld>
 </file>
 
-<file path=ppt/slides/slide16.xml><?xml version="1.0" encoding="utf-8"?>
+<file path=ppt/slides/slide17.xml><?xml version="1.0" encoding="utf-8"?>
 <p:sld xmlns:a="http://schemas.openxmlformats.org/drawingml/2006/main" xmlns:r="http://schemas.openxmlformats.org/officeDocument/2006/relationships" xmlns:p="http://schemas.openxmlformats.org/presentationml/2006/main">
   <p:cSld>
     <p:bg>
@@ -20436,7 +20999,7 @@
 </p:sld>
 </file>
 
-<file path=ppt/slides/slide17.xml><?xml version="1.0" encoding="utf-8"?>
+<file path=ppt/slides/slide18.xml><?xml version="1.0" encoding="utf-8"?>
 <p:sld xmlns:a="http://schemas.openxmlformats.org/drawingml/2006/main" xmlns:r="http://schemas.openxmlformats.org/officeDocument/2006/relationships" xmlns:p="http://schemas.openxmlformats.org/presentationml/2006/main">
   <p:cSld>
     <p:spTree>
@@ -20604,149 +21167,6 @@
     <p:extLst>
       <p:ext uri="{BB962C8B-B14F-4D97-AF65-F5344CB8AC3E}">
         <p14:creationId xmlns:p14="http://schemas.microsoft.com/office/powerpoint/2010/main" val="2547985055"/>
-      </p:ext>
-    </p:extLst>
-  </p:cSld>
-  <p:clrMapOvr>
-    <a:masterClrMapping/>
-  </p:clrMapOvr>
-  <mc:AlternateContent xmlns:mc="http://schemas.openxmlformats.org/markup-compatibility/2006" xmlns:p14="http://schemas.microsoft.com/office/powerpoint/2010/main">
-    <mc:Choice Requires="p14">
-      <p:transition p14:dur="0"/>
-    </mc:Choice>
-    <mc:Fallback xmlns="">
-      <p:transition/>
-    </mc:Fallback>
-  </mc:AlternateContent>
-</p:sld>
-</file>
-
-<file path=ppt/slides/slide18.xml><?xml version="1.0" encoding="utf-8"?>
-<p:sld xmlns:a="http://schemas.openxmlformats.org/drawingml/2006/main" xmlns:r="http://schemas.openxmlformats.org/officeDocument/2006/relationships" xmlns:p="http://schemas.openxmlformats.org/presentationml/2006/main">
-  <p:cSld>
-    <p:spTree>
-      <p:nvGrpSpPr>
-        <p:cNvPr id="1" name=""/>
-        <p:cNvGrpSpPr/>
-        <p:nvPr/>
-      </p:nvGrpSpPr>
-      <p:grpSpPr>
-        <a:xfrm>
-          <a:off x="0" y="0"/>
-          <a:ext cx="0" cy="0"/>
-          <a:chOff x="0" y="0"/>
-          <a:chExt cx="0" cy="0"/>
-        </a:xfrm>
-      </p:grpSpPr>
-      <p:sp>
-        <p:nvSpPr>
-          <p:cNvPr id="8" name="Text Placeholder 7">
-            <a:extLst>
-              <a:ext uri="{FF2B5EF4-FFF2-40B4-BE49-F238E27FC236}">
-                <a16:creationId xmlns:a16="http://schemas.microsoft.com/office/drawing/2014/main" id="{B62F243E-87AF-41D5-8872-09B264C5FD16}"/>
-              </a:ext>
-            </a:extLst>
-          </p:cNvPr>
-          <p:cNvSpPr>
-            <a:spLocks noGrp="1"/>
-          </p:cNvSpPr>
-          <p:nvPr>
-            <p:ph type="body" sz="quarter" idx="10"/>
-          </p:nvPr>
-        </p:nvSpPr>
-        <p:spPr>
-          <a:xfrm>
-            <a:off x="269240" y="1189177"/>
-            <a:ext cx="11387264" cy="2794611"/>
-          </a:xfrm>
-        </p:spPr>
-        <p:txBody>
-          <a:bodyPr/>
-          <a:lstStyle/>
-          <a:p>
-            <a:r>
-              <a:rPr lang="en-IE" sz="3200" dirty="0"/>
-              <a:t>Assess suitability for migration </a:t>
-            </a:r>
-          </a:p>
-          <a:p>
-            <a:r>
-              <a:rPr lang="en-IE" sz="3200" dirty="0"/>
-              <a:t>Visualize dependencies</a:t>
-            </a:r>
-          </a:p>
-          <a:p>
-            <a:r>
-              <a:rPr lang="en-IE" sz="3200" dirty="0"/>
-              <a:t>Sizing recommendations</a:t>
-            </a:r>
-          </a:p>
-          <a:p>
-            <a:r>
-              <a:rPr lang="en-IE" sz="3200" dirty="0"/>
-              <a:t>Cost estimates</a:t>
-            </a:r>
-          </a:p>
-          <a:p>
-            <a:endParaRPr lang="en-IE" sz="3200" dirty="0"/>
-          </a:p>
-        </p:txBody>
-      </p:sp>
-      <p:sp>
-        <p:nvSpPr>
-          <p:cNvPr id="2" name="Title 1"/>
-          <p:cNvSpPr>
-            <a:spLocks noGrp="1"/>
-          </p:cNvSpPr>
-          <p:nvPr>
-            <p:ph type="title"/>
-          </p:nvPr>
-        </p:nvSpPr>
-        <p:spPr/>
-        <p:txBody>
-          <a:bodyPr/>
-          <a:lstStyle/>
-          <a:p>
-            <a:r>
-              <a:rPr lang="en-US" dirty="0"/>
-              <a:t>Preferred solution: Azure Migrate</a:t>
-            </a:r>
-          </a:p>
-        </p:txBody>
-      </p:sp>
-      <p:pic>
-        <p:nvPicPr>
-          <p:cNvPr id="14" name="Picture 13" descr="Screenshot of an Azure Migrate assessment, showing the Overview view. 3 doughnut charts are shown: Azure Readiness, Monthly cost estimate, and Storage monthly cost estimate.">
-            <a:extLst>
-              <a:ext uri="{FF2B5EF4-FFF2-40B4-BE49-F238E27FC236}">
-                <a16:creationId xmlns:a16="http://schemas.microsoft.com/office/drawing/2014/main" id="{4F9D0959-E397-4805-A472-C2FCEAE21A6C}"/>
-              </a:ext>
-            </a:extLst>
-          </p:cNvPr>
-          <p:cNvPicPr>
-            <a:picLocks noChangeAspect="1"/>
-          </p:cNvPicPr>
-          <p:nvPr/>
-        </p:nvPicPr>
-        <p:blipFill rotWithShape="1">
-          <a:blip r:embed="rId3"/>
-          <a:srcRect t="12758" b="344"/>
-          <a:stretch/>
-        </p:blipFill>
-        <p:spPr>
-          <a:xfrm>
-            <a:off x="0" y="3582713"/>
-            <a:ext cx="12192000" cy="2772000"/>
-          </a:xfrm>
-          <a:prstGeom prst="rect">
-            <a:avLst/>
-          </a:prstGeom>
-        </p:spPr>
-      </p:pic>
-    </p:spTree>
-    <p:extLst>
-      <p:ext uri="{BB962C8B-B14F-4D97-AF65-F5344CB8AC3E}">
-        <p14:creationId xmlns:p14="http://schemas.microsoft.com/office/powerpoint/2010/main" val="438468010"/>
       </p:ext>
     </p:extLst>
   </p:cSld>
@@ -20800,7 +21220,7 @@
         <p:spPr>
           <a:xfrm>
             <a:off x="269240" y="1189177"/>
-            <a:ext cx="11387264" cy="1987467"/>
+            <a:ext cx="11387264" cy="2794611"/>
           </a:xfrm>
         </p:spPr>
         <p:txBody>
@@ -20809,20 +21229,25 @@
           <a:p>
             <a:r>
               <a:rPr lang="en-IE" sz="3200" dirty="0"/>
-              <a:t>Migration and Disaster Recovery</a:t>
+              <a:t>Assess suitability for migration </a:t>
             </a:r>
           </a:p>
           <a:p>
             <a:r>
               <a:rPr lang="en-IE" sz="3200" dirty="0"/>
-              <a:t>All workloads	</a:t>
-            </a:r>
-          </a:p>
-          <a:p>
-            <a:pPr lvl="1"/>
-            <a:r>
-              <a:rPr lang="en-IE" sz="1632" dirty="0"/>
-              <a:t>Physical, Hyper-V, VMware, Windows, Linux, …</a:t>
+              <a:t>Visualize dependencies</a:t>
+            </a:r>
+          </a:p>
+          <a:p>
+            <a:r>
+              <a:rPr lang="en-IE" sz="3200" dirty="0"/>
+              <a:t>Sizing recommendations</a:t>
+            </a:r>
+          </a:p>
+          <a:p>
+            <a:r>
+              <a:rPr lang="en-IE" sz="3200" dirty="0"/>
+              <a:t>Cost estimates</a:t>
             </a:r>
           </a:p>
           <a:p>
@@ -20847,17 +21272,17 @@
           <a:p>
             <a:r>
               <a:rPr lang="en-US" dirty="0"/>
-              <a:t>Preferred solution: Azure Site Recovery</a:t>
+              <a:t>Preferred solution: Azure Migrate</a:t>
             </a:r>
           </a:p>
         </p:txBody>
       </p:sp>
       <p:pic>
         <p:nvPicPr>
-          <p:cNvPr id="3" name="Picture 2" descr="Diagram of Azure Site Recovery architecture. On the left, VMs in VMware are shown with the mobility service installed, sending data to the Config Server and Process Server. These in turn send data to the Azure Site Recovery service, on the right.">
+          <p:cNvPr id="14" name="Picture 13" descr="Screenshot of an Azure Migrate assessment, showing the Overview view. 3 doughnut charts are shown: Azure Readiness, Monthly cost estimate, and Storage monthly cost estimate.">
             <a:extLst>
               <a:ext uri="{FF2B5EF4-FFF2-40B4-BE49-F238E27FC236}">
-                <a16:creationId xmlns:a16="http://schemas.microsoft.com/office/drawing/2014/main" id="{63C7F7BC-D313-4657-868B-1F62B1AB2637}"/>
+                <a16:creationId xmlns:a16="http://schemas.microsoft.com/office/drawing/2014/main" id="{4F9D0959-E397-4805-A472-C2FCEAE21A6C}"/>
               </a:ext>
             </a:extLst>
           </p:cNvPr>
@@ -20866,114 +21291,25 @@
           </p:cNvPicPr>
           <p:nvPr/>
         </p:nvPicPr>
-        <p:blipFill>
+        <p:blipFill rotWithShape="1">
           <a:blip r:embed="rId3"/>
-          <a:stretch>
-            <a:fillRect/>
-          </a:stretch>
+          <a:srcRect t="12758" b="344"/>
+          <a:stretch/>
         </p:blipFill>
         <p:spPr>
           <a:xfrm>
-            <a:off x="1191067" y="2696374"/>
-            <a:ext cx="9809866" cy="3872115"/>
+            <a:off x="0" y="3582713"/>
+            <a:ext cx="12192000" cy="2772000"/>
           </a:xfrm>
           <a:prstGeom prst="rect">
             <a:avLst/>
           </a:prstGeom>
         </p:spPr>
       </p:pic>
-      <p:sp>
-        <p:nvSpPr>
-          <p:cNvPr id="5" name="Rectangle 4">
-            <a:extLst>
-              <a:ext uri="{FF2B5EF4-FFF2-40B4-BE49-F238E27FC236}">
-                <a16:creationId xmlns:a16="http://schemas.microsoft.com/office/drawing/2014/main" id="{C59D0E14-C6F9-4B45-B4C4-6F39AE4998B2}"/>
-              </a:ext>
-            </a:extLst>
-          </p:cNvPr>
-          <p:cNvSpPr/>
-          <p:nvPr/>
-        </p:nvSpPr>
-        <p:spPr>
-          <a:xfrm>
-            <a:off x="6701367" y="1239391"/>
-            <a:ext cx="6096000" cy="1077218"/>
-          </a:xfrm>
-          <a:prstGeom prst="rect">
-            <a:avLst/>
-          </a:prstGeom>
-        </p:spPr>
-        <p:txBody>
-          <a:bodyPr>
-            <a:spAutoFit/>
-          </a:bodyPr>
-          <a:lstStyle/>
-          <a:p>
-            <a:pPr marL="336145" lvl="0" indent="-336145" defTabSz="914367">
-              <a:lnSpc>
-                <a:spcPct val="90000"/>
-              </a:lnSpc>
-              <a:spcBef>
-                <a:spcPct val="20000"/>
-              </a:spcBef>
-              <a:buSzPct val="90000"/>
-              <a:buFont typeface="Arial" pitchFamily="34" charset="0"/>
-              <a:buChar char="•"/>
-            </a:pPr>
-            <a:r>
-              <a:rPr lang="en-IE" sz="3200" dirty="0">
-                <a:gradFill>
-                  <a:gsLst>
-                    <a:gs pos="1250">
-                      <a:srgbClr val="FFFFFF"/>
-                    </a:gs>
-                    <a:gs pos="100000">
-                      <a:srgbClr val="FFFFFF"/>
-                    </a:gs>
-                  </a:gsLst>
-                  <a:lin ang="5400000" scaled="0"/>
-                </a:gradFill>
-                <a:latin typeface="Segoe UI Light"/>
-              </a:rPr>
-              <a:t>Incremental data transfer</a:t>
-            </a:r>
-          </a:p>
-          <a:p>
-            <a:pPr marL="336145" lvl="0" indent="-336145" defTabSz="914367">
-              <a:lnSpc>
-                <a:spcPct val="90000"/>
-              </a:lnSpc>
-              <a:spcBef>
-                <a:spcPct val="20000"/>
-              </a:spcBef>
-              <a:buSzPct val="90000"/>
-              <a:buFont typeface="Arial" pitchFamily="34" charset="0"/>
-              <a:buChar char="•"/>
-            </a:pPr>
-            <a:r>
-              <a:rPr lang="en-IE" sz="3200" dirty="0">
-                <a:gradFill>
-                  <a:gsLst>
-                    <a:gs pos="1250">
-                      <a:srgbClr val="FFFFFF"/>
-                    </a:gs>
-                    <a:gs pos="100000">
-                      <a:srgbClr val="FFFFFF"/>
-                    </a:gs>
-                  </a:gsLst>
-                  <a:lin ang="5400000" scaled="0"/>
-                </a:gradFill>
-                <a:latin typeface="Segoe UI Light"/>
-              </a:rPr>
-              <a:t>Test failover</a:t>
-            </a:r>
-          </a:p>
-        </p:txBody>
-      </p:sp>
     </p:spTree>
     <p:extLst>
       <p:ext uri="{BB962C8B-B14F-4D97-AF65-F5344CB8AC3E}">
-        <p14:creationId xmlns:p14="http://schemas.microsoft.com/office/powerpoint/2010/main" val="1207551824"/>
+        <p14:creationId xmlns:p14="http://schemas.microsoft.com/office/powerpoint/2010/main" val="438468010"/>
       </p:ext>
     </p:extLst>
   </p:cSld>
@@ -28809,6 +29145,233 @@
       </p:grpSpPr>
       <p:sp>
         <p:nvSpPr>
+          <p:cNvPr id="8" name="Text Placeholder 7">
+            <a:extLst>
+              <a:ext uri="{FF2B5EF4-FFF2-40B4-BE49-F238E27FC236}">
+                <a16:creationId xmlns:a16="http://schemas.microsoft.com/office/drawing/2014/main" id="{B62F243E-87AF-41D5-8872-09B264C5FD16}"/>
+              </a:ext>
+            </a:extLst>
+          </p:cNvPr>
+          <p:cNvSpPr>
+            <a:spLocks noGrp="1"/>
+          </p:cNvSpPr>
+          <p:nvPr>
+            <p:ph type="body" sz="quarter" idx="10"/>
+          </p:nvPr>
+        </p:nvSpPr>
+        <p:spPr>
+          <a:xfrm>
+            <a:off x="269240" y="1189177"/>
+            <a:ext cx="11387264" cy="1987467"/>
+          </a:xfrm>
+        </p:spPr>
+        <p:txBody>
+          <a:bodyPr/>
+          <a:lstStyle/>
+          <a:p>
+            <a:r>
+              <a:rPr lang="en-IE" sz="3200" dirty="0"/>
+              <a:t>Migration and Disaster Recovery</a:t>
+            </a:r>
+          </a:p>
+          <a:p>
+            <a:r>
+              <a:rPr lang="en-IE" sz="3200" dirty="0"/>
+              <a:t>All workloads	</a:t>
+            </a:r>
+          </a:p>
+          <a:p>
+            <a:pPr lvl="1"/>
+            <a:r>
+              <a:rPr lang="en-IE" sz="1632" dirty="0"/>
+              <a:t>Physical, Hyper-V, VMware, Windows, Linux, …</a:t>
+            </a:r>
+          </a:p>
+          <a:p>
+            <a:endParaRPr lang="en-IE" sz="3200" dirty="0"/>
+          </a:p>
+        </p:txBody>
+      </p:sp>
+      <p:sp>
+        <p:nvSpPr>
+          <p:cNvPr id="2" name="Title 1"/>
+          <p:cNvSpPr>
+            <a:spLocks noGrp="1"/>
+          </p:cNvSpPr>
+          <p:nvPr>
+            <p:ph type="title"/>
+          </p:nvPr>
+        </p:nvSpPr>
+        <p:spPr/>
+        <p:txBody>
+          <a:bodyPr/>
+          <a:lstStyle/>
+          <a:p>
+            <a:r>
+              <a:rPr lang="en-US" dirty="0"/>
+              <a:t>Preferred solution: Azure Site Recovery</a:t>
+            </a:r>
+          </a:p>
+        </p:txBody>
+      </p:sp>
+      <p:pic>
+        <p:nvPicPr>
+          <p:cNvPr id="3" name="Picture 2" descr="Diagram of Azure Site Recovery architecture. On the left, VMs in VMware are shown with the mobility service installed, sending data to the Config Server and Process Server. These in turn send data to the Azure Site Recovery service, on the right.">
+            <a:extLst>
+              <a:ext uri="{FF2B5EF4-FFF2-40B4-BE49-F238E27FC236}">
+                <a16:creationId xmlns:a16="http://schemas.microsoft.com/office/drawing/2014/main" id="{63C7F7BC-D313-4657-868B-1F62B1AB2637}"/>
+              </a:ext>
+            </a:extLst>
+          </p:cNvPr>
+          <p:cNvPicPr>
+            <a:picLocks noChangeAspect="1"/>
+          </p:cNvPicPr>
+          <p:nvPr/>
+        </p:nvPicPr>
+        <p:blipFill>
+          <a:blip r:embed="rId3"/>
+          <a:stretch>
+            <a:fillRect/>
+          </a:stretch>
+        </p:blipFill>
+        <p:spPr>
+          <a:xfrm>
+            <a:off x="1191067" y="2696374"/>
+            <a:ext cx="9809866" cy="3872115"/>
+          </a:xfrm>
+          <a:prstGeom prst="rect">
+            <a:avLst/>
+          </a:prstGeom>
+        </p:spPr>
+      </p:pic>
+      <p:sp>
+        <p:nvSpPr>
+          <p:cNvPr id="5" name="Rectangle 4">
+            <a:extLst>
+              <a:ext uri="{FF2B5EF4-FFF2-40B4-BE49-F238E27FC236}">
+                <a16:creationId xmlns:a16="http://schemas.microsoft.com/office/drawing/2014/main" id="{C59D0E14-C6F9-4B45-B4C4-6F39AE4998B2}"/>
+              </a:ext>
+            </a:extLst>
+          </p:cNvPr>
+          <p:cNvSpPr/>
+          <p:nvPr/>
+        </p:nvSpPr>
+        <p:spPr>
+          <a:xfrm>
+            <a:off x="6701367" y="1239391"/>
+            <a:ext cx="6096000" cy="1077218"/>
+          </a:xfrm>
+          <a:prstGeom prst="rect">
+            <a:avLst/>
+          </a:prstGeom>
+        </p:spPr>
+        <p:txBody>
+          <a:bodyPr>
+            <a:spAutoFit/>
+          </a:bodyPr>
+          <a:lstStyle/>
+          <a:p>
+            <a:pPr marL="336145" lvl="0" indent="-336145" defTabSz="914367">
+              <a:lnSpc>
+                <a:spcPct val="90000"/>
+              </a:lnSpc>
+              <a:spcBef>
+                <a:spcPct val="20000"/>
+              </a:spcBef>
+              <a:buSzPct val="90000"/>
+              <a:buFont typeface="Arial" pitchFamily="34" charset="0"/>
+              <a:buChar char="•"/>
+            </a:pPr>
+            <a:r>
+              <a:rPr lang="en-IE" sz="3200" dirty="0">
+                <a:gradFill>
+                  <a:gsLst>
+                    <a:gs pos="1250">
+                      <a:srgbClr val="FFFFFF"/>
+                    </a:gs>
+                    <a:gs pos="100000">
+                      <a:srgbClr val="FFFFFF"/>
+                    </a:gs>
+                  </a:gsLst>
+                  <a:lin ang="5400000" scaled="0"/>
+                </a:gradFill>
+                <a:latin typeface="Segoe UI Light"/>
+              </a:rPr>
+              <a:t>Incremental data transfer</a:t>
+            </a:r>
+          </a:p>
+          <a:p>
+            <a:pPr marL="336145" lvl="0" indent="-336145" defTabSz="914367">
+              <a:lnSpc>
+                <a:spcPct val="90000"/>
+              </a:lnSpc>
+              <a:spcBef>
+                <a:spcPct val="20000"/>
+              </a:spcBef>
+              <a:buSzPct val="90000"/>
+              <a:buFont typeface="Arial" pitchFamily="34" charset="0"/>
+              <a:buChar char="•"/>
+            </a:pPr>
+            <a:r>
+              <a:rPr lang="en-IE" sz="3200" dirty="0">
+                <a:gradFill>
+                  <a:gsLst>
+                    <a:gs pos="1250">
+                      <a:srgbClr val="FFFFFF"/>
+                    </a:gs>
+                    <a:gs pos="100000">
+                      <a:srgbClr val="FFFFFF"/>
+                    </a:gs>
+                  </a:gsLst>
+                  <a:lin ang="5400000" scaled="0"/>
+                </a:gradFill>
+                <a:latin typeface="Segoe UI Light"/>
+              </a:rPr>
+              <a:t>Test failover</a:t>
+            </a:r>
+          </a:p>
+        </p:txBody>
+      </p:sp>
+    </p:spTree>
+    <p:extLst>
+      <p:ext uri="{BB962C8B-B14F-4D97-AF65-F5344CB8AC3E}">
+        <p14:creationId xmlns:p14="http://schemas.microsoft.com/office/powerpoint/2010/main" val="1207551824"/>
+      </p:ext>
+    </p:extLst>
+  </p:cSld>
+  <p:clrMapOvr>
+    <a:masterClrMapping/>
+  </p:clrMapOvr>
+  <mc:AlternateContent xmlns:mc="http://schemas.openxmlformats.org/markup-compatibility/2006" xmlns:p14="http://schemas.microsoft.com/office/powerpoint/2010/main">
+    <mc:Choice Requires="p14">
+      <p:transition p14:dur="0"/>
+    </mc:Choice>
+    <mc:Fallback xmlns="">
+      <p:transition/>
+    </mc:Fallback>
+  </mc:AlternateContent>
+</p:sld>
+</file>
+
+<file path=ppt/slides/slide21.xml><?xml version="1.0" encoding="utf-8"?>
+<p:sld xmlns:a="http://schemas.openxmlformats.org/drawingml/2006/main" xmlns:r="http://schemas.openxmlformats.org/officeDocument/2006/relationships" xmlns:p="http://schemas.openxmlformats.org/presentationml/2006/main">
+  <p:cSld>
+    <p:spTree>
+      <p:nvGrpSpPr>
+        <p:cNvPr id="1" name=""/>
+        <p:cNvGrpSpPr/>
+        <p:nvPr/>
+      </p:nvGrpSpPr>
+      <p:grpSpPr>
+        <a:xfrm>
+          <a:off x="0" y="0"/>
+          <a:ext cx="0" cy="0"/>
+          <a:chOff x="0" y="0"/>
+          <a:chExt cx="0" cy="0"/>
+        </a:xfrm>
+      </p:grpSpPr>
+      <p:sp>
+        <p:nvSpPr>
           <p:cNvPr id="2" name="Text Placeholder 1">
             <a:extLst>
               <a:ext uri="{FF2B5EF4-FFF2-40B4-BE49-F238E27FC236}">
@@ -28936,7 +29499,7 @@
 </p:sld>
 </file>
 
-<file path=ppt/slides/slide21.xml><?xml version="1.0" encoding="utf-8"?>
+<file path=ppt/slides/slide22.xml><?xml version="1.0" encoding="utf-8"?>
 <p:sld xmlns:a="http://schemas.openxmlformats.org/drawingml/2006/main" xmlns:r="http://schemas.openxmlformats.org/officeDocument/2006/relationships" xmlns:p="http://schemas.openxmlformats.org/presentationml/2006/main">
   <p:cSld>
     <p:spTree>
@@ -29071,7 +29634,7 @@
 </p:sld>
 </file>
 
-<file path=ppt/slides/slide22.xml><?xml version="1.0" encoding="utf-8"?>
+<file path=ppt/slides/slide23.xml><?xml version="1.0" encoding="utf-8"?>
 <p:sld xmlns:a="http://schemas.openxmlformats.org/drawingml/2006/main" xmlns:r="http://schemas.openxmlformats.org/officeDocument/2006/relationships" xmlns:p="http://schemas.openxmlformats.org/presentationml/2006/main">
   <p:cSld>
     <p:spTree>
@@ -29261,7 +29824,7 @@
 </p:sld>
 </file>
 
-<file path=ppt/slides/slide23.xml><?xml version="1.0" encoding="utf-8"?>
+<file path=ppt/slides/slide24.xml><?xml version="1.0" encoding="utf-8"?>
 <p:sld xmlns:a="http://schemas.openxmlformats.org/drawingml/2006/main" xmlns:r="http://schemas.openxmlformats.org/officeDocument/2006/relationships" xmlns:p="http://schemas.openxmlformats.org/presentationml/2006/main">
   <p:cSld>
     <p:spTree>
@@ -29378,131 +29941,6 @@
     <p:extLst>
       <p:ext uri="{BB962C8B-B14F-4D97-AF65-F5344CB8AC3E}">
         <p14:creationId xmlns:p14="http://schemas.microsoft.com/office/powerpoint/2010/main" val="74752777"/>
-      </p:ext>
-    </p:extLst>
-  </p:cSld>
-  <p:clrMapOvr>
-    <a:masterClrMapping/>
-  </p:clrMapOvr>
-  <p:transition>
-    <p:fade/>
-  </p:transition>
-</p:sld>
-</file>
-
-<file path=ppt/slides/slide24.xml><?xml version="1.0" encoding="utf-8"?>
-<p:sld xmlns:a="http://schemas.openxmlformats.org/drawingml/2006/main" xmlns:r="http://schemas.openxmlformats.org/officeDocument/2006/relationships" xmlns:p="http://schemas.openxmlformats.org/presentationml/2006/main">
-  <p:cSld>
-    <p:spTree>
-      <p:nvGrpSpPr>
-        <p:cNvPr id="1" name=""/>
-        <p:cNvGrpSpPr/>
-        <p:nvPr/>
-      </p:nvGrpSpPr>
-      <p:grpSpPr>
-        <a:xfrm>
-          <a:off x="0" y="0"/>
-          <a:ext cx="0" cy="0"/>
-          <a:chOff x="0" y="0"/>
-          <a:chExt cx="0" cy="0"/>
-        </a:xfrm>
-      </p:grpSpPr>
-      <p:sp>
-        <p:nvSpPr>
-          <p:cNvPr id="3" name="Text Placeholder 2">
-            <a:extLst>
-              <a:ext uri="{FF2B5EF4-FFF2-40B4-BE49-F238E27FC236}">
-                <a16:creationId xmlns:a16="http://schemas.microsoft.com/office/drawing/2014/main" id="{E62D2B87-13E1-4D84-A606-CB293B6C82B6}"/>
-              </a:ext>
-            </a:extLst>
-          </p:cNvPr>
-          <p:cNvSpPr>
-            <a:spLocks noGrp="1"/>
-          </p:cNvSpPr>
-          <p:nvPr>
-            <p:ph type="body" sz="quarter" idx="10"/>
-          </p:nvPr>
-        </p:nvSpPr>
-        <p:spPr/>
-        <p:txBody>
-          <a:bodyPr/>
-          <a:lstStyle/>
-          <a:p>
-            <a:r>
-              <a:rPr lang="en-IE" dirty="0"/>
-              <a:t>Prepare Azure environment</a:t>
-            </a:r>
-          </a:p>
-          <a:p>
-            <a:pPr lvl="1"/>
-            <a:r>
-              <a:rPr lang="en-IE" dirty="0"/>
-              <a:t>Accounts, permissions, recovery services vault, storage, network…everything except the VMs and their disks</a:t>
-            </a:r>
-          </a:p>
-          <a:p>
-            <a:r>
-              <a:rPr lang="en-IE" dirty="0"/>
-              <a:t>Deploy on-premises components</a:t>
-            </a:r>
-          </a:p>
-          <a:p>
-            <a:pPr lvl="1"/>
-            <a:r>
-              <a:rPr lang="en-IE" dirty="0"/>
-              <a:t>VMware or Physical: Configuration server, process server, mobility agent</a:t>
-            </a:r>
-          </a:p>
-          <a:p>
-            <a:r>
-              <a:rPr lang="en-IE" dirty="0"/>
-              <a:t>Configure replication policy and enable replication</a:t>
-            </a:r>
-          </a:p>
-          <a:p>
-            <a:r>
-              <a:rPr lang="en-IE" dirty="0"/>
-              <a:t>Perform test failover and verify</a:t>
-            </a:r>
-          </a:p>
-          <a:p>
-            <a:endParaRPr lang="en-IE" dirty="0"/>
-          </a:p>
-        </p:txBody>
-      </p:sp>
-      <p:sp>
-        <p:nvSpPr>
-          <p:cNvPr id="2" name="Title 1">
-            <a:extLst>
-              <a:ext uri="{FF2B5EF4-FFF2-40B4-BE49-F238E27FC236}">
-                <a16:creationId xmlns:a16="http://schemas.microsoft.com/office/drawing/2014/main" id="{59C1FCCA-E72A-4D22-BB7E-034E6745E6AE}"/>
-              </a:ext>
-            </a:extLst>
-          </p:cNvPr>
-          <p:cNvSpPr>
-            <a:spLocks noGrp="1"/>
-          </p:cNvSpPr>
-          <p:nvPr>
-            <p:ph type="title"/>
-          </p:nvPr>
-        </p:nvSpPr>
-        <p:spPr/>
-        <p:txBody>
-          <a:bodyPr/>
-          <a:lstStyle/>
-          <a:p>
-            <a:r>
-              <a:rPr lang="en-IE"/>
-              <a:t>Solution Details: Azure Site Recovery</a:t>
-            </a:r>
-            <a:endParaRPr lang="en-IE" dirty="0"/>
-          </a:p>
-        </p:txBody>
-      </p:sp>
-    </p:spTree>
-    <p:extLst>
-      <p:ext uri="{BB962C8B-B14F-4D97-AF65-F5344CB8AC3E}">
-        <p14:creationId xmlns:p14="http://schemas.microsoft.com/office/powerpoint/2010/main" val="3410966198"/>
       </p:ext>
     </p:extLst>
   </p:cSld>
@@ -29554,77 +29992,40 @@
           <a:lstStyle/>
           <a:p>
             <a:r>
-              <a:rPr lang="en-IE"/>
-              <a:t>Cut over</a:t>
+              <a:rPr lang="en-IE" dirty="0"/>
+              <a:t>Prepare Azure environment</a:t>
             </a:r>
           </a:p>
           <a:p>
             <a:pPr lvl="1"/>
             <a:r>
-              <a:rPr lang="en-IE"/>
-              <a:t>ASR failover</a:t>
+              <a:rPr lang="en-IE" dirty="0"/>
+              <a:t>Accounts, permissions, recovery services vault, storage, network…everything except the VMs and their disks</a:t>
+            </a:r>
+          </a:p>
+          <a:p>
+            <a:r>
+              <a:rPr lang="en-IE" dirty="0"/>
+              <a:t>Deploy on-premises components</a:t>
             </a:r>
           </a:p>
           <a:p>
             <a:pPr lvl="1"/>
             <a:r>
-              <a:rPr lang="en-IE"/>
-              <a:t>Update application settings (connection strings, configurations, etc)</a:t>
-            </a:r>
-          </a:p>
-          <a:p>
-            <a:pPr lvl="1"/>
-            <a:r>
-              <a:rPr lang="en-IE"/>
-              <a:t>Acceptance testing</a:t>
-            </a:r>
-          </a:p>
-          <a:p>
-            <a:pPr lvl="1"/>
-            <a:r>
-              <a:rPr lang="en-IE"/>
-              <a:t>Endpoint update (typically DNS change)</a:t>
-            </a:r>
-          </a:p>
-          <a:p>
-            <a:r>
-              <a:rPr lang="en-IE"/>
-              <a:t>Post-migration</a:t>
-            </a:r>
-          </a:p>
-          <a:p>
-            <a:pPr lvl="1"/>
-            <a:r>
-              <a:rPr lang="en-IE"/>
-              <a:t>Install VM agent / uninstall mobility agent</a:t>
-            </a:r>
-          </a:p>
-          <a:p>
-            <a:pPr lvl="1"/>
-            <a:r>
-              <a:rPr lang="en-IE"/>
-              <a:t>Configure backup and DR</a:t>
-            </a:r>
-          </a:p>
-          <a:p>
-            <a:pPr lvl="1"/>
-            <a:r>
-              <a:rPr lang="en-IE"/>
-              <a:t>Enable disk encryption</a:t>
-            </a:r>
-          </a:p>
-          <a:p>
-            <a:pPr lvl="1"/>
-            <a:r>
-              <a:rPr lang="en-IE"/>
-              <a:t>Review security and availability settings</a:t>
-            </a:r>
-          </a:p>
-          <a:p>
-            <a:pPr lvl="1"/>
-            <a:r>
-              <a:rPr lang="en-IE"/>
-              <a:t>Review Azure Advisor / Security Center recommendations</a:t>
+              <a:rPr lang="en-IE" dirty="0"/>
+              <a:t>VMware or Physical: Configuration server, process server, mobility agent</a:t>
+            </a:r>
+          </a:p>
+          <a:p>
+            <a:r>
+              <a:rPr lang="en-IE" dirty="0"/>
+              <a:t>Configure replication policy and enable replication</a:t>
+            </a:r>
+          </a:p>
+          <a:p>
+            <a:r>
+              <a:rPr lang="en-IE" dirty="0"/>
+              <a:t>Perform test failover and verify</a:t>
             </a:r>
           </a:p>
           <a:p>
@@ -29664,7 +30065,7 @@
     </p:spTree>
     <p:extLst>
       <p:ext uri="{BB962C8B-B14F-4D97-AF65-F5344CB8AC3E}">
-        <p14:creationId xmlns:p14="http://schemas.microsoft.com/office/powerpoint/2010/main" val="1314888463"/>
+        <p14:creationId xmlns:p14="http://schemas.microsoft.com/office/powerpoint/2010/main" val="3410966198"/>
       </p:ext>
     </p:extLst>
   </p:cSld>
@@ -29710,85 +30111,84 @@
             <p:ph type="body" sz="quarter" idx="10"/>
           </p:nvPr>
         </p:nvSpPr>
-        <p:spPr>
-          <a:xfrm>
-            <a:off x="269239" y="1189177"/>
-            <a:ext cx="11653523" cy="5639236"/>
-          </a:xfrm>
-        </p:spPr>
+        <p:spPr/>
         <p:txBody>
           <a:bodyPr/>
           <a:lstStyle/>
           <a:p>
             <a:r>
-              <a:rPr lang="en-IE" dirty="0"/>
-              <a:t>Create target DB in Azure</a:t>
-            </a:r>
-          </a:p>
-          <a:p>
-            <a:r>
-              <a:rPr lang="en-IE" dirty="0"/>
-              <a:t>Create </a:t>
-            </a:r>
-            <a:r>
-              <a:rPr lang="en-IE" dirty="0" err="1"/>
-              <a:t>VNet</a:t>
-            </a:r>
-            <a:r>
-              <a:rPr lang="en-IE" dirty="0"/>
-              <a:t> with access to source and target</a:t>
+              <a:rPr lang="en-IE"/>
+              <a:t>Cut over</a:t>
             </a:r>
           </a:p>
           <a:p>
             <a:pPr lvl="1"/>
             <a:r>
-              <a:rPr lang="en-IE" dirty="0"/>
-              <a:t>DMS deploys into this </a:t>
-            </a:r>
-            <a:r>
-              <a:rPr lang="en-IE" dirty="0" err="1"/>
-              <a:t>VNet</a:t>
-            </a:r>
-            <a:r>
-              <a:rPr lang="en-IE" dirty="0"/>
-              <a:t> for connectivity</a:t>
+              <a:rPr lang="en-IE"/>
+              <a:t>ASR failover</a:t>
             </a:r>
           </a:p>
           <a:p>
             <a:pPr lvl="1"/>
             <a:r>
-              <a:rPr lang="en-IE" dirty="0"/>
-              <a:t>Use S2S VPN or ExpressRoute for on-premises access</a:t>
+              <a:rPr lang="en-IE"/>
+              <a:t>Update application settings (connection strings, configurations, etc)</a:t>
             </a:r>
           </a:p>
           <a:p>
             <a:pPr lvl="1"/>
             <a:r>
-              <a:rPr lang="en-IE" dirty="0"/>
-              <a:t>Requires Internet access on TCP ports 443, 53, 9354, 445, 12000</a:t>
+              <a:rPr lang="en-IE"/>
+              <a:t>Acceptance testing</a:t>
             </a:r>
           </a:p>
           <a:p>
             <a:pPr lvl="1"/>
             <a:r>
-              <a:rPr lang="en-IE" dirty="0"/>
-              <a:t>Database access on port 1433 (NSGs, firewalls)</a:t>
-            </a:r>
-          </a:p>
-          <a:p>
-            <a:r>
-              <a:rPr lang="en-IE" dirty="0"/>
-              <a:t>Use DMA for assessment and schema migration</a:t>
-            </a:r>
-          </a:p>
-          <a:p>
-            <a:r>
-              <a:rPr lang="en-IE" dirty="0"/>
-              <a:t>Use DMS for data migration</a:t>
-            </a:r>
-          </a:p>
-          <a:p>
-            <a:endParaRPr lang="en-IE" dirty="0"/>
+              <a:rPr lang="en-IE"/>
+              <a:t>Endpoint update (typically DNS change)</a:t>
+            </a:r>
+          </a:p>
+          <a:p>
+            <a:r>
+              <a:rPr lang="en-IE"/>
+              <a:t>Post-migration</a:t>
+            </a:r>
+          </a:p>
+          <a:p>
+            <a:pPr lvl="1"/>
+            <a:r>
+              <a:rPr lang="en-IE"/>
+              <a:t>Install VM agent / uninstall mobility agent</a:t>
+            </a:r>
+          </a:p>
+          <a:p>
+            <a:pPr lvl="1"/>
+            <a:r>
+              <a:rPr lang="en-IE"/>
+              <a:t>Configure backup and DR</a:t>
+            </a:r>
+          </a:p>
+          <a:p>
+            <a:pPr lvl="1"/>
+            <a:r>
+              <a:rPr lang="en-IE"/>
+              <a:t>Enable disk encryption</a:t>
+            </a:r>
+          </a:p>
+          <a:p>
+            <a:pPr lvl="1"/>
+            <a:r>
+              <a:rPr lang="en-IE"/>
+              <a:t>Review security and availability settings</a:t>
+            </a:r>
+          </a:p>
+          <a:p>
+            <a:pPr lvl="1"/>
+            <a:r>
+              <a:rPr lang="en-IE"/>
+              <a:t>Review Azure Advisor / Security Center recommendations</a:t>
+            </a:r>
           </a:p>
           <a:p>
             <a:endParaRPr lang="en-IE" dirty="0"/>
@@ -29817,16 +30217,17 @@
           <a:lstStyle/>
           <a:p>
             <a:r>
-              <a:rPr lang="en-IE" sz="4400" dirty="0"/>
-              <a:t>Solution Details: Database Migration Service (DMS)</a:t>
-            </a:r>
+              <a:rPr lang="en-IE"/>
+              <a:t>Solution Details: Azure Site Recovery</a:t>
+            </a:r>
+            <a:endParaRPr lang="en-IE" dirty="0"/>
           </a:p>
         </p:txBody>
       </p:sp>
     </p:spTree>
     <p:extLst>
       <p:ext uri="{BB962C8B-B14F-4D97-AF65-F5344CB8AC3E}">
-        <p14:creationId xmlns:p14="http://schemas.microsoft.com/office/powerpoint/2010/main" val="880095348"/>
+        <p14:creationId xmlns:p14="http://schemas.microsoft.com/office/powerpoint/2010/main" val="1314888463"/>
       </p:ext>
     </p:extLst>
   </p:cSld>
@@ -29875,6 +30276,168 @@
         <p:spPr>
           <a:xfrm>
             <a:off x="269239" y="1189177"/>
+            <a:ext cx="11653523" cy="5639236"/>
+          </a:xfrm>
+        </p:spPr>
+        <p:txBody>
+          <a:bodyPr/>
+          <a:lstStyle/>
+          <a:p>
+            <a:r>
+              <a:rPr lang="en-IE" dirty="0"/>
+              <a:t>Create target DB in Azure</a:t>
+            </a:r>
+          </a:p>
+          <a:p>
+            <a:r>
+              <a:rPr lang="en-IE" dirty="0"/>
+              <a:t>Create </a:t>
+            </a:r>
+            <a:r>
+              <a:rPr lang="en-IE" dirty="0" err="1"/>
+              <a:t>VNet</a:t>
+            </a:r>
+            <a:r>
+              <a:rPr lang="en-IE" dirty="0"/>
+              <a:t> with access to source and target</a:t>
+            </a:r>
+          </a:p>
+          <a:p>
+            <a:pPr lvl="1"/>
+            <a:r>
+              <a:rPr lang="en-IE" dirty="0"/>
+              <a:t>DMS deploys into this </a:t>
+            </a:r>
+            <a:r>
+              <a:rPr lang="en-IE" dirty="0" err="1"/>
+              <a:t>VNet</a:t>
+            </a:r>
+            <a:r>
+              <a:rPr lang="en-IE" dirty="0"/>
+              <a:t> for connectivity</a:t>
+            </a:r>
+          </a:p>
+          <a:p>
+            <a:pPr lvl="1"/>
+            <a:r>
+              <a:rPr lang="en-IE" dirty="0"/>
+              <a:t>Use S2S VPN or ExpressRoute for on-premises access</a:t>
+            </a:r>
+          </a:p>
+          <a:p>
+            <a:pPr lvl="1"/>
+            <a:r>
+              <a:rPr lang="en-IE" dirty="0"/>
+              <a:t>Requires Internet access on TCP ports 443, 53, 9354, 445, 12000</a:t>
+            </a:r>
+          </a:p>
+          <a:p>
+            <a:pPr lvl="1"/>
+            <a:r>
+              <a:rPr lang="en-IE" dirty="0"/>
+              <a:t>Database access on port 1433 (NSGs, firewalls)</a:t>
+            </a:r>
+          </a:p>
+          <a:p>
+            <a:r>
+              <a:rPr lang="en-IE" dirty="0"/>
+              <a:t>Use DMA for assessment and schema migration</a:t>
+            </a:r>
+          </a:p>
+          <a:p>
+            <a:r>
+              <a:rPr lang="en-IE" dirty="0"/>
+              <a:t>Use DMS for data migration</a:t>
+            </a:r>
+          </a:p>
+          <a:p>
+            <a:endParaRPr lang="en-IE" dirty="0"/>
+          </a:p>
+          <a:p>
+            <a:endParaRPr lang="en-IE" dirty="0"/>
+          </a:p>
+        </p:txBody>
+      </p:sp>
+      <p:sp>
+        <p:nvSpPr>
+          <p:cNvPr id="2" name="Title 1">
+            <a:extLst>
+              <a:ext uri="{FF2B5EF4-FFF2-40B4-BE49-F238E27FC236}">
+                <a16:creationId xmlns:a16="http://schemas.microsoft.com/office/drawing/2014/main" id="{59C1FCCA-E72A-4D22-BB7E-034E6745E6AE}"/>
+              </a:ext>
+            </a:extLst>
+          </p:cNvPr>
+          <p:cNvSpPr>
+            <a:spLocks noGrp="1"/>
+          </p:cNvSpPr>
+          <p:nvPr>
+            <p:ph type="title"/>
+          </p:nvPr>
+        </p:nvSpPr>
+        <p:spPr/>
+        <p:txBody>
+          <a:bodyPr/>
+          <a:lstStyle/>
+          <a:p>
+            <a:r>
+              <a:rPr lang="en-IE" sz="4400" dirty="0"/>
+              <a:t>Solution Details: Database Migration Service (DMS)</a:t>
+            </a:r>
+          </a:p>
+        </p:txBody>
+      </p:sp>
+    </p:spTree>
+    <p:extLst>
+      <p:ext uri="{BB962C8B-B14F-4D97-AF65-F5344CB8AC3E}">
+        <p14:creationId xmlns:p14="http://schemas.microsoft.com/office/powerpoint/2010/main" val="880095348"/>
+      </p:ext>
+    </p:extLst>
+  </p:cSld>
+  <p:clrMapOvr>
+    <a:masterClrMapping/>
+  </p:clrMapOvr>
+  <p:transition>
+    <p:fade/>
+  </p:transition>
+</p:sld>
+</file>
+
+<file path=ppt/slides/slide28.xml><?xml version="1.0" encoding="utf-8"?>
+<p:sld xmlns:a="http://schemas.openxmlformats.org/drawingml/2006/main" xmlns:r="http://schemas.openxmlformats.org/officeDocument/2006/relationships" xmlns:p="http://schemas.openxmlformats.org/presentationml/2006/main">
+  <p:cSld>
+    <p:spTree>
+      <p:nvGrpSpPr>
+        <p:cNvPr id="1" name=""/>
+        <p:cNvGrpSpPr/>
+        <p:nvPr/>
+      </p:nvGrpSpPr>
+      <p:grpSpPr>
+        <a:xfrm>
+          <a:off x="0" y="0"/>
+          <a:ext cx="0" cy="0"/>
+          <a:chOff x="0" y="0"/>
+          <a:chExt cx="0" cy="0"/>
+        </a:xfrm>
+      </p:grpSpPr>
+      <p:sp>
+        <p:nvSpPr>
+          <p:cNvPr id="3" name="Text Placeholder 2">
+            <a:extLst>
+              <a:ext uri="{FF2B5EF4-FFF2-40B4-BE49-F238E27FC236}">
+                <a16:creationId xmlns:a16="http://schemas.microsoft.com/office/drawing/2014/main" id="{E62D2B87-13E1-4D84-A606-CB293B6C82B6}"/>
+              </a:ext>
+            </a:extLst>
+          </p:cNvPr>
+          <p:cNvSpPr>
+            <a:spLocks noGrp="1"/>
+          </p:cNvSpPr>
+          <p:nvPr>
+            <p:ph type="body" sz="quarter" idx="10"/>
+          </p:nvPr>
+        </p:nvSpPr>
+        <p:spPr>
+          <a:xfrm>
+            <a:off x="269239" y="1189177"/>
             <a:ext cx="11653523" cy="5904822"/>
           </a:xfrm>
         </p:spPr>
@@ -30030,156 +30593,6 @@
 </p:sld>
 </file>
 
-<file path=ppt/slides/slide28.xml><?xml version="1.0" encoding="utf-8"?>
-<p:sld xmlns:a="http://schemas.openxmlformats.org/drawingml/2006/main" xmlns:r="http://schemas.openxmlformats.org/officeDocument/2006/relationships" xmlns:p="http://schemas.openxmlformats.org/presentationml/2006/main">
-  <p:cSld>
-    <p:spTree>
-      <p:nvGrpSpPr>
-        <p:cNvPr id="1" name=""/>
-        <p:cNvGrpSpPr/>
-        <p:nvPr/>
-      </p:nvGrpSpPr>
-      <p:grpSpPr>
-        <a:xfrm>
-          <a:off x="0" y="0"/>
-          <a:ext cx="0" cy="0"/>
-          <a:chOff x="0" y="0"/>
-          <a:chExt cx="0" cy="0"/>
-        </a:xfrm>
-      </p:grpSpPr>
-      <p:sp>
-        <p:nvSpPr>
-          <p:cNvPr id="2" name="Title 1"/>
-          <p:cNvSpPr>
-            <a:spLocks noGrp="1"/>
-          </p:cNvSpPr>
-          <p:nvPr>
-            <p:ph type="title"/>
-          </p:nvPr>
-        </p:nvSpPr>
-        <p:spPr/>
-        <p:txBody>
-          <a:bodyPr/>
-          <a:lstStyle/>
-          <a:p>
-            <a:r>
-              <a:rPr lang="en-US" dirty="0"/>
-              <a:t>Preferred objections handling</a:t>
-            </a:r>
-            <a:br>
-              <a:rPr lang="en-US" dirty="0"/>
-            </a:br>
-            <a:endParaRPr lang="en-US" dirty="0"/>
-          </a:p>
-        </p:txBody>
-      </p:sp>
-      <p:sp>
-        <p:nvSpPr>
-          <p:cNvPr id="3" name="Content Placeholder 2"/>
-          <p:cNvSpPr>
-            <a:spLocks noGrp="1"/>
-          </p:cNvSpPr>
-          <p:nvPr>
-            <p:ph type="body" sz="quarter" idx="10"/>
-          </p:nvPr>
-        </p:nvSpPr>
-        <p:spPr>
-          <a:xfrm>
-            <a:off x="269239" y="1189177"/>
-            <a:ext cx="11653523" cy="5133713"/>
-          </a:xfrm>
-        </p:spPr>
-        <p:txBody>
-          <a:bodyPr/>
-          <a:lstStyle/>
-          <a:p>
-            <a:r>
-              <a:rPr lang="en-US" sz="2400" dirty="0">
-                <a:latin typeface="Segoe UI Semibold" panose="020B0702040204020203" pitchFamily="34" charset="0"/>
-                <a:cs typeface="Segoe UI Semibold" panose="020B0702040204020203" pitchFamily="34" charset="0"/>
-              </a:rPr>
-              <a:t>Objection: </a:t>
-            </a:r>
-            <a:r>
-              <a:rPr lang="en-US" sz="2400" dirty="0">
-                <a:solidFill>
-                  <a:schemeClr val="tx1"/>
-                </a:solidFill>
-              </a:rPr>
-              <a:t>Owners of each business application need to approve any substantial application change, including migration. Business owners have indicated that they will require evidence that migration will be successful before granting approval.</a:t>
-            </a:r>
-          </a:p>
-          <a:p>
-            <a:endParaRPr lang="en-US" sz="2400" dirty="0"/>
-          </a:p>
-          <a:p>
-            <a:r>
-              <a:rPr lang="en-US" sz="2400" dirty="0">
-                <a:latin typeface="Segoe UI Semibold" panose="020B0702040204020203" pitchFamily="34" charset="0"/>
-                <a:cs typeface="Segoe UI Semibold" panose="020B0702040204020203" pitchFamily="34" charset="0"/>
-              </a:rPr>
-              <a:t>Answer: </a:t>
-            </a:r>
-            <a:r>
-              <a:rPr lang="en-US" sz="2400" dirty="0">
-                <a:solidFill>
-                  <a:schemeClr val="tx1"/>
-                </a:solidFill>
-              </a:rPr>
-              <a:t>Create of a proof of concept deployment, to validate the overall architecture and any assumptions, for example regarding the impact of changes to network latency between application components.</a:t>
-            </a:r>
-            <a:br>
-              <a:rPr lang="en-US" sz="2400" dirty="0">
-                <a:solidFill>
-                  <a:schemeClr val="tx1"/>
-                </a:solidFill>
-              </a:rPr>
-            </a:br>
-            <a:r>
-              <a:rPr lang="en-US" sz="2400" dirty="0">
-                <a:solidFill>
-                  <a:schemeClr val="tx1"/>
-                </a:solidFill>
-              </a:rPr>
-              <a:t>For the migration process itself, Azure Site Recovery supports a 'test failover'. This creates the Azure deployment in parallel with the existing deployment, allowing the migration process to be verified without risk of production impact. Likewise, database migration using DMS does not impact the existing production database.</a:t>
-            </a:r>
-          </a:p>
-          <a:p>
-            <a:r>
-              <a:rPr lang="en-US" sz="2400" dirty="0">
-                <a:solidFill>
-                  <a:schemeClr val="tx1"/>
-                </a:solidFill>
-              </a:rPr>
-              <a:t>Third-party migration tools used for migration of physical servers similarly support a validation step prior to committing the migration.</a:t>
-            </a:r>
-          </a:p>
-          <a:p>
-            <a:endParaRPr lang="en-US" sz="2400" dirty="0"/>
-          </a:p>
-        </p:txBody>
-      </p:sp>
-    </p:spTree>
-    <p:extLst>
-      <p:ext uri="{BB962C8B-B14F-4D97-AF65-F5344CB8AC3E}">
-        <p14:creationId xmlns:p14="http://schemas.microsoft.com/office/powerpoint/2010/main" val="2923730869"/>
-      </p:ext>
-    </p:extLst>
-  </p:cSld>
-  <p:clrMapOvr>
-    <a:masterClrMapping/>
-  </p:clrMapOvr>
-  <mc:AlternateContent xmlns:mc="http://schemas.openxmlformats.org/markup-compatibility/2006" xmlns:p14="http://schemas.microsoft.com/office/powerpoint/2010/main">
-    <mc:Choice Requires="p14">
-      <p:transition p14:dur="0"/>
-    </mc:Choice>
-    <mc:Fallback xmlns="">
-      <p:transition/>
-    </mc:Fallback>
-  </mc:AlternateContent>
-</p:sld>
-</file>
-
 <file path=ppt/slides/slide29.xml><?xml version="1.0" encoding="utf-8"?>
 <p:sld xmlns:a="http://schemas.openxmlformats.org/drawingml/2006/main" xmlns:r="http://schemas.openxmlformats.org/officeDocument/2006/relationships" xmlns:p="http://schemas.openxmlformats.org/presentationml/2006/main">
   <p:cSld>
@@ -30236,7 +30649,7 @@
         <p:spPr>
           <a:xfrm>
             <a:off x="269239" y="1189177"/>
-            <a:ext cx="11653523" cy="1994392"/>
+            <a:ext cx="11653523" cy="5133713"/>
           </a:xfrm>
         </p:spPr>
         <p:txBody>
@@ -30251,20 +30664,12 @@
               <a:t>Objection: </a:t>
             </a:r>
             <a:r>
-              <a:rPr lang="en-US" sz="2400" dirty="0" err="1">
-                <a:solidFill>
-                  <a:schemeClr val="tx1"/>
-                </a:solidFill>
-              </a:rPr>
-              <a:t>Fabrikam</a:t>
-            </a:r>
-            <a:r>
               <a:rPr lang="en-US" sz="2400" dirty="0">
                 <a:solidFill>
                   <a:schemeClr val="tx1"/>
                 </a:solidFill>
               </a:rPr>
-              <a:t> have negotiated an Enterprise Agreement (EA) with Microsoft for their Azure consumption. Any cost estimates need to reflect their EA discount.</a:t>
+              <a:t>Owners of each business application need to approve any substantial application change, including migration. Business owners have indicated that they will require evidence that migration will be successful before granting approval.</a:t>
             </a:r>
           </a:p>
           <a:p>
@@ -30284,8 +30689,35 @@
                   <a:schemeClr val="tx1"/>
                 </a:solidFill>
               </a:rPr>
-              <a:t>Not a problem! Cost estimates from both Azure Migrate and the Azure Pricing Calculator can be tailored to reflect your EA discount.</a:t>
-            </a:r>
+              <a:t>Create of a proof of concept deployment, to validate the overall architecture and any assumptions, for example regarding the impact of changes to network latency between application components.</a:t>
+            </a:r>
+            <a:br>
+              <a:rPr lang="en-US" sz="2400" dirty="0">
+                <a:solidFill>
+                  <a:schemeClr val="tx1"/>
+                </a:solidFill>
+              </a:rPr>
+            </a:br>
+            <a:r>
+              <a:rPr lang="en-US" sz="2400" dirty="0">
+                <a:solidFill>
+                  <a:schemeClr val="tx1"/>
+                </a:solidFill>
+              </a:rPr>
+              <a:t>For the migration process itself, Azure Site Recovery supports a 'test failover'. This creates the Azure deployment in parallel with the existing deployment, allowing the migration process to be verified without risk of production impact. Likewise, database migration using DMS does not impact the existing production database.</a:t>
+            </a:r>
+          </a:p>
+          <a:p>
+            <a:r>
+              <a:rPr lang="en-US" sz="2400" dirty="0">
+                <a:solidFill>
+                  <a:schemeClr val="tx1"/>
+                </a:solidFill>
+              </a:rPr>
+              <a:t>Third-party migration tools used for migration of physical servers similarly support a validation step prior to committing the migration.</a:t>
+            </a:r>
+          </a:p>
+          <a:p>
             <a:endParaRPr lang="en-US" sz="2400" dirty="0"/>
           </a:p>
         </p:txBody>
@@ -30293,7 +30725,7 @@
     </p:spTree>
     <p:extLst>
       <p:ext uri="{BB962C8B-B14F-4D97-AF65-F5344CB8AC3E}">
-        <p14:creationId xmlns:p14="http://schemas.microsoft.com/office/powerpoint/2010/main" val="2403139044"/>
+        <p14:creationId xmlns:p14="http://schemas.microsoft.com/office/powerpoint/2010/main" val="2923730869"/>
       </p:ext>
     </p:extLst>
   </p:cSld>
@@ -30518,7 +30950,7 @@
         <p:spPr>
           <a:xfrm>
             <a:off x="269239" y="1189177"/>
-            <a:ext cx="11653523" cy="3804118"/>
+            <a:ext cx="11653523" cy="1994392"/>
           </a:xfrm>
         </p:spPr>
         <p:txBody>
@@ -30533,8 +30965,20 @@
               <a:t>Objection: </a:t>
             </a:r>
             <a:r>
-              <a:rPr lang="en-US" sz="2400" dirty="0"/>
-              <a:t>Many applications comprise multiple components or tiers. How can you ensure that these migrations are appropriately orchestrated?</a:t>
+              <a:rPr lang="en-US" sz="2400" dirty="0" err="1">
+                <a:solidFill>
+                  <a:schemeClr val="tx1"/>
+                </a:solidFill>
+              </a:rPr>
+              <a:t>Fabrikam</a:t>
+            </a:r>
+            <a:r>
+              <a:rPr lang="en-US" sz="2400" dirty="0">
+                <a:solidFill>
+                  <a:schemeClr val="tx1"/>
+                </a:solidFill>
+              </a:rPr>
+              <a:t> have negotiated an Enterprise Agreement (EA) with Microsoft for their Azure consumption. Any cost estimates need to reflect their EA discount.</a:t>
             </a:r>
           </a:p>
           <a:p>
@@ -30549,28 +30993,21 @@
               <a:t>Answer: </a:t>
             </a:r>
             <a:r>
-              <a:rPr lang="en-US" sz="2400" dirty="0"/>
-              <a:t>Using Azure Site Recovery, VMs can be grouped to reflect the application architecture. The dependency visualization feature of Azure Migrate helps identify and configure these groupings.</a:t>
-            </a:r>
-          </a:p>
-          <a:p>
-            <a:r>
-              <a:rPr lang="en-US" sz="2400" dirty="0"/>
-              <a:t>The migration process can then be staged to migrate different groups of VMs separately. Custom scripts can be used to perform custom pre- and post-migration operations.</a:t>
-            </a:r>
-          </a:p>
-          <a:p>
-            <a:r>
-              <a:rPr lang="en-US" sz="2400" dirty="0"/>
-              <a:t>Similar orchestration is also supported by third-party migration tools, used for physical servers.</a:t>
-            </a:r>
+              <a:rPr lang="en-US" sz="2400" dirty="0">
+                <a:solidFill>
+                  <a:schemeClr val="tx1"/>
+                </a:solidFill>
+              </a:rPr>
+              <a:t>Not a problem! Cost estimates from both Azure Migrate and the Azure Pricing Calculator can be tailored to reflect your EA discount.</a:t>
+            </a:r>
+            <a:endParaRPr lang="en-US" sz="2400" dirty="0"/>
           </a:p>
         </p:txBody>
       </p:sp>
     </p:spTree>
     <p:extLst>
       <p:ext uri="{BB962C8B-B14F-4D97-AF65-F5344CB8AC3E}">
-        <p14:creationId xmlns:p14="http://schemas.microsoft.com/office/powerpoint/2010/main" val="3692539223"/>
+        <p14:creationId xmlns:p14="http://schemas.microsoft.com/office/powerpoint/2010/main" val="2403139044"/>
       </p:ext>
     </p:extLst>
   </p:cSld>
@@ -30644,7 +31081,7 @@
         <p:spPr>
           <a:xfrm>
             <a:off x="269239" y="1189177"/>
-            <a:ext cx="11653523" cy="4136517"/>
+            <a:ext cx="11653523" cy="3804118"/>
           </a:xfrm>
         </p:spPr>
         <p:txBody>
@@ -30660,7 +31097,7 @@
             </a:r>
             <a:r>
               <a:rPr lang="en-US" sz="2400" dirty="0"/>
-              <a:t>Each migration should be designed to minimize application downtime. There must be an option to fail-back should the migration experience an unexpected problem.</a:t>
+              <a:t>Many applications comprise multiple components or tiers. How can you ensure that these migrations are appropriately orchestrated?</a:t>
             </a:r>
           </a:p>
           <a:p>
@@ -30676,19 +31113,19 @@
             </a:r>
             <a:r>
               <a:rPr lang="en-US" sz="2400" dirty="0"/>
-              <a:t>To ensure data consistency during migration, a short application downtime may be required. With ASR, incremental replication keeps the duration of this downtime to a minimum.</a:t>
+              <a:t>Using Azure Site Recovery, VMs can be grouped to reflect the application architecture. The dependency visualization feature of Azure Migrate helps identify and configure these groupings.</a:t>
             </a:r>
           </a:p>
           <a:p>
             <a:r>
               <a:rPr lang="en-US" sz="2400" dirty="0"/>
-              <a:t>Similarly, data migration using DMS supports online migration, allowing you to keep your application online while data is synchronized. Only a short downtime window is required to cut over to the new database.</a:t>
+              <a:t>The migration process can then be staged to migrate different groups of VMs separately. Custom scripts can be used to perform custom pre- and post-migration operations.</a:t>
             </a:r>
           </a:p>
           <a:p>
             <a:r>
               <a:rPr lang="en-US" sz="2400" dirty="0"/>
-              <a:t>In the event of an unexpected issue arising, the existing deployment remains available as a fail-back.</a:t>
+              <a:t>Similar orchestration is also supported by third-party migration tools, used for physical servers.</a:t>
             </a:r>
           </a:p>
         </p:txBody>
@@ -30696,7 +31133,7 @@
     </p:spTree>
     <p:extLst>
       <p:ext uri="{BB962C8B-B14F-4D97-AF65-F5344CB8AC3E}">
-        <p14:creationId xmlns:p14="http://schemas.microsoft.com/office/powerpoint/2010/main" val="1920224808"/>
+        <p14:creationId xmlns:p14="http://schemas.microsoft.com/office/powerpoint/2010/main" val="3692539223"/>
       </p:ext>
     </p:extLst>
   </p:cSld>
@@ -30747,6 +31184,258 @@
           <a:lstStyle/>
           <a:p>
             <a:r>
+              <a:rPr lang="en-US" dirty="0"/>
+              <a:t>Preferred objections handling</a:t>
+            </a:r>
+            <a:br>
+              <a:rPr lang="en-US" dirty="0"/>
+            </a:br>
+            <a:endParaRPr lang="en-US" dirty="0"/>
+          </a:p>
+        </p:txBody>
+      </p:sp>
+      <p:sp>
+        <p:nvSpPr>
+          <p:cNvPr id="3" name="Content Placeholder 2"/>
+          <p:cNvSpPr>
+            <a:spLocks noGrp="1"/>
+          </p:cNvSpPr>
+          <p:nvPr>
+            <p:ph type="body" sz="quarter" idx="10"/>
+          </p:nvPr>
+        </p:nvSpPr>
+        <p:spPr>
+          <a:xfrm>
+            <a:off x="269239" y="1189177"/>
+            <a:ext cx="11653523" cy="4136517"/>
+          </a:xfrm>
+        </p:spPr>
+        <p:txBody>
+          <a:bodyPr/>
+          <a:lstStyle/>
+          <a:p>
+            <a:r>
+              <a:rPr lang="en-US" sz="2400" dirty="0">
+                <a:latin typeface="Segoe UI Semibold" panose="020B0702040204020203" pitchFamily="34" charset="0"/>
+                <a:cs typeface="Segoe UI Semibold" panose="020B0702040204020203" pitchFamily="34" charset="0"/>
+              </a:rPr>
+              <a:t>Objection: </a:t>
+            </a:r>
+            <a:r>
+              <a:rPr lang="en-US" sz="2400" dirty="0"/>
+              <a:t>Each migration should be designed to minimize application downtime. There must be an option to fail-back should the migration experience an unexpected problem.</a:t>
+            </a:r>
+          </a:p>
+          <a:p>
+            <a:endParaRPr lang="en-US" sz="2400" dirty="0"/>
+          </a:p>
+          <a:p>
+            <a:r>
+              <a:rPr lang="en-US" sz="2400" dirty="0">
+                <a:latin typeface="Segoe UI Semibold" panose="020B0702040204020203" pitchFamily="34" charset="0"/>
+                <a:cs typeface="Segoe UI Semibold" panose="020B0702040204020203" pitchFamily="34" charset="0"/>
+              </a:rPr>
+              <a:t>Answer: </a:t>
+            </a:r>
+            <a:r>
+              <a:rPr lang="en-US" sz="2400" dirty="0"/>
+              <a:t>To ensure data consistency during migration, a short application downtime may be required. With ASR, incremental replication keeps the duration of this downtime to a minimum.</a:t>
+            </a:r>
+          </a:p>
+          <a:p>
+            <a:r>
+              <a:rPr lang="en-US" sz="2400" dirty="0"/>
+              <a:t>Similarly, data migration using DMS supports online migration, allowing you to keep your application online while data is synchronized. Only a short downtime window is required to cut over to the new database.</a:t>
+            </a:r>
+          </a:p>
+          <a:p>
+            <a:r>
+              <a:rPr lang="en-US" sz="2400" dirty="0"/>
+              <a:t>In the event of an unexpected issue arising, the existing deployment remains available as a fail-back.</a:t>
+            </a:r>
+          </a:p>
+        </p:txBody>
+      </p:sp>
+    </p:spTree>
+    <p:extLst>
+      <p:ext uri="{BB962C8B-B14F-4D97-AF65-F5344CB8AC3E}">
+        <p14:creationId xmlns:p14="http://schemas.microsoft.com/office/powerpoint/2010/main" val="1920224808"/>
+      </p:ext>
+    </p:extLst>
+  </p:cSld>
+  <p:clrMapOvr>
+    <a:masterClrMapping/>
+  </p:clrMapOvr>
+  <mc:AlternateContent xmlns:mc="http://schemas.openxmlformats.org/markup-compatibility/2006" xmlns:p14="http://schemas.microsoft.com/office/powerpoint/2010/main">
+    <mc:Choice Requires="p14">
+      <p:transition p14:dur="0"/>
+    </mc:Choice>
+    <mc:Fallback xmlns="">
+      <p:transition/>
+    </mc:Fallback>
+  </mc:AlternateContent>
+</p:sld>
+</file>
+
+<file path=ppt/slides/slide33.xml><?xml version="1.0" encoding="utf-8"?>
+<p:sld xmlns:a="http://schemas.openxmlformats.org/drawingml/2006/main" xmlns:r="http://schemas.openxmlformats.org/officeDocument/2006/relationships" xmlns:p="http://schemas.openxmlformats.org/presentationml/2006/main">
+  <p:cSld>
+    <p:spTree>
+      <p:nvGrpSpPr>
+        <p:cNvPr id="1" name=""/>
+        <p:cNvGrpSpPr/>
+        <p:nvPr/>
+      </p:nvGrpSpPr>
+      <p:grpSpPr>
+        <a:xfrm>
+          <a:off x="0" y="0"/>
+          <a:ext cx="0" cy="0"/>
+          <a:chOff x="0" y="0"/>
+          <a:chExt cx="0" cy="0"/>
+        </a:xfrm>
+      </p:grpSpPr>
+      <p:sp>
+        <p:nvSpPr>
+          <p:cNvPr id="2" name="Title 1"/>
+          <p:cNvSpPr>
+            <a:spLocks noGrp="1"/>
+          </p:cNvSpPr>
+          <p:nvPr>
+            <p:ph type="title"/>
+          </p:nvPr>
+        </p:nvSpPr>
+        <p:spPr/>
+        <p:txBody>
+          <a:bodyPr/>
+          <a:lstStyle/>
+          <a:p>
+            <a:r>
+              <a:rPr lang="en-US" dirty="0"/>
+              <a:t>Preferred objections handling</a:t>
+            </a:r>
+            <a:br>
+              <a:rPr lang="en-US" dirty="0"/>
+            </a:br>
+            <a:endParaRPr lang="en-US" dirty="0"/>
+          </a:p>
+        </p:txBody>
+      </p:sp>
+      <p:sp>
+        <p:nvSpPr>
+          <p:cNvPr id="3" name="Content Placeholder 2"/>
+          <p:cNvSpPr>
+            <a:spLocks noGrp="1"/>
+          </p:cNvSpPr>
+          <p:nvPr>
+            <p:ph type="body" sz="quarter" idx="10"/>
+          </p:nvPr>
+        </p:nvSpPr>
+        <p:spPr>
+          <a:xfrm>
+            <a:off x="269239" y="1189177"/>
+            <a:ext cx="11653523" cy="4468916"/>
+          </a:xfrm>
+        </p:spPr>
+        <p:txBody>
+          <a:bodyPr/>
+          <a:lstStyle/>
+          <a:p>
+            <a:r>
+              <a:rPr lang="en-US" sz="2400" dirty="0">
+                <a:latin typeface="Segoe UI Semibold" panose="020B0702040204020203" pitchFamily="34" charset="0"/>
+                <a:cs typeface="Segoe UI Semibold" panose="020B0702040204020203" pitchFamily="34" charset="0"/>
+              </a:rPr>
+              <a:t>Objection: </a:t>
+            </a:r>
+            <a:r>
+              <a:rPr lang="en-US" sz="2400" dirty="0"/>
+              <a:t>We are expecting to move all our existing infrastructure to Azure. Reducing our on-premises server costs should provide substantial cost savings. Can you confirm what savings we can expect?</a:t>
+            </a:r>
+          </a:p>
+          <a:p>
+            <a:endParaRPr lang="en-US" sz="2400" dirty="0"/>
+          </a:p>
+          <a:p>
+            <a:r>
+              <a:rPr lang="en-US" sz="2400" dirty="0">
+                <a:latin typeface="Segoe UI Semibold" panose="020B0702040204020203" pitchFamily="34" charset="0"/>
+                <a:cs typeface="Segoe UI Semibold" panose="020B0702040204020203" pitchFamily="34" charset="0"/>
+              </a:rPr>
+              <a:t>Answer: </a:t>
+            </a:r>
+            <a:r>
+              <a:rPr lang="en-US" sz="2400" dirty="0"/>
+              <a:t>It is a common myth that all workloads should move to the cloud, and that the cloud will automatically be cheaper. Careful planning will be required to optimize your Azure deployment, and a cost analysis performed to make sure the business case for migration is sound and fully understood.</a:t>
+            </a:r>
+          </a:p>
+          <a:p>
+            <a:r>
+              <a:rPr lang="en-US" sz="2400" dirty="0"/>
+              <a:t>The Build a business justification for cloud migration guide is a useful resource for dispelling cloud adoption myths and building a realistic business case.</a:t>
+            </a:r>
+          </a:p>
+          <a:p>
+            <a:r>
+              <a:rPr lang="en-US" sz="2400" dirty="0"/>
+              <a:t>https://docs.microsoft.com/azure/architecture/cloud-adoption/business-strategy/cloud-migration-business-case </a:t>
+            </a:r>
+          </a:p>
+        </p:txBody>
+      </p:sp>
+    </p:spTree>
+    <p:extLst>
+      <p:ext uri="{BB962C8B-B14F-4D97-AF65-F5344CB8AC3E}">
+        <p14:creationId xmlns:p14="http://schemas.microsoft.com/office/powerpoint/2010/main" val="541416141"/>
+      </p:ext>
+    </p:extLst>
+  </p:cSld>
+  <p:clrMapOvr>
+    <a:masterClrMapping/>
+  </p:clrMapOvr>
+  <mc:AlternateContent xmlns:mc="http://schemas.openxmlformats.org/markup-compatibility/2006" xmlns:p14="http://schemas.microsoft.com/office/powerpoint/2010/main">
+    <mc:Choice Requires="p14">
+      <p:transition p14:dur="0"/>
+    </mc:Choice>
+    <mc:Fallback xmlns="">
+      <p:transition/>
+    </mc:Fallback>
+  </mc:AlternateContent>
+</p:sld>
+</file>
+
+<file path=ppt/slides/slide34.xml><?xml version="1.0" encoding="utf-8"?>
+<p:sld xmlns:a="http://schemas.openxmlformats.org/drawingml/2006/main" xmlns:r="http://schemas.openxmlformats.org/officeDocument/2006/relationships" xmlns:p="http://schemas.openxmlformats.org/presentationml/2006/main">
+  <p:cSld>
+    <p:spTree>
+      <p:nvGrpSpPr>
+        <p:cNvPr id="1" name=""/>
+        <p:cNvGrpSpPr/>
+        <p:nvPr/>
+      </p:nvGrpSpPr>
+      <p:grpSpPr>
+        <a:xfrm>
+          <a:off x="0" y="0"/>
+          <a:ext cx="0" cy="0"/>
+          <a:chOff x="0" y="0"/>
+          <a:chExt cx="0" cy="0"/>
+        </a:xfrm>
+      </p:grpSpPr>
+      <p:sp>
+        <p:nvSpPr>
+          <p:cNvPr id="2" name="Title 1"/>
+          <p:cNvSpPr>
+            <a:spLocks noGrp="1"/>
+          </p:cNvSpPr>
+          <p:nvPr>
+            <p:ph type="title"/>
+          </p:nvPr>
+        </p:nvSpPr>
+        <p:spPr/>
+        <p:txBody>
+          <a:bodyPr/>
+          <a:lstStyle/>
+          <a:p>
+            <a:r>
               <a:rPr lang="en-US"/>
               <a:t>Customer quote</a:t>
             </a:r>
@@ -30827,7 +31516,7 @@
 </p:sld>
 </file>
 
-<file path=ppt/slides/slide33.xml><?xml version="1.0" encoding="utf-8"?>
+<file path=ppt/slides/slide35.xml><?xml version="1.0" encoding="utf-8"?>
 <p:sld xmlns:a="http://schemas.openxmlformats.org/drawingml/2006/main" xmlns:r="http://schemas.openxmlformats.org/officeDocument/2006/relationships" xmlns:p="http://schemas.openxmlformats.org/presentationml/2006/main">
   <p:cSld>
     <p:bg>
@@ -31399,7 +32088,7 @@
         <p:spPr>
           <a:xfrm>
             <a:off x="269239" y="1189176"/>
-            <a:ext cx="11653523" cy="5245179"/>
+            <a:ext cx="11653523" cy="5379313"/>
           </a:xfrm>
         </p:spPr>
         <p:txBody>
@@ -31450,6 +32139,13 @@
             <a:r>
               <a:rPr lang="en-US" dirty="0"/>
               <a:t>Create a modern, fit-for-purpose IT environment</a:t>
+            </a:r>
+          </a:p>
+          <a:p>
+            <a:pPr lvl="1"/>
+            <a:r>
+              <a:rPr lang="en-US" dirty="0"/>
+              <a:t>Save costs </a:t>
             </a:r>
           </a:p>
           <a:p>
@@ -32641,6 +33337,15 @@
 </file>
 
 <file path=customXml/item2.xml><?xml version="1.0" encoding="utf-8"?>
+<p:properties xmlns:p="http://schemas.microsoft.com/office/2006/metadata/properties" xmlns:xsi="http://www.w3.org/2001/XMLSchema-instance" xmlns:pc="http://schemas.microsoft.com/office/infopath/2007/PartnerControls">
+  <documentManagement>
+    <_ip_UnifiedCompliancePolicyUIAction xmlns="http://schemas.microsoft.com/sharepoint/v3" xsi:nil="true"/>
+    <_ip_UnifiedCompliancePolicyProperties xmlns="http://schemas.microsoft.com/sharepoint/v3" xsi:nil="true"/>
+  </documentManagement>
+</p:properties>
+</file>
+
+<file path=customXml/item3.xml><?xml version="1.0" encoding="utf-8"?>
 <ct:contentTypeSchema xmlns:ct="http://schemas.microsoft.com/office/2006/metadata/contentType" xmlns:ma="http://schemas.microsoft.com/office/2006/metadata/properties/metaAttributes" ct:_="" ma:_="" ma:contentTypeName="Document" ma:contentTypeID="0x010100D15DFA3690A15B4081582BBCC6BEAC3E" ma:contentTypeVersion="9" ma:contentTypeDescription="Create a new document." ma:contentTypeScope="" ma:versionID="642da1784587cbe85a7fdbbe4dc36103">
   <xsd:schema xmlns:xsd="http://www.w3.org/2001/XMLSchema" xmlns:xs="http://www.w3.org/2001/XMLSchema" xmlns:p="http://schemas.microsoft.com/office/2006/metadata/properties" xmlns:ns1="http://schemas.microsoft.com/sharepoint/v3" xmlns:ns2="2023ac63-7b75-4916-a9ee-591457758eee" xmlns:ns3="d9c797ad-d7c3-4982-82b7-81352a75e4a5" targetNamespace="http://schemas.microsoft.com/office/2006/metadata/properties" ma:root="true" ma:fieldsID="91198b0246576053cc55dd2c67035a89" ns1:_="" ns2:_="" ns3:_="">
     <xsd:import namespace="http://schemas.microsoft.com/sharepoint/v3"/>
@@ -32842,15 +33547,6 @@
 </ct:contentTypeSchema>
 </file>
 
-<file path=customXml/item3.xml><?xml version="1.0" encoding="utf-8"?>
-<p:properties xmlns:p="http://schemas.microsoft.com/office/2006/metadata/properties" xmlns:xsi="http://www.w3.org/2001/XMLSchema-instance" xmlns:pc="http://schemas.microsoft.com/office/infopath/2007/PartnerControls">
-  <documentManagement>
-    <_ip_UnifiedCompliancePolicyUIAction xmlns="http://schemas.microsoft.com/sharepoint/v3" xsi:nil="true"/>
-    <_ip_UnifiedCompliancePolicyProperties xmlns="http://schemas.microsoft.com/sharepoint/v3" xsi:nil="true"/>
-  </documentManagement>
-</p:properties>
-</file>
-
 <file path=customXml/itemProps1.xml><?xml version="1.0" encoding="utf-8"?>
 <ds:datastoreItem xmlns:ds="http://schemas.openxmlformats.org/officeDocument/2006/customXml" ds:itemID="{F18501AF-04CF-4482-BAE1-607B49DDC378}">
   <ds:schemaRefs>
@@ -32860,6 +33556,24 @@
 </file>
 
 <file path=customXml/itemProps2.xml><?xml version="1.0" encoding="utf-8"?>
+<ds:datastoreItem xmlns:ds="http://schemas.openxmlformats.org/officeDocument/2006/customXml" ds:itemID="{BAF7D529-36AB-45DA-B239-2F912F2D1610}">
+  <ds:schemaRefs>
+    <ds:schemaRef ds:uri="http://purl.org/dc/elements/1.1/"/>
+    <ds:schemaRef ds:uri="http://schemas.microsoft.com/office/2006/metadata/properties"/>
+    <ds:schemaRef ds:uri="http://purl.org/dc/dcmitype/"/>
+    <ds:schemaRef ds:uri="http://schemas.microsoft.com/sharepoint/v3"/>
+    <ds:schemaRef ds:uri="http://purl.org/dc/terms/"/>
+    <ds:schemaRef ds:uri="2023ac63-7b75-4916-a9ee-591457758eee"/>
+    <ds:schemaRef ds:uri="http://schemas.microsoft.com/office/2006/documentManagement/types"/>
+    <ds:schemaRef ds:uri="http://schemas.microsoft.com/office/infopath/2007/PartnerControls"/>
+    <ds:schemaRef ds:uri="http://schemas.openxmlformats.org/package/2006/metadata/core-properties"/>
+    <ds:schemaRef ds:uri="d9c797ad-d7c3-4982-82b7-81352a75e4a5"/>
+    <ds:schemaRef ds:uri="http://www.w3.org/XML/1998/namespace"/>
+  </ds:schemaRefs>
+</ds:datastoreItem>
+</file>
+
+<file path=customXml/itemProps3.xml><?xml version="1.0" encoding="utf-8"?>
 <ds:datastoreItem xmlns:ds="http://schemas.openxmlformats.org/officeDocument/2006/customXml" ds:itemID="{255F5BEB-6AD6-480A-8556-C80C5EBC10F2}">
   <ds:schemaRefs>
     <ds:schemaRef ds:uri="http://schemas.microsoft.com/office/2006/metadata/contentType"/>
@@ -32877,22 +33591,4 @@
     <ds:schemaRef ds:uri="http://schemas.microsoft.com/internal/obd"/>
   </ds:schemaRefs>
 </ds:datastoreItem>
-</file>
-
-<file path=customXml/itemProps3.xml><?xml version="1.0" encoding="utf-8"?>
-<ds:datastoreItem xmlns:ds="http://schemas.openxmlformats.org/officeDocument/2006/customXml" ds:itemID="{BAF7D529-36AB-45DA-B239-2F912F2D1610}">
-  <ds:schemaRefs>
-    <ds:schemaRef ds:uri="http://purl.org/dc/elements/1.1/"/>
-    <ds:schemaRef ds:uri="http://schemas.microsoft.com/office/2006/metadata/properties"/>
-    <ds:schemaRef ds:uri="http://purl.org/dc/dcmitype/"/>
-    <ds:schemaRef ds:uri="http://schemas.microsoft.com/sharepoint/v3"/>
-    <ds:schemaRef ds:uri="http://purl.org/dc/terms/"/>
-    <ds:schemaRef ds:uri="2023ac63-7b75-4916-a9ee-591457758eee"/>
-    <ds:schemaRef ds:uri="http://schemas.microsoft.com/office/2006/documentManagement/types"/>
-    <ds:schemaRef ds:uri="http://schemas.microsoft.com/office/infopath/2007/PartnerControls"/>
-    <ds:schemaRef ds:uri="http://schemas.openxmlformats.org/package/2006/metadata/core-properties"/>
-    <ds:schemaRef ds:uri="d9c797ad-d7c3-4982-82b7-81352a75e4a5"/>
-    <ds:schemaRef ds:uri="http://www.w3.org/XML/1998/namespace"/>
-  </ds:schemaRefs>
-</ds:datastoreItem>
 </file>